--- a/H2020_Presentation.pptx
+++ b/H2020_Presentation.pptx
@@ -347,7 +347,7 @@
           <p:cNvPr id="8" name="Date Placeholder 7">
             <a:extLst>
               <a:ext uri="{FF2B5EF4-FFF2-40B4-BE49-F238E27FC236}">
-                <a16:creationId xmlns:a16="http://schemas.microsoft.com/office/drawing/2014/main" id="{7FA0ACE7-29A8-47D3-A7D9-257B711D8023}"/>
+                <a16:creationId xmlns:a16="http://schemas.microsoft.com/office/drawing/2014/main" xmlns="" id="{7FA0ACE7-29A8-47D3-A7D9-257B711D8023}"/>
               </a:ext>
             </a:extLst>
           </p:cNvPr>
@@ -376,7 +376,7 @@
           <p:cNvPr id="9" name="Footer Placeholder 8">
             <a:extLst>
               <a:ext uri="{FF2B5EF4-FFF2-40B4-BE49-F238E27FC236}">
-                <a16:creationId xmlns:a16="http://schemas.microsoft.com/office/drawing/2014/main" id="{DEC604B9-52E9-4810-8359-47206518D038}"/>
+                <a16:creationId xmlns:a16="http://schemas.microsoft.com/office/drawing/2014/main" xmlns="" id="{DEC604B9-52E9-4810-8359-47206518D038}"/>
               </a:ext>
             </a:extLst>
           </p:cNvPr>
@@ -401,7 +401,7 @@
           <p:cNvPr id="10" name="Slide Number Placeholder 9">
             <a:extLst>
               <a:ext uri="{FF2B5EF4-FFF2-40B4-BE49-F238E27FC236}">
-                <a16:creationId xmlns:a16="http://schemas.microsoft.com/office/drawing/2014/main" id="{5898A89F-CA25-400F-B05A-AECBF2517E4F}"/>
+                <a16:creationId xmlns:a16="http://schemas.microsoft.com/office/drawing/2014/main" xmlns="" id="{5898A89F-CA25-400F-B05A-AECBF2517E4F}"/>
               </a:ext>
             </a:extLst>
           </p:cNvPr>
@@ -779,7 +779,7 @@
           <p:cNvPr id="8" name="Rectangle 7">
             <a:extLst>
               <a:ext uri="{FF2B5EF4-FFF2-40B4-BE49-F238E27FC236}">
-                <a16:creationId xmlns:a16="http://schemas.microsoft.com/office/drawing/2014/main" id="{F6423B97-A5D4-47B9-8861-73B3707A04CF}"/>
+                <a16:creationId xmlns:a16="http://schemas.microsoft.com/office/drawing/2014/main" xmlns="" id="{F6423B97-A5D4-47B9-8861-73B3707A04CF}"/>
               </a:ext>
             </a:extLst>
           </p:cNvPr>
@@ -822,7 +822,7 @@
           <p:cNvPr id="9" name="Rectangle 8">
             <a:extLst>
               <a:ext uri="{FF2B5EF4-FFF2-40B4-BE49-F238E27FC236}">
-                <a16:creationId xmlns:a16="http://schemas.microsoft.com/office/drawing/2014/main" id="{1AEC0421-37B4-4481-A10D-69FDF5EC7909}"/>
+                <a16:creationId xmlns:a16="http://schemas.microsoft.com/office/drawing/2014/main" xmlns="" id="{1AEC0421-37B4-4481-A10D-69FDF5EC7909}"/>
               </a:ext>
             </a:extLst>
           </p:cNvPr>
@@ -865,7 +865,7 @@
           <p:cNvPr id="10" name="Rectangle 9">
             <a:extLst>
               <a:ext uri="{FF2B5EF4-FFF2-40B4-BE49-F238E27FC236}">
-                <a16:creationId xmlns:a16="http://schemas.microsoft.com/office/drawing/2014/main" id="{5F7265B5-9F97-4F1E-99E9-74F7B7E62337}"/>
+                <a16:creationId xmlns:a16="http://schemas.microsoft.com/office/drawing/2014/main" xmlns="" id="{5F7265B5-9F97-4F1E-99E9-74F7B7E62337}"/>
               </a:ext>
             </a:extLst>
           </p:cNvPr>
@@ -908,7 +908,7 @@
           <p:cNvPr id="11" name="Date Placeholder 10">
             <a:extLst>
               <a:ext uri="{FF2B5EF4-FFF2-40B4-BE49-F238E27FC236}">
-                <a16:creationId xmlns:a16="http://schemas.microsoft.com/office/drawing/2014/main" id="{5C74A470-3BD3-4F33-80E5-67E6E87FCBE7}"/>
+                <a16:creationId xmlns:a16="http://schemas.microsoft.com/office/drawing/2014/main" xmlns="" id="{5C74A470-3BD3-4F33-80E5-67E6E87FCBE7}"/>
               </a:ext>
             </a:extLst>
           </p:cNvPr>
@@ -937,7 +937,7 @@
           <p:cNvPr id="12" name="Footer Placeholder 11">
             <a:extLst>
               <a:ext uri="{FF2B5EF4-FFF2-40B4-BE49-F238E27FC236}">
-                <a16:creationId xmlns:a16="http://schemas.microsoft.com/office/drawing/2014/main" id="{9A3A30BA-DB50-4D7D-BCDE-17D20FB354DF}"/>
+                <a16:creationId xmlns:a16="http://schemas.microsoft.com/office/drawing/2014/main" xmlns="" id="{9A3A30BA-DB50-4D7D-BCDE-17D20FB354DF}"/>
               </a:ext>
             </a:extLst>
           </p:cNvPr>
@@ -962,7 +962,7 @@
           <p:cNvPr id="13" name="Slide Number Placeholder 12">
             <a:extLst>
               <a:ext uri="{FF2B5EF4-FFF2-40B4-BE49-F238E27FC236}">
-                <a16:creationId xmlns:a16="http://schemas.microsoft.com/office/drawing/2014/main" id="{76FF9E58-C0B2-436B-A21C-DB45A00D6515}"/>
+                <a16:creationId xmlns:a16="http://schemas.microsoft.com/office/drawing/2014/main" xmlns="" id="{76FF9E58-C0B2-436B-A21C-DB45A00D6515}"/>
               </a:ext>
             </a:extLst>
           </p:cNvPr>
@@ -1104,7 +1104,7 @@
           <p:cNvPr id="8" name="Date Placeholder 7">
             <a:extLst>
               <a:ext uri="{FF2B5EF4-FFF2-40B4-BE49-F238E27FC236}">
-                <a16:creationId xmlns:a16="http://schemas.microsoft.com/office/drawing/2014/main" id="{770E6237-3456-439F-802D-3BA93FC7E3E5}"/>
+                <a16:creationId xmlns:a16="http://schemas.microsoft.com/office/drawing/2014/main" xmlns="" id="{770E6237-3456-439F-802D-3BA93FC7E3E5}"/>
               </a:ext>
             </a:extLst>
           </p:cNvPr>
@@ -1133,7 +1133,7 @@
           <p:cNvPr id="9" name="Footer Placeholder 8">
             <a:extLst>
               <a:ext uri="{FF2B5EF4-FFF2-40B4-BE49-F238E27FC236}">
-                <a16:creationId xmlns:a16="http://schemas.microsoft.com/office/drawing/2014/main" id="{1356D3B5-6063-4A89-B88F-9D3043916FF8}"/>
+                <a16:creationId xmlns:a16="http://schemas.microsoft.com/office/drawing/2014/main" xmlns="" id="{1356D3B5-6063-4A89-B88F-9D3043916FF8}"/>
               </a:ext>
             </a:extLst>
           </p:cNvPr>
@@ -1158,7 +1158,7 @@
           <p:cNvPr id="10" name="Slide Number Placeholder 9">
             <a:extLst>
               <a:ext uri="{FF2B5EF4-FFF2-40B4-BE49-F238E27FC236}">
-                <a16:creationId xmlns:a16="http://schemas.microsoft.com/office/drawing/2014/main" id="{02B78BF7-69D3-4CE0-A631-50EFD41EEEB8}"/>
+                <a16:creationId xmlns:a16="http://schemas.microsoft.com/office/drawing/2014/main" xmlns="" id="{02B78BF7-69D3-4CE0-A631-50EFD41EEEB8}"/>
               </a:ext>
             </a:extLst>
           </p:cNvPr>
@@ -1415,7 +1415,7 @@
           <p:cNvPr id="7" name="Date Placeholder 6">
             <a:extLst>
               <a:ext uri="{FF2B5EF4-FFF2-40B4-BE49-F238E27FC236}">
-                <a16:creationId xmlns:a16="http://schemas.microsoft.com/office/drawing/2014/main" id="{61582016-5696-4A93-887F-BBB3B9002FE5}"/>
+                <a16:creationId xmlns:a16="http://schemas.microsoft.com/office/drawing/2014/main" xmlns="" id="{61582016-5696-4A93-887F-BBB3B9002FE5}"/>
               </a:ext>
             </a:extLst>
           </p:cNvPr>
@@ -1444,7 +1444,7 @@
           <p:cNvPr id="9" name="Footer Placeholder 8">
             <a:extLst>
               <a:ext uri="{FF2B5EF4-FFF2-40B4-BE49-F238E27FC236}">
-                <a16:creationId xmlns:a16="http://schemas.microsoft.com/office/drawing/2014/main" id="{857CFCD5-1192-4E18-8A8F-29E153B44DA4}"/>
+                <a16:creationId xmlns:a16="http://schemas.microsoft.com/office/drawing/2014/main" xmlns="" id="{857CFCD5-1192-4E18-8A8F-29E153B44DA4}"/>
               </a:ext>
             </a:extLst>
           </p:cNvPr>
@@ -1469,7 +1469,7 @@
           <p:cNvPr id="10" name="Slide Number Placeholder 9">
             <a:extLst>
               <a:ext uri="{FF2B5EF4-FFF2-40B4-BE49-F238E27FC236}">
-                <a16:creationId xmlns:a16="http://schemas.microsoft.com/office/drawing/2014/main" id="{E39A109E-5018-4794-92B3-FD5E5BCD95E8}"/>
+                <a16:creationId xmlns:a16="http://schemas.microsoft.com/office/drawing/2014/main" xmlns="" id="{E39A109E-5018-4794-92B3-FD5E5BCD95E8}"/>
               </a:ext>
             </a:extLst>
           </p:cNvPr>
@@ -2671,7 +2671,7 @@
           <p:cNvPr id="8" name="Date Placeholder 7">
             <a:extLst>
               <a:ext uri="{FF2B5EF4-FFF2-40B4-BE49-F238E27FC236}">
-                <a16:creationId xmlns:a16="http://schemas.microsoft.com/office/drawing/2014/main" id="{0B919CC2-2A65-446F-B538-9E6249035445}"/>
+                <a16:creationId xmlns:a16="http://schemas.microsoft.com/office/drawing/2014/main" xmlns="" id="{0B919CC2-2A65-446F-B538-9E6249035445}"/>
               </a:ext>
             </a:extLst>
           </p:cNvPr>
@@ -2705,7 +2705,7 @@
           <p:cNvPr id="10" name="Footer Placeholder 9">
             <a:extLst>
               <a:ext uri="{FF2B5EF4-FFF2-40B4-BE49-F238E27FC236}">
-                <a16:creationId xmlns:a16="http://schemas.microsoft.com/office/drawing/2014/main" id="{B72412AE-119E-4982-8B24-63365EFCA796}"/>
+                <a16:creationId xmlns:a16="http://schemas.microsoft.com/office/drawing/2014/main" xmlns="" id="{B72412AE-119E-4982-8B24-63365EFCA796}"/>
               </a:ext>
             </a:extLst>
           </p:cNvPr>
@@ -2735,7 +2735,7 @@
           <p:cNvPr id="11" name="Slide Number Placeholder 10">
             <a:extLst>
               <a:ext uri="{FF2B5EF4-FFF2-40B4-BE49-F238E27FC236}">
-                <a16:creationId xmlns:a16="http://schemas.microsoft.com/office/drawing/2014/main" id="{7FC4BB19-6AD1-45CF-9F99-00B109890FAB}"/>
+                <a16:creationId xmlns:a16="http://schemas.microsoft.com/office/drawing/2014/main" xmlns="" id="{7FC4BB19-6AD1-45CF-9F99-00B109890FAB}"/>
               </a:ext>
             </a:extLst>
           </p:cNvPr>
@@ -3843,10 +3843,10 @@
           <p:cNvPr id="9" name="Rectangle 8">
             <a:extLst>
               <a:ext uri="{FF2B5EF4-FFF2-40B4-BE49-F238E27FC236}">
-                <a16:creationId xmlns:a16="http://schemas.microsoft.com/office/drawing/2014/main" id="{E08D4B6A-8113-4DFB-B82E-B60CAC8E0A50}"/>
+                <a16:creationId xmlns:a16="http://schemas.microsoft.com/office/drawing/2014/main" xmlns="" id="{E08D4B6A-8113-4DFB-B82E-B60CAC8E0A50}"/>
               </a:ext>
               <a:ext uri="{C183D7F6-B498-43B3-948B-1728B52AA6E4}">
-                <adec:decorative xmlns:adec="http://schemas.microsoft.com/office/drawing/2017/decorative" val="1"/>
+                <adec:decorative xmlns:adec="http://schemas.microsoft.com/office/drawing/2017/decorative" xmlns="" val="1"/>
               </a:ext>
             </a:extLst>
           </p:cNvPr>
@@ -3856,7 +3856,7 @@
           <p:nvPr>
             <p:extLst>
               <p:ext uri="{386F3935-93C4-4BCD-93E2-E3B085C9AB24}">
-                <p16:designElem xmlns:p16="http://schemas.microsoft.com/office/powerpoint/2015/main" val="1"/>
+                <p16:designElem xmlns:p16="http://schemas.microsoft.com/office/powerpoint/2015/main" xmlns="" val="1"/>
               </p:ext>
             </p:extLst>
           </p:nvPr>
@@ -3935,10 +3935,10 @@
           <p:cNvPr id="11" name="Rectangle 10">
             <a:extLst>
               <a:ext uri="{FF2B5EF4-FFF2-40B4-BE49-F238E27FC236}">
-                <a16:creationId xmlns:a16="http://schemas.microsoft.com/office/drawing/2014/main" id="{9822E561-F97C-4CBB-A9A6-A6BF6317BC84}"/>
+                <a16:creationId xmlns:a16="http://schemas.microsoft.com/office/drawing/2014/main" xmlns="" id="{9822E561-F97C-4CBB-A9A6-A6BF6317BC84}"/>
               </a:ext>
               <a:ext uri="{C183D7F6-B498-43B3-948B-1728B52AA6E4}">
-                <adec:decorative xmlns:adec="http://schemas.microsoft.com/office/drawing/2017/decorative" val="1"/>
+                <adec:decorative xmlns:adec="http://schemas.microsoft.com/office/drawing/2017/decorative" xmlns="" val="1"/>
               </a:ext>
             </a:extLst>
           </p:cNvPr>
@@ -3948,7 +3948,7 @@
           <p:nvPr>
             <p:extLst>
               <p:ext uri="{386F3935-93C4-4BCD-93E2-E3B085C9AB24}">
-                <p16:designElem xmlns:p16="http://schemas.microsoft.com/office/powerpoint/2015/main" val="1"/>
+                <p16:designElem xmlns:p16="http://schemas.microsoft.com/office/powerpoint/2015/main" xmlns="" val="1"/>
               </p:ext>
             </p:extLst>
           </p:nvPr>
@@ -4032,10 +4032,10 @@
           <p:cNvPr id="13" name="Rectangle 12">
             <a:extLst>
               <a:ext uri="{FF2B5EF4-FFF2-40B4-BE49-F238E27FC236}">
-                <a16:creationId xmlns:a16="http://schemas.microsoft.com/office/drawing/2014/main" id="{B01B0E58-A5C8-4CDA-A2E0-35DF94E59857}"/>
+                <a16:creationId xmlns:a16="http://schemas.microsoft.com/office/drawing/2014/main" xmlns="" id="{B01B0E58-A5C8-4CDA-A2E0-35DF94E59857}"/>
               </a:ext>
               <a:ext uri="{C183D7F6-B498-43B3-948B-1728B52AA6E4}">
-                <adec:decorative xmlns:adec="http://schemas.microsoft.com/office/drawing/2017/decorative" val="1"/>
+                <adec:decorative xmlns:adec="http://schemas.microsoft.com/office/drawing/2017/decorative" xmlns="" val="1"/>
               </a:ext>
             </a:extLst>
           </p:cNvPr>
@@ -4045,7 +4045,7 @@
           <p:nvPr>
             <p:extLst>
               <p:ext uri="{386F3935-93C4-4BCD-93E2-E3B085C9AB24}">
-                <p16:designElem xmlns:p16="http://schemas.microsoft.com/office/powerpoint/2015/main" val="1"/>
+                <p16:designElem xmlns:p16="http://schemas.microsoft.com/office/powerpoint/2015/main" xmlns="" val="1"/>
               </p:ext>
             </p:extLst>
           </p:nvPr>
@@ -4086,7 +4086,7 @@
           <p:cNvPr id="4" name="Picture 3">
             <a:extLst>
               <a:ext uri="{FF2B5EF4-FFF2-40B4-BE49-F238E27FC236}">
-                <a16:creationId xmlns:a16="http://schemas.microsoft.com/office/drawing/2014/main" id="{33832EFD-DEB3-4228-AFE9-F0F446A50070}"/>
+                <a16:creationId xmlns:a16="http://schemas.microsoft.com/office/drawing/2014/main" xmlns="" id="{33832EFD-DEB3-4228-AFE9-F0F446A50070}"/>
               </a:ext>
             </a:extLst>
           </p:cNvPr>
@@ -4115,7 +4115,7 @@
           <p:cNvPr id="10" name="TextBox 9">
             <a:extLst>
               <a:ext uri="{FF2B5EF4-FFF2-40B4-BE49-F238E27FC236}">
-                <a16:creationId xmlns:a16="http://schemas.microsoft.com/office/drawing/2014/main" id="{B69F2CBB-01BE-461D-8058-1A68DDB1481F}"/>
+                <a16:creationId xmlns:a16="http://schemas.microsoft.com/office/drawing/2014/main" xmlns="" id="{B69F2CBB-01BE-461D-8058-1A68DDB1481F}"/>
               </a:ext>
             </a:extLst>
           </p:cNvPr>
@@ -4151,7 +4151,7 @@
           <p:cNvPr id="14" name="TextBox 13">
             <a:extLst>
               <a:ext uri="{FF2B5EF4-FFF2-40B4-BE49-F238E27FC236}">
-                <a16:creationId xmlns:a16="http://schemas.microsoft.com/office/drawing/2014/main" id="{D429862F-72F6-4DDA-97F5-BB1C92F3180B}"/>
+                <a16:creationId xmlns:a16="http://schemas.microsoft.com/office/drawing/2014/main" xmlns="" id="{D429862F-72F6-4DDA-97F5-BB1C92F3180B}"/>
               </a:ext>
             </a:extLst>
           </p:cNvPr>
@@ -4307,7 +4307,7 @@
           <p:cNvPr id="5" name="TextBox 4">
             <a:extLst>
               <a:ext uri="{FF2B5EF4-FFF2-40B4-BE49-F238E27FC236}">
-                <a16:creationId xmlns:a16="http://schemas.microsoft.com/office/drawing/2014/main" id="{260FF287-0F0E-4E8D-97A0-61B2C174D733}"/>
+                <a16:creationId xmlns:a16="http://schemas.microsoft.com/office/drawing/2014/main" xmlns="" id="{260FF287-0F0E-4E8D-97A0-61B2C174D733}"/>
               </a:ext>
             </a:extLst>
           </p:cNvPr>
@@ -4343,7 +4343,7 @@
           <p:cNvPr id="6" name="TextBox 5">
             <a:extLst>
               <a:ext uri="{FF2B5EF4-FFF2-40B4-BE49-F238E27FC236}">
-                <a16:creationId xmlns:a16="http://schemas.microsoft.com/office/drawing/2014/main" id="{1A025E49-354A-4E39-8B62-2B30AF02BD0C}"/>
+                <a16:creationId xmlns:a16="http://schemas.microsoft.com/office/drawing/2014/main" xmlns="" id="{1A025E49-354A-4E39-8B62-2B30AF02BD0C}"/>
               </a:ext>
             </a:extLst>
           </p:cNvPr>
@@ -4386,7 +4386,7 @@
           <p:cNvPr id="7" name="TextBox 6">
             <a:extLst>
               <a:ext uri="{FF2B5EF4-FFF2-40B4-BE49-F238E27FC236}">
-                <a16:creationId xmlns:a16="http://schemas.microsoft.com/office/drawing/2014/main" id="{03BB720C-A647-4B49-97B4-2D749A641979}"/>
+                <a16:creationId xmlns:a16="http://schemas.microsoft.com/office/drawing/2014/main" xmlns="" id="{03BB720C-A647-4B49-97B4-2D749A641979}"/>
               </a:ext>
             </a:extLst>
           </p:cNvPr>
@@ -4449,7 +4449,7 @@
           <p:cNvPr id="8" name="TextBox 7">
             <a:extLst>
               <a:ext uri="{FF2B5EF4-FFF2-40B4-BE49-F238E27FC236}">
-                <a16:creationId xmlns:a16="http://schemas.microsoft.com/office/drawing/2014/main" id="{B8A6665B-2002-45C3-8742-40FE9DA1F1F8}"/>
+                <a16:creationId xmlns:a16="http://schemas.microsoft.com/office/drawing/2014/main" xmlns="" id="{B8A6665B-2002-45C3-8742-40FE9DA1F1F8}"/>
               </a:ext>
             </a:extLst>
           </p:cNvPr>
@@ -4504,7 +4504,7 @@
           <p:cNvPr id="20" name="TextBox 19">
             <a:extLst>
               <a:ext uri="{FF2B5EF4-FFF2-40B4-BE49-F238E27FC236}">
-                <a16:creationId xmlns:a16="http://schemas.microsoft.com/office/drawing/2014/main" id="{FE7AF3C7-48F6-47E4-B712-6E3D110A9341}"/>
+                <a16:creationId xmlns:a16="http://schemas.microsoft.com/office/drawing/2014/main" xmlns="" id="{FE7AF3C7-48F6-47E4-B712-6E3D110A9341}"/>
               </a:ext>
             </a:extLst>
           </p:cNvPr>
@@ -4513,7 +4513,7 @@
         </p:nvSpPr>
         <p:spPr>
           <a:xfrm rot="21540000">
-            <a:off x="8469163" y="3220718"/>
+            <a:off x="8230433" y="3220370"/>
             <a:ext cx="4302253" cy="646331"/>
           </a:xfrm>
           <a:prstGeom prst="rect">
@@ -4559,11 +4559,6 @@
               </a:rPr>
               <a:t> </a:t>
             </a:r>
-            <a:endParaRPr lang="en-US" b="1">
-              <a:solidFill>
-                <a:schemeClr val="bg1"/>
-              </a:solidFill>
-            </a:endParaRPr>
           </a:p>
           <a:p>
             <a:r>
@@ -4572,7 +4567,31 @@
                   <a:schemeClr val="bg1"/>
                 </a:solidFill>
               </a:rPr>
-              <a:t>                 Aleksandar </a:t>
+              <a:t>               </a:t>
+            </a:r>
+            <a:r>
+              <a:rPr lang="en-US" b="1" dirty="0">
+                <a:solidFill>
+                  <a:schemeClr val="bg1"/>
+                </a:solidFill>
+              </a:rPr>
+              <a:t> </a:t>
+            </a:r>
+            <a:r>
+              <a:rPr lang="en-US" b="1" dirty="0" err="1" smtClean="0">
+                <a:solidFill>
+                  <a:schemeClr val="bg1"/>
+                </a:solidFill>
+              </a:rPr>
+              <a:t>Aleksandar</a:t>
+            </a:r>
+            <a:r>
+              <a:rPr lang="en-US" b="1" dirty="0" smtClean="0">
+                <a:solidFill>
+                  <a:schemeClr val="bg1"/>
+                </a:solidFill>
+              </a:rPr>
+              <a:t> </a:t>
             </a:r>
             <a:r>
               <a:rPr lang="en-US" b="1" dirty="0" err="1">
@@ -4582,6 +4601,11 @@
               </a:rPr>
               <a:t>Veljković</a:t>
             </a:r>
+            <a:endParaRPr lang="en-US" b="1" dirty="0">
+              <a:solidFill>
+                <a:schemeClr val="bg1"/>
+              </a:solidFill>
+            </a:endParaRPr>
           </a:p>
         </p:txBody>
       </p:sp>
@@ -4590,7 +4614,7 @@
           <p:cNvPr id="16" name="TextBox 15">
             <a:extLst>
               <a:ext uri="{FF2B5EF4-FFF2-40B4-BE49-F238E27FC236}">
-                <a16:creationId xmlns:a16="http://schemas.microsoft.com/office/drawing/2014/main" id="{4E4B9F18-2890-48B1-BC5D-6566AA975635}"/>
+                <a16:creationId xmlns:a16="http://schemas.microsoft.com/office/drawing/2014/main" xmlns="" id="{4E4B9F18-2890-48B1-BC5D-6566AA975635}"/>
               </a:ext>
             </a:extLst>
           </p:cNvPr>
@@ -4646,6 +4670,13 @@
   <p:clrMapOvr>
     <a:overrideClrMapping bg1="dk1" tx1="lt1" bg2="dk2" tx2="lt2" accent1="accent1" accent2="accent2" accent3="accent3" accent4="accent4" accent5="accent5" accent6="accent6" hlink="hlink" folHlink="folHlink"/>
   </p:clrMapOvr>
+  <p:timing>
+    <p:tnLst>
+      <p:par>
+        <p:cTn id="1" dur="indefinite" restart="never" nodeType="tmRoot"/>
+      </p:par>
+    </p:tnLst>
+  </p:timing>
 </p:sld>
 </file>
 
@@ -4679,10 +4710,10 @@
           <p:cNvPr id="9" name="Rectangle 8">
             <a:extLst>
               <a:ext uri="{FF2B5EF4-FFF2-40B4-BE49-F238E27FC236}">
-                <a16:creationId xmlns:a16="http://schemas.microsoft.com/office/drawing/2014/main" id="{E08D4B6A-8113-4DFB-B82E-B60CAC8E0A50}"/>
+                <a16:creationId xmlns:a16="http://schemas.microsoft.com/office/drawing/2014/main" xmlns="" id="{E08D4B6A-8113-4DFB-B82E-B60CAC8E0A50}"/>
               </a:ext>
               <a:ext uri="{C183D7F6-B498-43B3-948B-1728B52AA6E4}">
-                <adec:decorative xmlns:adec="http://schemas.microsoft.com/office/drawing/2017/decorative" val="1"/>
+                <adec:decorative xmlns:adec="http://schemas.microsoft.com/office/drawing/2017/decorative" xmlns="" val="1"/>
               </a:ext>
             </a:extLst>
           </p:cNvPr>
@@ -4692,7 +4723,7 @@
           <p:nvPr>
             <p:extLst>
               <p:ext uri="{386F3935-93C4-4BCD-93E2-E3B085C9AB24}">
-                <p16:designElem xmlns:p16="http://schemas.microsoft.com/office/powerpoint/2015/main" val="1"/>
+                <p16:designElem xmlns:p16="http://schemas.microsoft.com/office/powerpoint/2015/main" xmlns="" val="1"/>
               </p:ext>
             </p:extLst>
           </p:nvPr>
@@ -4771,10 +4802,10 @@
           <p:cNvPr id="11" name="Rectangle 10">
             <a:extLst>
               <a:ext uri="{FF2B5EF4-FFF2-40B4-BE49-F238E27FC236}">
-                <a16:creationId xmlns:a16="http://schemas.microsoft.com/office/drawing/2014/main" id="{9822E561-F97C-4CBB-A9A6-A6BF6317BC84}"/>
+                <a16:creationId xmlns:a16="http://schemas.microsoft.com/office/drawing/2014/main" xmlns="" id="{9822E561-F97C-4CBB-A9A6-A6BF6317BC84}"/>
               </a:ext>
               <a:ext uri="{C183D7F6-B498-43B3-948B-1728B52AA6E4}">
-                <adec:decorative xmlns:adec="http://schemas.microsoft.com/office/drawing/2017/decorative" val="1"/>
+                <adec:decorative xmlns:adec="http://schemas.microsoft.com/office/drawing/2017/decorative" xmlns="" val="1"/>
               </a:ext>
             </a:extLst>
           </p:cNvPr>
@@ -4784,7 +4815,7 @@
           <p:nvPr>
             <p:extLst>
               <p:ext uri="{386F3935-93C4-4BCD-93E2-E3B085C9AB24}">
-                <p16:designElem xmlns:p16="http://schemas.microsoft.com/office/powerpoint/2015/main" val="1"/>
+                <p16:designElem xmlns:p16="http://schemas.microsoft.com/office/powerpoint/2015/main" xmlns="" val="1"/>
               </p:ext>
             </p:extLst>
           </p:nvPr>
@@ -4825,53 +4856,13 @@
       </p:sp>
       <p:sp>
         <p:nvSpPr>
-          <p:cNvPr id="2" name="Title 1"/>
-          <p:cNvSpPr>
-            <a:spLocks noGrp="1"/>
-          </p:cNvSpPr>
-          <p:nvPr>
-            <p:ph type="ctrTitle"/>
-          </p:nvPr>
-        </p:nvSpPr>
-        <p:spPr>
-          <a:xfrm>
-            <a:off x="638620" y="863695"/>
-            <a:ext cx="3511233" cy="3779995"/>
-          </a:xfrm>
-        </p:spPr>
-        <p:txBody>
-          <a:bodyPr anchor="ctr">
-            <a:normAutofit/>
-          </a:bodyPr>
-          <a:lstStyle/>
-          <a:p>
-            <a:r>
-              <a:rPr lang="en-US">
-                <a:solidFill>
-                  <a:schemeClr val="tx1"/>
-                </a:solidFill>
-                <a:ea typeface="+mj-lt"/>
-                <a:cs typeface="+mj-lt"/>
-              </a:rPr>
-              <a:t>Animal husbandry support platform</a:t>
-            </a:r>
-            <a:endParaRPr lang="en-US">
-              <a:solidFill>
-                <a:schemeClr val="tx1"/>
-              </a:solidFill>
-            </a:endParaRPr>
-          </a:p>
-        </p:txBody>
-      </p:sp>
-      <p:sp>
-        <p:nvSpPr>
           <p:cNvPr id="13" name="Rectangle 12">
             <a:extLst>
               <a:ext uri="{FF2B5EF4-FFF2-40B4-BE49-F238E27FC236}">
-                <a16:creationId xmlns:a16="http://schemas.microsoft.com/office/drawing/2014/main" id="{B01B0E58-A5C8-4CDA-A2E0-35DF94E59857}"/>
+                <a16:creationId xmlns:a16="http://schemas.microsoft.com/office/drawing/2014/main" xmlns="" id="{B01B0E58-A5C8-4CDA-A2E0-35DF94E59857}"/>
               </a:ext>
               <a:ext uri="{C183D7F6-B498-43B3-948B-1728B52AA6E4}">
-                <adec:decorative xmlns:adec="http://schemas.microsoft.com/office/drawing/2017/decorative" val="1"/>
+                <adec:decorative xmlns:adec="http://schemas.microsoft.com/office/drawing/2017/decorative" xmlns="" val="1"/>
               </a:ext>
             </a:extLst>
           </p:cNvPr>
@@ -4881,7 +4872,7 @@
           <p:nvPr>
             <p:extLst>
               <p:ext uri="{386F3935-93C4-4BCD-93E2-E3B085C9AB24}">
-                <p16:designElem xmlns:p16="http://schemas.microsoft.com/office/powerpoint/2015/main" val="1"/>
+                <p16:designElem xmlns:p16="http://schemas.microsoft.com/office/powerpoint/2015/main" xmlns="" val="1"/>
               </p:ext>
             </p:extLst>
           </p:nvPr>
@@ -4922,7 +4913,7 @@
           <p:cNvPr id="4" name="Picture 3">
             <a:extLst>
               <a:ext uri="{FF2B5EF4-FFF2-40B4-BE49-F238E27FC236}">
-                <a16:creationId xmlns:a16="http://schemas.microsoft.com/office/drawing/2014/main" id="{33832EFD-DEB3-4228-AFE9-F0F446A50070}"/>
+                <a16:creationId xmlns:a16="http://schemas.microsoft.com/office/drawing/2014/main" xmlns="" id="{33832EFD-DEB3-4228-AFE9-F0F446A50070}"/>
               </a:ext>
             </a:extLst>
           </p:cNvPr>
@@ -4951,7 +4942,7 @@
           <p:cNvPr id="10" name="TextBox 9">
             <a:extLst>
               <a:ext uri="{FF2B5EF4-FFF2-40B4-BE49-F238E27FC236}">
-                <a16:creationId xmlns:a16="http://schemas.microsoft.com/office/drawing/2014/main" id="{B69F2CBB-01BE-461D-8058-1A68DDB1481F}"/>
+                <a16:creationId xmlns:a16="http://schemas.microsoft.com/office/drawing/2014/main" xmlns="" id="{B69F2CBB-01BE-461D-8058-1A68DDB1481F}"/>
               </a:ext>
             </a:extLst>
           </p:cNvPr>
@@ -4987,7 +4978,7 @@
           <p:cNvPr id="14" name="TextBox 13">
             <a:extLst>
               <a:ext uri="{FF2B5EF4-FFF2-40B4-BE49-F238E27FC236}">
-                <a16:creationId xmlns:a16="http://schemas.microsoft.com/office/drawing/2014/main" id="{D429862F-72F6-4DDA-97F5-BB1C92F3180B}"/>
+                <a16:creationId xmlns:a16="http://schemas.microsoft.com/office/drawing/2014/main" xmlns="" id="{D429862F-72F6-4DDA-97F5-BB1C92F3180B}"/>
               </a:ext>
             </a:extLst>
           </p:cNvPr>
@@ -5123,55 +5114,12 @@
           </a:p>
         </p:txBody>
       </p:sp>
-      <p:sp>
-        <p:nvSpPr>
-          <p:cNvPr id="17" name="TextBox 16">
-            <a:extLst>
-              <a:ext uri="{FF2B5EF4-FFF2-40B4-BE49-F238E27FC236}">
-                <a16:creationId xmlns:a16="http://schemas.microsoft.com/office/drawing/2014/main" id="{B9598B4C-F027-445E-BF80-A8CB60E09677}"/>
-              </a:ext>
-            </a:extLst>
-          </p:cNvPr>
-          <p:cNvSpPr txBox="1"/>
-          <p:nvPr/>
-        </p:nvSpPr>
-        <p:spPr>
-          <a:xfrm>
-            <a:off x="4307457" y="238664"/>
-            <a:ext cx="6035614" cy="400110"/>
-          </a:xfrm>
-          <a:prstGeom prst="rect">
-            <a:avLst/>
-          </a:prstGeom>
-          <a:noFill/>
-        </p:spPr>
-        <p:txBody>
-          <a:bodyPr rot="0" spcFirstLastPara="0" vertOverflow="overflow" horzOverflow="overflow" vert="horz" wrap="square" lIns="91440" tIns="45720" rIns="91440" bIns="45720" numCol="1" spcCol="0" rtlCol="0" fromWordArt="0" anchor="t" anchorCtr="0" forceAA="0" compatLnSpc="1">
-            <a:prstTxWarp prst="textNoShape">
-              <a:avLst/>
-            </a:prstTxWarp>
-            <a:spAutoFit/>
-          </a:bodyPr>
-          <a:lstStyle/>
-          <a:p>
-            <a:r>
-              <a:rPr lang="en-US" sz="2000" b="1">
-                <a:solidFill>
-                  <a:srgbClr val="000000"/>
-                </a:solidFill>
-              </a:rPr>
-              <a:t>Conclusion</a:t>
-            </a:r>
-            <a:endParaRPr lang="en-US"/>
-          </a:p>
-        </p:txBody>
-      </p:sp>
       <p:pic>
         <p:nvPicPr>
           <p:cNvPr id="5" name="Picture 5" descr="Happy stockman&#10;&#10;Description generated with very high confidence">
             <a:extLst>
               <a:ext uri="{FF2B5EF4-FFF2-40B4-BE49-F238E27FC236}">
-                <a16:creationId xmlns:a16="http://schemas.microsoft.com/office/drawing/2014/main" id="{0DDA7D22-83DB-4069-8061-058692DAC26C}"/>
+                <a16:creationId xmlns:a16="http://schemas.microsoft.com/office/drawing/2014/main" xmlns="" id="{0DDA7D22-83DB-4069-8061-058692DAC26C}"/>
               </a:ext>
             </a:extLst>
           </p:cNvPr>
@@ -5188,8 +5136,8 @@
         </p:blipFill>
         <p:spPr>
           <a:xfrm>
-            <a:off x="4681268" y="988494"/>
-            <a:ext cx="5460520" cy="3270748"/>
+            <a:off x="4523117" y="1115684"/>
+            <a:ext cx="7042030" cy="4218043"/>
           </a:xfrm>
           <a:prstGeom prst="rect">
             <a:avLst/>
@@ -5201,7 +5149,7 @@
           <p:cNvPr id="7" name="TextBox 6">
             <a:extLst>
               <a:ext uri="{FF2B5EF4-FFF2-40B4-BE49-F238E27FC236}">
-                <a16:creationId xmlns:a16="http://schemas.microsoft.com/office/drawing/2014/main" id="{02FF98E4-2648-4CB7-8BB5-635246FC8873}"/>
+                <a16:creationId xmlns:a16="http://schemas.microsoft.com/office/drawing/2014/main" xmlns="" id="{02FF98E4-2648-4CB7-8BB5-635246FC8873}"/>
               </a:ext>
             </a:extLst>
           </p:cNvPr>
@@ -5210,8 +5158,8 @@
         </p:nvSpPr>
         <p:spPr>
           <a:xfrm>
-            <a:off x="4724400" y="5917721"/>
-            <a:ext cx="6682595" cy="923330"/>
+            <a:off x="4523117" y="215255"/>
+            <a:ext cx="6682595" cy="646331"/>
           </a:xfrm>
           <a:prstGeom prst="rect">
             <a:avLst/>
@@ -5228,13 +5176,34 @@
           <a:lstStyle/>
           <a:p>
             <a:r>
-              <a:rPr lang="en-US" b="1">
+              <a:rPr lang="en-US" b="1" dirty="0" smtClean="0">
                 <a:solidFill>
                   <a:schemeClr val="bg1"/>
                 </a:solidFill>
               </a:rPr>
-              <a:t>Satsfied and happy stockmen are the ones who can run their business in most efficient way! Our platform allows them that!</a:t>
-            </a:r>
+              <a:t>Satisfied </a:t>
+            </a:r>
+            <a:r>
+              <a:rPr lang="en-US" b="1" dirty="0">
+                <a:solidFill>
+                  <a:schemeClr val="bg1"/>
+                </a:solidFill>
+              </a:rPr>
+              <a:t>and happy stockmen are the ones who can run their business in most efficient </a:t>
+            </a:r>
+            <a:r>
+              <a:rPr lang="en-US" b="1" dirty="0" smtClean="0">
+                <a:solidFill>
+                  <a:schemeClr val="bg1"/>
+                </a:solidFill>
+              </a:rPr>
+              <a:t>way</a:t>
+            </a:r>
+            <a:endParaRPr lang="en-US" b="1" dirty="0">
+              <a:solidFill>
+                <a:schemeClr val="bg1"/>
+              </a:solidFill>
+            </a:endParaRPr>
           </a:p>
         </p:txBody>
       </p:sp>
@@ -5243,7 +5212,7 @@
           <p:cNvPr id="8" name="TextBox 7">
             <a:extLst>
               <a:ext uri="{FF2B5EF4-FFF2-40B4-BE49-F238E27FC236}">
-                <a16:creationId xmlns:a16="http://schemas.microsoft.com/office/drawing/2014/main" id="{1C1BD53E-322A-4234-B3D7-F288F9B7B772}"/>
+                <a16:creationId xmlns:a16="http://schemas.microsoft.com/office/drawing/2014/main" xmlns="" id="{1C1BD53E-322A-4234-B3D7-F288F9B7B772}"/>
               </a:ext>
             </a:extLst>
           </p:cNvPr>
@@ -5278,6 +5247,161 @@
               </a:rPr>
               <a:t>10/10</a:t>
             </a:r>
+          </a:p>
+        </p:txBody>
+      </p:sp>
+      <p:sp>
+        <p:nvSpPr>
+          <p:cNvPr id="3" name="Oval Callout 2"/>
+          <p:cNvSpPr/>
+          <p:nvPr/>
+        </p:nvSpPr>
+        <p:spPr>
+          <a:xfrm rot="13663362">
+            <a:off x="5827291" y="2647341"/>
+            <a:ext cx="2335295" cy="2479553"/>
+          </a:xfrm>
+          <a:prstGeom prst="wedgeEllipseCallout">
+            <a:avLst/>
+          </a:prstGeom>
+          <a:solidFill>
+            <a:schemeClr val="accent5"/>
+          </a:solidFill>
+        </p:spPr>
+        <p:style>
+          <a:lnRef idx="2">
+            <a:schemeClr val="accent1">
+              <a:shade val="50000"/>
+            </a:schemeClr>
+          </a:lnRef>
+          <a:fillRef idx="1">
+            <a:schemeClr val="accent1"/>
+          </a:fillRef>
+          <a:effectRef idx="0">
+            <a:schemeClr val="accent1"/>
+          </a:effectRef>
+          <a:fontRef idx="minor">
+            <a:schemeClr val="lt1"/>
+          </a:fontRef>
+        </p:style>
+        <p:txBody>
+          <a:bodyPr rtlCol="0" anchor="ctr"/>
+          <a:lstStyle/>
+          <a:p>
+            <a:pPr algn="ctr"/>
+            <a:endParaRPr lang="en-US" dirty="0"/>
+          </a:p>
+        </p:txBody>
+      </p:sp>
+      <p:sp>
+        <p:nvSpPr>
+          <p:cNvPr id="6" name="TextBox 5"/>
+          <p:cNvSpPr txBox="1"/>
+          <p:nvPr/>
+        </p:nvSpPr>
+        <p:spPr>
+          <a:xfrm>
+            <a:off x="5801548" y="3193576"/>
+            <a:ext cx="2386783" cy="1477328"/>
+          </a:xfrm>
+          <a:prstGeom prst="rect">
+            <a:avLst/>
+          </a:prstGeom>
+          <a:noFill/>
+        </p:spPr>
+        <p:txBody>
+          <a:bodyPr wrap="square" rtlCol="0">
+            <a:spAutoFit/>
+          </a:bodyPr>
+          <a:lstStyle/>
+          <a:p>
+            <a:pPr algn="ctr"/>
+            <a:r>
+              <a:rPr lang="en-US" sz="3000" dirty="0">
+                <a:ea typeface="+mj-lt"/>
+                <a:cs typeface="+mj-lt"/>
+              </a:rPr>
+              <a:t>Thank you for the attention!</a:t>
+            </a:r>
+            <a:endParaRPr lang="en-US" sz="3000" dirty="0"/>
+          </a:p>
+        </p:txBody>
+      </p:sp>
+      <p:sp>
+        <p:nvSpPr>
+          <p:cNvPr id="15" name="Title 1"/>
+          <p:cNvSpPr>
+            <a:spLocks noGrp="1"/>
+          </p:cNvSpPr>
+          <p:nvPr>
+            <p:ph type="ctrTitle"/>
+          </p:nvPr>
+        </p:nvSpPr>
+        <p:spPr>
+          <a:xfrm>
+            <a:off x="638620" y="863695"/>
+            <a:ext cx="3511233" cy="3779995"/>
+          </a:xfrm>
+        </p:spPr>
+        <p:txBody>
+          <a:bodyPr anchor="ctr">
+            <a:normAutofit/>
+          </a:bodyPr>
+          <a:lstStyle/>
+          <a:p>
+            <a:r>
+              <a:rPr lang="en-US" dirty="0">
+                <a:solidFill>
+                  <a:schemeClr val="tx1"/>
+                </a:solidFill>
+                <a:ea typeface="+mj-lt"/>
+                <a:cs typeface="+mj-lt"/>
+              </a:rPr>
+              <a:t>Animal husbandry support platform</a:t>
+            </a:r>
+            <a:endParaRPr lang="en-US" dirty="0">
+              <a:solidFill>
+                <a:schemeClr val="tx1"/>
+              </a:solidFill>
+            </a:endParaRPr>
+          </a:p>
+        </p:txBody>
+      </p:sp>
+      <p:sp>
+        <p:nvSpPr>
+          <p:cNvPr id="12" name="TextBox 11"/>
+          <p:cNvSpPr txBox="1"/>
+          <p:nvPr/>
+        </p:nvSpPr>
+        <p:spPr>
+          <a:xfrm>
+            <a:off x="9392106" y="6183810"/>
+            <a:ext cx="1883849" cy="477054"/>
+          </a:xfrm>
+          <a:prstGeom prst="rect">
+            <a:avLst/>
+          </a:prstGeom>
+          <a:noFill/>
+        </p:spPr>
+        <p:txBody>
+          <a:bodyPr wrap="none" rtlCol="0">
+            <a:spAutoFit/>
+          </a:bodyPr>
+          <a:lstStyle/>
+          <a:p>
+            <a:r>
+              <a:rPr lang="en-US" sz="2500" b="1" dirty="0" smtClean="0">
+                <a:solidFill>
+                  <a:schemeClr val="bg1"/>
+                </a:solidFill>
+              </a:rPr>
+              <a:t>Questions?</a:t>
+            </a:r>
+            <a:endParaRPr lang="en-US" sz="2500" b="1" dirty="0">
+              <a:solidFill>
+                <a:schemeClr val="bg1"/>
+              </a:solidFill>
+            </a:endParaRPr>
           </a:p>
         </p:txBody>
       </p:sp>
@@ -5291,6 +5415,13 @@
   <p:clrMapOvr>
     <a:overrideClrMapping bg1="dk1" tx1="lt1" bg2="dk2" tx2="lt2" accent1="accent1" accent2="accent2" accent3="accent3" accent4="accent4" accent5="accent5" accent6="accent6" hlink="hlink" folHlink="folHlink"/>
   </p:clrMapOvr>
+  <p:timing>
+    <p:tnLst>
+      <p:par>
+        <p:cTn id="1" dur="indefinite" restart="never" nodeType="tmRoot"/>
+      </p:par>
+    </p:tnLst>
+  </p:timing>
 </p:sld>
 </file>
 
@@ -5324,10 +5455,10 @@
           <p:cNvPr id="9" name="Rectangle 8">
             <a:extLst>
               <a:ext uri="{FF2B5EF4-FFF2-40B4-BE49-F238E27FC236}">
-                <a16:creationId xmlns:a16="http://schemas.microsoft.com/office/drawing/2014/main" id="{E08D4B6A-8113-4DFB-B82E-B60CAC8E0A50}"/>
+                <a16:creationId xmlns:a16="http://schemas.microsoft.com/office/drawing/2014/main" xmlns="" id="{E08D4B6A-8113-4DFB-B82E-B60CAC8E0A50}"/>
               </a:ext>
               <a:ext uri="{C183D7F6-B498-43B3-948B-1728B52AA6E4}">
-                <adec:decorative xmlns:adec="http://schemas.microsoft.com/office/drawing/2017/decorative" val="1"/>
+                <adec:decorative xmlns:adec="http://schemas.microsoft.com/office/drawing/2017/decorative" xmlns="" val="1"/>
               </a:ext>
             </a:extLst>
           </p:cNvPr>
@@ -5337,7 +5468,7 @@
           <p:nvPr>
             <p:extLst>
               <p:ext uri="{386F3935-93C4-4BCD-93E2-E3B085C9AB24}">
-                <p16:designElem xmlns:p16="http://schemas.microsoft.com/office/powerpoint/2015/main" val="1"/>
+                <p16:designElem xmlns:p16="http://schemas.microsoft.com/office/powerpoint/2015/main" xmlns="" val="1"/>
               </p:ext>
             </p:extLst>
           </p:nvPr>
@@ -5416,10 +5547,10 @@
           <p:cNvPr id="11" name="Rectangle 10">
             <a:extLst>
               <a:ext uri="{FF2B5EF4-FFF2-40B4-BE49-F238E27FC236}">
-                <a16:creationId xmlns:a16="http://schemas.microsoft.com/office/drawing/2014/main" id="{9822E561-F97C-4CBB-A9A6-A6BF6317BC84}"/>
+                <a16:creationId xmlns:a16="http://schemas.microsoft.com/office/drawing/2014/main" xmlns="" id="{9822E561-F97C-4CBB-A9A6-A6BF6317BC84}"/>
               </a:ext>
               <a:ext uri="{C183D7F6-B498-43B3-948B-1728B52AA6E4}">
-                <adec:decorative xmlns:adec="http://schemas.microsoft.com/office/drawing/2017/decorative" val="1"/>
+                <adec:decorative xmlns:adec="http://schemas.microsoft.com/office/drawing/2017/decorative" xmlns="" val="1"/>
               </a:ext>
             </a:extLst>
           </p:cNvPr>
@@ -5429,7 +5560,7 @@
           <p:nvPr>
             <p:extLst>
               <p:ext uri="{386F3935-93C4-4BCD-93E2-E3B085C9AB24}">
-                <p16:designElem xmlns:p16="http://schemas.microsoft.com/office/powerpoint/2015/main" val="1"/>
+                <p16:designElem xmlns:p16="http://schemas.microsoft.com/office/powerpoint/2015/main" xmlns="" val="1"/>
               </p:ext>
             </p:extLst>
           </p:nvPr>
@@ -5513,10 +5644,10 @@
           <p:cNvPr id="13" name="Rectangle 12">
             <a:extLst>
               <a:ext uri="{FF2B5EF4-FFF2-40B4-BE49-F238E27FC236}">
-                <a16:creationId xmlns:a16="http://schemas.microsoft.com/office/drawing/2014/main" id="{B01B0E58-A5C8-4CDA-A2E0-35DF94E59857}"/>
+                <a16:creationId xmlns:a16="http://schemas.microsoft.com/office/drawing/2014/main" xmlns="" id="{B01B0E58-A5C8-4CDA-A2E0-35DF94E59857}"/>
               </a:ext>
               <a:ext uri="{C183D7F6-B498-43B3-948B-1728B52AA6E4}">
-                <adec:decorative xmlns:adec="http://schemas.microsoft.com/office/drawing/2017/decorative" val="1"/>
+                <adec:decorative xmlns:adec="http://schemas.microsoft.com/office/drawing/2017/decorative" xmlns="" val="1"/>
               </a:ext>
             </a:extLst>
           </p:cNvPr>
@@ -5526,7 +5657,7 @@
           <p:nvPr>
             <p:extLst>
               <p:ext uri="{386F3935-93C4-4BCD-93E2-E3B085C9AB24}">
-                <p16:designElem xmlns:p16="http://schemas.microsoft.com/office/powerpoint/2015/main" val="1"/>
+                <p16:designElem xmlns:p16="http://schemas.microsoft.com/office/powerpoint/2015/main" xmlns="" val="1"/>
               </p:ext>
             </p:extLst>
           </p:nvPr>
@@ -5567,7 +5698,7 @@
           <p:cNvPr id="4" name="Picture 3">
             <a:extLst>
               <a:ext uri="{FF2B5EF4-FFF2-40B4-BE49-F238E27FC236}">
-                <a16:creationId xmlns:a16="http://schemas.microsoft.com/office/drawing/2014/main" id="{33832EFD-DEB3-4228-AFE9-F0F446A50070}"/>
+                <a16:creationId xmlns:a16="http://schemas.microsoft.com/office/drawing/2014/main" xmlns="" id="{33832EFD-DEB3-4228-AFE9-F0F446A50070}"/>
               </a:ext>
             </a:extLst>
           </p:cNvPr>
@@ -5596,7 +5727,7 @@
           <p:cNvPr id="10" name="TextBox 9">
             <a:extLst>
               <a:ext uri="{FF2B5EF4-FFF2-40B4-BE49-F238E27FC236}">
-                <a16:creationId xmlns:a16="http://schemas.microsoft.com/office/drawing/2014/main" id="{B69F2CBB-01BE-461D-8058-1A68DDB1481F}"/>
+                <a16:creationId xmlns:a16="http://schemas.microsoft.com/office/drawing/2014/main" xmlns="" id="{B69F2CBB-01BE-461D-8058-1A68DDB1481F}"/>
               </a:ext>
             </a:extLst>
           </p:cNvPr>
@@ -5632,7 +5763,7 @@
           <p:cNvPr id="14" name="TextBox 13">
             <a:extLst>
               <a:ext uri="{FF2B5EF4-FFF2-40B4-BE49-F238E27FC236}">
-                <a16:creationId xmlns:a16="http://schemas.microsoft.com/office/drawing/2014/main" id="{D429862F-72F6-4DDA-97F5-BB1C92F3180B}"/>
+                <a16:creationId xmlns:a16="http://schemas.microsoft.com/office/drawing/2014/main" xmlns="" id="{D429862F-72F6-4DDA-97F5-BB1C92F3180B}"/>
               </a:ext>
             </a:extLst>
           </p:cNvPr>
@@ -5788,7 +5919,7 @@
           <p:cNvPr id="17" name="TextBox 16">
             <a:extLst>
               <a:ext uri="{FF2B5EF4-FFF2-40B4-BE49-F238E27FC236}">
-                <a16:creationId xmlns:a16="http://schemas.microsoft.com/office/drawing/2014/main" id="{B9598B4C-F027-445E-BF80-A8CB60E09677}"/>
+                <a16:creationId xmlns:a16="http://schemas.microsoft.com/office/drawing/2014/main" xmlns="" id="{B9598B4C-F027-445E-BF80-A8CB60E09677}"/>
               </a:ext>
             </a:extLst>
           </p:cNvPr>
@@ -6119,7 +6250,7 @@
           <p:cNvPr id="3" name="TextBox 2">
             <a:extLst>
               <a:ext uri="{FF2B5EF4-FFF2-40B4-BE49-F238E27FC236}">
-                <a16:creationId xmlns:a16="http://schemas.microsoft.com/office/drawing/2014/main" id="{88AF991F-4607-4186-B6AD-4641C5135655}"/>
+                <a16:creationId xmlns:a16="http://schemas.microsoft.com/office/drawing/2014/main" xmlns="" id="{88AF991F-4607-4186-B6AD-4641C5135655}"/>
               </a:ext>
             </a:extLst>
           </p:cNvPr>
@@ -6167,6 +6298,13 @@
   <p:clrMapOvr>
     <a:overrideClrMapping bg1="dk1" tx1="lt1" bg2="dk2" tx2="lt2" accent1="accent1" accent2="accent2" accent3="accent3" accent4="accent4" accent5="accent5" accent6="accent6" hlink="hlink" folHlink="folHlink"/>
   </p:clrMapOvr>
+  <p:timing>
+    <p:tnLst>
+      <p:par>
+        <p:cTn id="1" dur="indefinite" restart="never" nodeType="tmRoot"/>
+      </p:par>
+    </p:tnLst>
+  </p:timing>
 </p:sld>
 </file>
 
@@ -6200,10 +6338,10 @@
           <p:cNvPr id="9" name="Rectangle 8">
             <a:extLst>
               <a:ext uri="{FF2B5EF4-FFF2-40B4-BE49-F238E27FC236}">
-                <a16:creationId xmlns:a16="http://schemas.microsoft.com/office/drawing/2014/main" id="{E08D4B6A-8113-4DFB-B82E-B60CAC8E0A50}"/>
+                <a16:creationId xmlns:a16="http://schemas.microsoft.com/office/drawing/2014/main" xmlns="" id="{E08D4B6A-8113-4DFB-B82E-B60CAC8E0A50}"/>
               </a:ext>
               <a:ext uri="{C183D7F6-B498-43B3-948B-1728B52AA6E4}">
-                <adec:decorative xmlns:adec="http://schemas.microsoft.com/office/drawing/2017/decorative" val="1"/>
+                <adec:decorative xmlns:adec="http://schemas.microsoft.com/office/drawing/2017/decorative" xmlns="" val="1"/>
               </a:ext>
             </a:extLst>
           </p:cNvPr>
@@ -6213,7 +6351,7 @@
           <p:nvPr>
             <p:extLst>
               <p:ext uri="{386F3935-93C4-4BCD-93E2-E3B085C9AB24}">
-                <p16:designElem xmlns:p16="http://schemas.microsoft.com/office/powerpoint/2015/main" val="1"/>
+                <p16:designElem xmlns:p16="http://schemas.microsoft.com/office/powerpoint/2015/main" xmlns="" val="1"/>
               </p:ext>
             </p:extLst>
           </p:nvPr>
@@ -6292,10 +6430,10 @@
           <p:cNvPr id="11" name="Rectangle 10">
             <a:extLst>
               <a:ext uri="{FF2B5EF4-FFF2-40B4-BE49-F238E27FC236}">
-                <a16:creationId xmlns:a16="http://schemas.microsoft.com/office/drawing/2014/main" id="{9822E561-F97C-4CBB-A9A6-A6BF6317BC84}"/>
+                <a16:creationId xmlns:a16="http://schemas.microsoft.com/office/drawing/2014/main" xmlns="" id="{9822E561-F97C-4CBB-A9A6-A6BF6317BC84}"/>
               </a:ext>
               <a:ext uri="{C183D7F6-B498-43B3-948B-1728B52AA6E4}">
-                <adec:decorative xmlns:adec="http://schemas.microsoft.com/office/drawing/2017/decorative" val="1"/>
+                <adec:decorative xmlns:adec="http://schemas.microsoft.com/office/drawing/2017/decorative" xmlns="" val="1"/>
               </a:ext>
             </a:extLst>
           </p:cNvPr>
@@ -6305,7 +6443,7 @@
           <p:nvPr>
             <p:extLst>
               <p:ext uri="{386F3935-93C4-4BCD-93E2-E3B085C9AB24}">
-                <p16:designElem xmlns:p16="http://schemas.microsoft.com/office/powerpoint/2015/main" val="1"/>
+                <p16:designElem xmlns:p16="http://schemas.microsoft.com/office/powerpoint/2015/main" xmlns="" val="1"/>
               </p:ext>
             </p:extLst>
           </p:nvPr>
@@ -6389,10 +6527,10 @@
           <p:cNvPr id="13" name="Rectangle 12">
             <a:extLst>
               <a:ext uri="{FF2B5EF4-FFF2-40B4-BE49-F238E27FC236}">
-                <a16:creationId xmlns:a16="http://schemas.microsoft.com/office/drawing/2014/main" id="{B01B0E58-A5C8-4CDA-A2E0-35DF94E59857}"/>
+                <a16:creationId xmlns:a16="http://schemas.microsoft.com/office/drawing/2014/main" xmlns="" id="{B01B0E58-A5C8-4CDA-A2E0-35DF94E59857}"/>
               </a:ext>
               <a:ext uri="{C183D7F6-B498-43B3-948B-1728B52AA6E4}">
-                <adec:decorative xmlns:adec="http://schemas.microsoft.com/office/drawing/2017/decorative" val="1"/>
+                <adec:decorative xmlns:adec="http://schemas.microsoft.com/office/drawing/2017/decorative" xmlns="" val="1"/>
               </a:ext>
             </a:extLst>
           </p:cNvPr>
@@ -6402,7 +6540,7 @@
           <p:nvPr>
             <p:extLst>
               <p:ext uri="{386F3935-93C4-4BCD-93E2-E3B085C9AB24}">
-                <p16:designElem xmlns:p16="http://schemas.microsoft.com/office/powerpoint/2015/main" val="1"/>
+                <p16:designElem xmlns:p16="http://schemas.microsoft.com/office/powerpoint/2015/main" xmlns="" val="1"/>
               </p:ext>
             </p:extLst>
           </p:nvPr>
@@ -6443,7 +6581,7 @@
           <p:cNvPr id="4" name="Picture 3">
             <a:extLst>
               <a:ext uri="{FF2B5EF4-FFF2-40B4-BE49-F238E27FC236}">
-                <a16:creationId xmlns:a16="http://schemas.microsoft.com/office/drawing/2014/main" id="{33832EFD-DEB3-4228-AFE9-F0F446A50070}"/>
+                <a16:creationId xmlns:a16="http://schemas.microsoft.com/office/drawing/2014/main" xmlns="" id="{33832EFD-DEB3-4228-AFE9-F0F446A50070}"/>
               </a:ext>
             </a:extLst>
           </p:cNvPr>
@@ -6472,7 +6610,7 @@
           <p:cNvPr id="8" name="TextBox 7">
             <a:extLst>
               <a:ext uri="{FF2B5EF4-FFF2-40B4-BE49-F238E27FC236}">
-                <a16:creationId xmlns:a16="http://schemas.microsoft.com/office/drawing/2014/main" id="{B0421EE7-86ED-4EBB-8462-FA990D9C16C0}"/>
+                <a16:creationId xmlns:a16="http://schemas.microsoft.com/office/drawing/2014/main" xmlns="" id="{B0421EE7-86ED-4EBB-8462-FA990D9C16C0}"/>
               </a:ext>
             </a:extLst>
           </p:cNvPr>
@@ -6514,7 +6652,7 @@
           <p:cNvPr id="12" name="TextBox 11">
             <a:extLst>
               <a:ext uri="{FF2B5EF4-FFF2-40B4-BE49-F238E27FC236}">
-                <a16:creationId xmlns:a16="http://schemas.microsoft.com/office/drawing/2014/main" id="{9C4C2F35-ECE6-4864-9557-19D981303DFD}"/>
+                <a16:creationId xmlns:a16="http://schemas.microsoft.com/office/drawing/2014/main" xmlns="" id="{9C4C2F35-ECE6-4864-9557-19D981303DFD}"/>
               </a:ext>
             </a:extLst>
           </p:cNvPr>
@@ -6649,7 +6787,7 @@
           <p:cNvPr id="3" name="TextBox 2">
             <a:extLst>
               <a:ext uri="{FF2B5EF4-FFF2-40B4-BE49-F238E27FC236}">
-                <a16:creationId xmlns:a16="http://schemas.microsoft.com/office/drawing/2014/main" id="{6F916064-B753-416D-B0C5-8B4AA3AEBF9F}"/>
+                <a16:creationId xmlns:a16="http://schemas.microsoft.com/office/drawing/2014/main" xmlns="" id="{6F916064-B753-416D-B0C5-8B4AA3AEBF9F}"/>
               </a:ext>
             </a:extLst>
           </p:cNvPr>
@@ -6697,6 +6835,13 @@
   <p:clrMapOvr>
     <a:overrideClrMapping bg1="dk1" tx1="lt1" bg2="dk2" tx2="lt2" accent1="accent1" accent2="accent2" accent3="accent3" accent4="accent4" accent5="accent5" accent6="accent6" hlink="hlink" folHlink="folHlink"/>
   </p:clrMapOvr>
+  <p:timing>
+    <p:tnLst>
+      <p:par>
+        <p:cTn id="1" dur="indefinite" restart="never" nodeType="tmRoot"/>
+      </p:par>
+    </p:tnLst>
+  </p:timing>
 </p:sld>
 </file>
 
@@ -6730,10 +6875,10 @@
           <p:cNvPr id="9" name="Rectangle 8">
             <a:extLst>
               <a:ext uri="{FF2B5EF4-FFF2-40B4-BE49-F238E27FC236}">
-                <a16:creationId xmlns:a16="http://schemas.microsoft.com/office/drawing/2014/main" id="{E08D4B6A-8113-4DFB-B82E-B60CAC8E0A50}"/>
+                <a16:creationId xmlns:a16="http://schemas.microsoft.com/office/drawing/2014/main" xmlns="" id="{E08D4B6A-8113-4DFB-B82E-B60CAC8E0A50}"/>
               </a:ext>
               <a:ext uri="{C183D7F6-B498-43B3-948B-1728B52AA6E4}">
-                <adec:decorative xmlns:adec="http://schemas.microsoft.com/office/drawing/2017/decorative" val="1"/>
+                <adec:decorative xmlns:adec="http://schemas.microsoft.com/office/drawing/2017/decorative" xmlns="" val="1"/>
               </a:ext>
             </a:extLst>
           </p:cNvPr>
@@ -6743,7 +6888,7 @@
           <p:nvPr>
             <p:extLst>
               <p:ext uri="{386F3935-93C4-4BCD-93E2-E3B085C9AB24}">
-                <p16:designElem xmlns:p16="http://schemas.microsoft.com/office/powerpoint/2015/main" val="1"/>
+                <p16:designElem xmlns:p16="http://schemas.microsoft.com/office/powerpoint/2015/main" xmlns="" val="1"/>
               </p:ext>
             </p:extLst>
           </p:nvPr>
@@ -6822,10 +6967,10 @@
           <p:cNvPr id="11" name="Rectangle 10">
             <a:extLst>
               <a:ext uri="{FF2B5EF4-FFF2-40B4-BE49-F238E27FC236}">
-                <a16:creationId xmlns:a16="http://schemas.microsoft.com/office/drawing/2014/main" id="{9822E561-F97C-4CBB-A9A6-A6BF6317BC84}"/>
+                <a16:creationId xmlns:a16="http://schemas.microsoft.com/office/drawing/2014/main" xmlns="" id="{9822E561-F97C-4CBB-A9A6-A6BF6317BC84}"/>
               </a:ext>
               <a:ext uri="{C183D7F6-B498-43B3-948B-1728B52AA6E4}">
-                <adec:decorative xmlns:adec="http://schemas.microsoft.com/office/drawing/2017/decorative" val="1"/>
+                <adec:decorative xmlns:adec="http://schemas.microsoft.com/office/drawing/2017/decorative" xmlns="" val="1"/>
               </a:ext>
             </a:extLst>
           </p:cNvPr>
@@ -6835,7 +6980,7 @@
           <p:nvPr>
             <p:extLst>
               <p:ext uri="{386F3935-93C4-4BCD-93E2-E3B085C9AB24}">
-                <p16:designElem xmlns:p16="http://schemas.microsoft.com/office/powerpoint/2015/main" val="1"/>
+                <p16:designElem xmlns:p16="http://schemas.microsoft.com/office/powerpoint/2015/main" xmlns="" val="1"/>
               </p:ext>
             </p:extLst>
           </p:nvPr>
@@ -6919,10 +7064,10 @@
           <p:cNvPr id="13" name="Rectangle 12">
             <a:extLst>
               <a:ext uri="{FF2B5EF4-FFF2-40B4-BE49-F238E27FC236}">
-                <a16:creationId xmlns:a16="http://schemas.microsoft.com/office/drawing/2014/main" id="{B01B0E58-A5C8-4CDA-A2E0-35DF94E59857}"/>
+                <a16:creationId xmlns:a16="http://schemas.microsoft.com/office/drawing/2014/main" xmlns="" id="{B01B0E58-A5C8-4CDA-A2E0-35DF94E59857}"/>
               </a:ext>
               <a:ext uri="{C183D7F6-B498-43B3-948B-1728B52AA6E4}">
-                <adec:decorative xmlns:adec="http://schemas.microsoft.com/office/drawing/2017/decorative" val="1"/>
+                <adec:decorative xmlns:adec="http://schemas.microsoft.com/office/drawing/2017/decorative" xmlns="" val="1"/>
               </a:ext>
             </a:extLst>
           </p:cNvPr>
@@ -6932,7 +7077,7 @@
           <p:nvPr>
             <p:extLst>
               <p:ext uri="{386F3935-93C4-4BCD-93E2-E3B085C9AB24}">
-                <p16:designElem xmlns:p16="http://schemas.microsoft.com/office/powerpoint/2015/main" val="1"/>
+                <p16:designElem xmlns:p16="http://schemas.microsoft.com/office/powerpoint/2015/main" xmlns="" val="1"/>
               </p:ext>
             </p:extLst>
           </p:nvPr>
@@ -6973,7 +7118,7 @@
           <p:cNvPr id="4" name="Picture 3">
             <a:extLst>
               <a:ext uri="{FF2B5EF4-FFF2-40B4-BE49-F238E27FC236}">
-                <a16:creationId xmlns:a16="http://schemas.microsoft.com/office/drawing/2014/main" id="{33832EFD-DEB3-4228-AFE9-F0F446A50070}"/>
+                <a16:creationId xmlns:a16="http://schemas.microsoft.com/office/drawing/2014/main" xmlns="" id="{33832EFD-DEB3-4228-AFE9-F0F446A50070}"/>
               </a:ext>
             </a:extLst>
           </p:cNvPr>
@@ -7002,7 +7147,7 @@
           <p:cNvPr id="8" name="TextBox 7">
             <a:extLst>
               <a:ext uri="{FF2B5EF4-FFF2-40B4-BE49-F238E27FC236}">
-                <a16:creationId xmlns:a16="http://schemas.microsoft.com/office/drawing/2014/main" id="{B0421EE7-86ED-4EBB-8462-FA990D9C16C0}"/>
+                <a16:creationId xmlns:a16="http://schemas.microsoft.com/office/drawing/2014/main" xmlns="" id="{B0421EE7-86ED-4EBB-8462-FA990D9C16C0}"/>
               </a:ext>
             </a:extLst>
           </p:cNvPr>
@@ -7044,7 +7189,7 @@
           <p:cNvPr id="12" name="TextBox 11">
             <a:extLst>
               <a:ext uri="{FF2B5EF4-FFF2-40B4-BE49-F238E27FC236}">
-                <a16:creationId xmlns:a16="http://schemas.microsoft.com/office/drawing/2014/main" id="{9C4C2F35-ECE6-4864-9557-19D981303DFD}"/>
+                <a16:creationId xmlns:a16="http://schemas.microsoft.com/office/drawing/2014/main" xmlns="" id="{9C4C2F35-ECE6-4864-9557-19D981303DFD}"/>
               </a:ext>
             </a:extLst>
           </p:cNvPr>
@@ -7190,7 +7335,7 @@
           <p:cNvPr id="6" name="Picture 6" descr="A person sitting in a field&#10;&#10;Description generated with very high confidence">
             <a:extLst>
               <a:ext uri="{FF2B5EF4-FFF2-40B4-BE49-F238E27FC236}">
-                <a16:creationId xmlns:a16="http://schemas.microsoft.com/office/drawing/2014/main" id="{FA62AF39-E333-4F6F-AB68-B6385249EEFC}"/>
+                <a16:creationId xmlns:a16="http://schemas.microsoft.com/office/drawing/2014/main" xmlns="" id="{FA62AF39-E333-4F6F-AB68-B6385249EEFC}"/>
               </a:ext>
             </a:extLst>
           </p:cNvPr>
@@ -7220,7 +7365,7 @@
           <p:cNvPr id="3" name="TextBox 2">
             <a:extLst>
               <a:ext uri="{FF2B5EF4-FFF2-40B4-BE49-F238E27FC236}">
-                <a16:creationId xmlns:a16="http://schemas.microsoft.com/office/drawing/2014/main" id="{26917684-52A8-48E7-9CB2-4A42A6608A0B}"/>
+                <a16:creationId xmlns:a16="http://schemas.microsoft.com/office/drawing/2014/main" xmlns="" id="{26917684-52A8-48E7-9CB2-4A42A6608A0B}"/>
               </a:ext>
             </a:extLst>
           </p:cNvPr>
@@ -7268,6 +7413,13 @@
   <p:clrMapOvr>
     <a:overrideClrMapping bg1="dk1" tx1="lt1" bg2="dk2" tx2="lt2" accent1="accent1" accent2="accent2" accent3="accent3" accent4="accent4" accent5="accent5" accent6="accent6" hlink="hlink" folHlink="folHlink"/>
   </p:clrMapOvr>
+  <p:timing>
+    <p:tnLst>
+      <p:par>
+        <p:cTn id="1" dur="indefinite" restart="never" nodeType="tmRoot"/>
+      </p:par>
+    </p:tnLst>
+  </p:timing>
 </p:sld>
 </file>
 
@@ -7301,10 +7453,10 @@
           <p:cNvPr id="9" name="Rectangle 8">
             <a:extLst>
               <a:ext uri="{FF2B5EF4-FFF2-40B4-BE49-F238E27FC236}">
-                <a16:creationId xmlns:a16="http://schemas.microsoft.com/office/drawing/2014/main" id="{E08D4B6A-8113-4DFB-B82E-B60CAC8E0A50}"/>
+                <a16:creationId xmlns:a16="http://schemas.microsoft.com/office/drawing/2014/main" xmlns="" id="{E08D4B6A-8113-4DFB-B82E-B60CAC8E0A50}"/>
               </a:ext>
               <a:ext uri="{C183D7F6-B498-43B3-948B-1728B52AA6E4}">
-                <adec:decorative xmlns:adec="http://schemas.microsoft.com/office/drawing/2017/decorative" val="1"/>
+                <adec:decorative xmlns:adec="http://schemas.microsoft.com/office/drawing/2017/decorative" xmlns="" val="1"/>
               </a:ext>
             </a:extLst>
           </p:cNvPr>
@@ -7314,7 +7466,7 @@
           <p:nvPr>
             <p:extLst>
               <p:ext uri="{386F3935-93C4-4BCD-93E2-E3B085C9AB24}">
-                <p16:designElem xmlns:p16="http://schemas.microsoft.com/office/powerpoint/2015/main" val="1"/>
+                <p16:designElem xmlns:p16="http://schemas.microsoft.com/office/powerpoint/2015/main" xmlns="" val="1"/>
               </p:ext>
             </p:extLst>
           </p:nvPr>
@@ -7393,10 +7545,10 @@
           <p:cNvPr id="11" name="Rectangle 10">
             <a:extLst>
               <a:ext uri="{FF2B5EF4-FFF2-40B4-BE49-F238E27FC236}">
-                <a16:creationId xmlns:a16="http://schemas.microsoft.com/office/drawing/2014/main" id="{9822E561-F97C-4CBB-A9A6-A6BF6317BC84}"/>
+                <a16:creationId xmlns:a16="http://schemas.microsoft.com/office/drawing/2014/main" xmlns="" id="{9822E561-F97C-4CBB-A9A6-A6BF6317BC84}"/>
               </a:ext>
               <a:ext uri="{C183D7F6-B498-43B3-948B-1728B52AA6E4}">
-                <adec:decorative xmlns:adec="http://schemas.microsoft.com/office/drawing/2017/decorative" val="1"/>
+                <adec:decorative xmlns:adec="http://schemas.microsoft.com/office/drawing/2017/decorative" xmlns="" val="1"/>
               </a:ext>
             </a:extLst>
           </p:cNvPr>
@@ -7406,7 +7558,7 @@
           <p:nvPr>
             <p:extLst>
               <p:ext uri="{386F3935-93C4-4BCD-93E2-E3B085C9AB24}">
-                <p16:designElem xmlns:p16="http://schemas.microsoft.com/office/powerpoint/2015/main" val="1"/>
+                <p16:designElem xmlns:p16="http://schemas.microsoft.com/office/powerpoint/2015/main" xmlns="" val="1"/>
               </p:ext>
             </p:extLst>
           </p:nvPr>
@@ -7490,10 +7642,10 @@
           <p:cNvPr id="13" name="Rectangle 12">
             <a:extLst>
               <a:ext uri="{FF2B5EF4-FFF2-40B4-BE49-F238E27FC236}">
-                <a16:creationId xmlns:a16="http://schemas.microsoft.com/office/drawing/2014/main" id="{B01B0E58-A5C8-4CDA-A2E0-35DF94E59857}"/>
+                <a16:creationId xmlns:a16="http://schemas.microsoft.com/office/drawing/2014/main" xmlns="" id="{B01B0E58-A5C8-4CDA-A2E0-35DF94E59857}"/>
               </a:ext>
               <a:ext uri="{C183D7F6-B498-43B3-948B-1728B52AA6E4}">
-                <adec:decorative xmlns:adec="http://schemas.microsoft.com/office/drawing/2017/decorative" val="1"/>
+                <adec:decorative xmlns:adec="http://schemas.microsoft.com/office/drawing/2017/decorative" xmlns="" val="1"/>
               </a:ext>
             </a:extLst>
           </p:cNvPr>
@@ -7503,7 +7655,7 @@
           <p:nvPr>
             <p:extLst>
               <p:ext uri="{386F3935-93C4-4BCD-93E2-E3B085C9AB24}">
-                <p16:designElem xmlns:p16="http://schemas.microsoft.com/office/powerpoint/2015/main" val="1"/>
+                <p16:designElem xmlns:p16="http://schemas.microsoft.com/office/powerpoint/2015/main" xmlns="" val="1"/>
               </p:ext>
             </p:extLst>
           </p:nvPr>
@@ -7544,7 +7696,7 @@
           <p:cNvPr id="4" name="Picture 3">
             <a:extLst>
               <a:ext uri="{FF2B5EF4-FFF2-40B4-BE49-F238E27FC236}">
-                <a16:creationId xmlns:a16="http://schemas.microsoft.com/office/drawing/2014/main" id="{33832EFD-DEB3-4228-AFE9-F0F446A50070}"/>
+                <a16:creationId xmlns:a16="http://schemas.microsoft.com/office/drawing/2014/main" xmlns="" id="{33832EFD-DEB3-4228-AFE9-F0F446A50070}"/>
               </a:ext>
             </a:extLst>
           </p:cNvPr>
@@ -7573,7 +7725,7 @@
           <p:cNvPr id="10" name="TextBox 9">
             <a:extLst>
               <a:ext uri="{FF2B5EF4-FFF2-40B4-BE49-F238E27FC236}">
-                <a16:creationId xmlns:a16="http://schemas.microsoft.com/office/drawing/2014/main" id="{B69F2CBB-01BE-461D-8058-1A68DDB1481F}"/>
+                <a16:creationId xmlns:a16="http://schemas.microsoft.com/office/drawing/2014/main" xmlns="" id="{B69F2CBB-01BE-461D-8058-1A68DDB1481F}"/>
               </a:ext>
             </a:extLst>
           </p:cNvPr>
@@ -7609,7 +7761,7 @@
           <p:cNvPr id="14" name="TextBox 13">
             <a:extLst>
               <a:ext uri="{FF2B5EF4-FFF2-40B4-BE49-F238E27FC236}">
-                <a16:creationId xmlns:a16="http://schemas.microsoft.com/office/drawing/2014/main" id="{D429862F-72F6-4DDA-97F5-BB1C92F3180B}"/>
+                <a16:creationId xmlns:a16="http://schemas.microsoft.com/office/drawing/2014/main" xmlns="" id="{D429862F-72F6-4DDA-97F5-BB1C92F3180B}"/>
               </a:ext>
             </a:extLst>
           </p:cNvPr>
@@ -7781,7 +7933,7 @@
           <p:cNvPr id="17" name="TextBox 16">
             <a:extLst>
               <a:ext uri="{FF2B5EF4-FFF2-40B4-BE49-F238E27FC236}">
-                <a16:creationId xmlns:a16="http://schemas.microsoft.com/office/drawing/2014/main" id="{B9598B4C-F027-445E-BF80-A8CB60E09677}"/>
+                <a16:creationId xmlns:a16="http://schemas.microsoft.com/office/drawing/2014/main" xmlns="" id="{B9598B4C-F027-445E-BF80-A8CB60E09677}"/>
               </a:ext>
             </a:extLst>
           </p:cNvPr>
@@ -7823,7 +7975,7 @@
           <p:cNvPr id="3" name="TextBox 2">
             <a:extLst>
               <a:ext uri="{FF2B5EF4-FFF2-40B4-BE49-F238E27FC236}">
-                <a16:creationId xmlns:a16="http://schemas.microsoft.com/office/drawing/2014/main" id="{92C52986-02C6-4B20-9308-5F4006E28275}"/>
+                <a16:creationId xmlns:a16="http://schemas.microsoft.com/office/drawing/2014/main" xmlns="" id="{92C52986-02C6-4B20-9308-5F4006E28275}"/>
               </a:ext>
             </a:extLst>
           </p:cNvPr>
@@ -7871,6 +8023,13 @@
   <p:clrMapOvr>
     <a:overrideClrMapping bg1="dk1" tx1="lt1" bg2="dk2" tx2="lt2" accent1="accent1" accent2="accent2" accent3="accent3" accent4="accent4" accent5="accent5" accent6="accent6" hlink="hlink" folHlink="folHlink"/>
   </p:clrMapOvr>
+  <p:timing>
+    <p:tnLst>
+      <p:par>
+        <p:cTn id="1" dur="indefinite" restart="never" nodeType="tmRoot"/>
+      </p:par>
+    </p:tnLst>
+  </p:timing>
 </p:sld>
 </file>
 
@@ -7904,10 +8063,10 @@
           <p:cNvPr id="9" name="Rectangle 8">
             <a:extLst>
               <a:ext uri="{FF2B5EF4-FFF2-40B4-BE49-F238E27FC236}">
-                <a16:creationId xmlns:a16="http://schemas.microsoft.com/office/drawing/2014/main" id="{E08D4B6A-8113-4DFB-B82E-B60CAC8E0A50}"/>
+                <a16:creationId xmlns:a16="http://schemas.microsoft.com/office/drawing/2014/main" xmlns="" id="{E08D4B6A-8113-4DFB-B82E-B60CAC8E0A50}"/>
               </a:ext>
               <a:ext uri="{C183D7F6-B498-43B3-948B-1728B52AA6E4}">
-                <adec:decorative xmlns:adec="http://schemas.microsoft.com/office/drawing/2017/decorative" val="1"/>
+                <adec:decorative xmlns:adec="http://schemas.microsoft.com/office/drawing/2017/decorative" xmlns="" val="1"/>
               </a:ext>
             </a:extLst>
           </p:cNvPr>
@@ -7917,7 +8076,7 @@
           <p:nvPr>
             <p:extLst>
               <p:ext uri="{386F3935-93C4-4BCD-93E2-E3B085C9AB24}">
-                <p16:designElem xmlns:p16="http://schemas.microsoft.com/office/powerpoint/2015/main" val="1"/>
+                <p16:designElem xmlns:p16="http://schemas.microsoft.com/office/powerpoint/2015/main" xmlns="" val="1"/>
               </p:ext>
             </p:extLst>
           </p:nvPr>
@@ -7996,10 +8155,10 @@
           <p:cNvPr id="11" name="Rectangle 10">
             <a:extLst>
               <a:ext uri="{FF2B5EF4-FFF2-40B4-BE49-F238E27FC236}">
-                <a16:creationId xmlns:a16="http://schemas.microsoft.com/office/drawing/2014/main" id="{9822E561-F97C-4CBB-A9A6-A6BF6317BC84}"/>
+                <a16:creationId xmlns:a16="http://schemas.microsoft.com/office/drawing/2014/main" xmlns="" id="{9822E561-F97C-4CBB-A9A6-A6BF6317BC84}"/>
               </a:ext>
               <a:ext uri="{C183D7F6-B498-43B3-948B-1728B52AA6E4}">
-                <adec:decorative xmlns:adec="http://schemas.microsoft.com/office/drawing/2017/decorative" val="1"/>
+                <adec:decorative xmlns:adec="http://schemas.microsoft.com/office/drawing/2017/decorative" xmlns="" val="1"/>
               </a:ext>
             </a:extLst>
           </p:cNvPr>
@@ -8009,7 +8168,7 @@
           <p:nvPr>
             <p:extLst>
               <p:ext uri="{386F3935-93C4-4BCD-93E2-E3B085C9AB24}">
-                <p16:designElem xmlns:p16="http://schemas.microsoft.com/office/powerpoint/2015/main" val="1"/>
+                <p16:designElem xmlns:p16="http://schemas.microsoft.com/office/powerpoint/2015/main" xmlns="" val="1"/>
               </p:ext>
             </p:extLst>
           </p:nvPr>
@@ -8093,10 +8252,10 @@
           <p:cNvPr id="13" name="Rectangle 12">
             <a:extLst>
               <a:ext uri="{FF2B5EF4-FFF2-40B4-BE49-F238E27FC236}">
-                <a16:creationId xmlns:a16="http://schemas.microsoft.com/office/drawing/2014/main" id="{B01B0E58-A5C8-4CDA-A2E0-35DF94E59857}"/>
+                <a16:creationId xmlns:a16="http://schemas.microsoft.com/office/drawing/2014/main" xmlns="" id="{B01B0E58-A5C8-4CDA-A2E0-35DF94E59857}"/>
               </a:ext>
               <a:ext uri="{C183D7F6-B498-43B3-948B-1728B52AA6E4}">
-                <adec:decorative xmlns:adec="http://schemas.microsoft.com/office/drawing/2017/decorative" val="1"/>
+                <adec:decorative xmlns:adec="http://schemas.microsoft.com/office/drawing/2017/decorative" xmlns="" val="1"/>
               </a:ext>
             </a:extLst>
           </p:cNvPr>
@@ -8106,7 +8265,7 @@
           <p:nvPr>
             <p:extLst>
               <p:ext uri="{386F3935-93C4-4BCD-93E2-E3B085C9AB24}">
-                <p16:designElem xmlns:p16="http://schemas.microsoft.com/office/powerpoint/2015/main" val="1"/>
+                <p16:designElem xmlns:p16="http://schemas.microsoft.com/office/powerpoint/2015/main" xmlns="" val="1"/>
               </p:ext>
             </p:extLst>
           </p:nvPr>
@@ -8147,7 +8306,7 @@
           <p:cNvPr id="4" name="Picture 3">
             <a:extLst>
               <a:ext uri="{FF2B5EF4-FFF2-40B4-BE49-F238E27FC236}">
-                <a16:creationId xmlns:a16="http://schemas.microsoft.com/office/drawing/2014/main" id="{33832EFD-DEB3-4228-AFE9-F0F446A50070}"/>
+                <a16:creationId xmlns:a16="http://schemas.microsoft.com/office/drawing/2014/main" xmlns="" id="{33832EFD-DEB3-4228-AFE9-F0F446A50070}"/>
               </a:ext>
             </a:extLst>
           </p:cNvPr>
@@ -8176,7 +8335,7 @@
           <p:cNvPr id="10" name="TextBox 9">
             <a:extLst>
               <a:ext uri="{FF2B5EF4-FFF2-40B4-BE49-F238E27FC236}">
-                <a16:creationId xmlns:a16="http://schemas.microsoft.com/office/drawing/2014/main" id="{B69F2CBB-01BE-461D-8058-1A68DDB1481F}"/>
+                <a16:creationId xmlns:a16="http://schemas.microsoft.com/office/drawing/2014/main" xmlns="" id="{B69F2CBB-01BE-461D-8058-1A68DDB1481F}"/>
               </a:ext>
             </a:extLst>
           </p:cNvPr>
@@ -8212,7 +8371,7 @@
           <p:cNvPr id="14" name="TextBox 13">
             <a:extLst>
               <a:ext uri="{FF2B5EF4-FFF2-40B4-BE49-F238E27FC236}">
-                <a16:creationId xmlns:a16="http://schemas.microsoft.com/office/drawing/2014/main" id="{D429862F-72F6-4DDA-97F5-BB1C92F3180B}"/>
+                <a16:creationId xmlns:a16="http://schemas.microsoft.com/office/drawing/2014/main" xmlns="" id="{D429862F-72F6-4DDA-97F5-BB1C92F3180B}"/>
               </a:ext>
             </a:extLst>
           </p:cNvPr>
@@ -8316,7 +8475,7 @@
           <p:cNvPr id="17" name="TextBox 16">
             <a:extLst>
               <a:ext uri="{FF2B5EF4-FFF2-40B4-BE49-F238E27FC236}">
-                <a16:creationId xmlns:a16="http://schemas.microsoft.com/office/drawing/2014/main" id="{B9598B4C-F027-445E-BF80-A8CB60E09677}"/>
+                <a16:creationId xmlns:a16="http://schemas.microsoft.com/office/drawing/2014/main" xmlns="" id="{B9598B4C-F027-445E-BF80-A8CB60E09677}"/>
               </a:ext>
             </a:extLst>
           </p:cNvPr>
@@ -8358,7 +8517,7 @@
           <p:cNvPr id="3" name="Picture 4" descr="A computer sitting on top of a table&#10;&#10;Description generated with very high confidence">
             <a:extLst>
               <a:ext uri="{FF2B5EF4-FFF2-40B4-BE49-F238E27FC236}">
-                <a16:creationId xmlns:a16="http://schemas.microsoft.com/office/drawing/2014/main" id="{431DCA1C-B813-4319-823F-9074C7481C5B}"/>
+                <a16:creationId xmlns:a16="http://schemas.microsoft.com/office/drawing/2014/main" xmlns="" id="{431DCA1C-B813-4319-823F-9074C7481C5B}"/>
               </a:ext>
             </a:extLst>
           </p:cNvPr>
@@ -8388,7 +8547,7 @@
           <p:cNvPr id="5" name="TextBox 4">
             <a:extLst>
               <a:ext uri="{FF2B5EF4-FFF2-40B4-BE49-F238E27FC236}">
-                <a16:creationId xmlns:a16="http://schemas.microsoft.com/office/drawing/2014/main" id="{C71CCCE7-5731-4025-942C-081E7F6E8C49}"/>
+                <a16:creationId xmlns:a16="http://schemas.microsoft.com/office/drawing/2014/main" xmlns="" id="{C71CCCE7-5731-4025-942C-081E7F6E8C49}"/>
               </a:ext>
             </a:extLst>
           </p:cNvPr>
@@ -8416,7 +8575,7 @@
           <a:p>
             <a:pPr algn="l"/>
             <a:r>
-              <a:rPr lang="en-US">
+              <a:rPr lang="en-US" dirty="0">
                 <a:solidFill>
                   <a:srgbClr val="000000"/>
                 </a:solidFill>
@@ -8436,6 +8595,13 @@
   <p:clrMapOvr>
     <a:overrideClrMapping bg1="dk1" tx1="lt1" bg2="dk2" tx2="lt2" accent1="accent1" accent2="accent2" accent3="accent3" accent4="accent4" accent5="accent5" accent6="accent6" hlink="hlink" folHlink="folHlink"/>
   </p:clrMapOvr>
+  <p:timing>
+    <p:tnLst>
+      <p:par>
+        <p:cTn id="1" dur="indefinite" restart="never" nodeType="tmRoot"/>
+      </p:par>
+    </p:tnLst>
+  </p:timing>
 </p:sld>
 </file>
 
@@ -8469,10 +8635,10 @@
           <p:cNvPr id="9" name="Rectangle 8">
             <a:extLst>
               <a:ext uri="{FF2B5EF4-FFF2-40B4-BE49-F238E27FC236}">
-                <a16:creationId xmlns:a16="http://schemas.microsoft.com/office/drawing/2014/main" id="{E08D4B6A-8113-4DFB-B82E-B60CAC8E0A50}"/>
+                <a16:creationId xmlns:a16="http://schemas.microsoft.com/office/drawing/2014/main" xmlns="" id="{E08D4B6A-8113-4DFB-B82E-B60CAC8E0A50}"/>
               </a:ext>
               <a:ext uri="{C183D7F6-B498-43B3-948B-1728B52AA6E4}">
-                <adec:decorative xmlns:adec="http://schemas.microsoft.com/office/drawing/2017/decorative" val="1"/>
+                <adec:decorative xmlns:adec="http://schemas.microsoft.com/office/drawing/2017/decorative" xmlns="" val="1"/>
               </a:ext>
             </a:extLst>
           </p:cNvPr>
@@ -8482,7 +8648,7 @@
           <p:nvPr>
             <p:extLst>
               <p:ext uri="{386F3935-93C4-4BCD-93E2-E3B085C9AB24}">
-                <p16:designElem xmlns:p16="http://schemas.microsoft.com/office/powerpoint/2015/main" val="1"/>
+                <p16:designElem xmlns:p16="http://schemas.microsoft.com/office/powerpoint/2015/main" xmlns="" val="1"/>
               </p:ext>
             </p:extLst>
           </p:nvPr>
@@ -8561,10 +8727,10 @@
           <p:cNvPr id="11" name="Rectangle 10">
             <a:extLst>
               <a:ext uri="{FF2B5EF4-FFF2-40B4-BE49-F238E27FC236}">
-                <a16:creationId xmlns:a16="http://schemas.microsoft.com/office/drawing/2014/main" id="{9822E561-F97C-4CBB-A9A6-A6BF6317BC84}"/>
+                <a16:creationId xmlns:a16="http://schemas.microsoft.com/office/drawing/2014/main" xmlns="" id="{9822E561-F97C-4CBB-A9A6-A6BF6317BC84}"/>
               </a:ext>
               <a:ext uri="{C183D7F6-B498-43B3-948B-1728B52AA6E4}">
-                <adec:decorative xmlns:adec="http://schemas.microsoft.com/office/drawing/2017/decorative" val="1"/>
+                <adec:decorative xmlns:adec="http://schemas.microsoft.com/office/drawing/2017/decorative" xmlns="" val="1"/>
               </a:ext>
             </a:extLst>
           </p:cNvPr>
@@ -8574,7 +8740,7 @@
           <p:nvPr>
             <p:extLst>
               <p:ext uri="{386F3935-93C4-4BCD-93E2-E3B085C9AB24}">
-                <p16:designElem xmlns:p16="http://schemas.microsoft.com/office/powerpoint/2015/main" val="1"/>
+                <p16:designElem xmlns:p16="http://schemas.microsoft.com/office/powerpoint/2015/main" xmlns="" val="1"/>
               </p:ext>
             </p:extLst>
           </p:nvPr>
@@ -8658,10 +8824,10 @@
           <p:cNvPr id="13" name="Rectangle 12">
             <a:extLst>
               <a:ext uri="{FF2B5EF4-FFF2-40B4-BE49-F238E27FC236}">
-                <a16:creationId xmlns:a16="http://schemas.microsoft.com/office/drawing/2014/main" id="{B01B0E58-A5C8-4CDA-A2E0-35DF94E59857}"/>
+                <a16:creationId xmlns:a16="http://schemas.microsoft.com/office/drawing/2014/main" xmlns="" id="{B01B0E58-A5C8-4CDA-A2E0-35DF94E59857}"/>
               </a:ext>
               <a:ext uri="{C183D7F6-B498-43B3-948B-1728B52AA6E4}">
-                <adec:decorative xmlns:adec="http://schemas.microsoft.com/office/drawing/2017/decorative" val="1"/>
+                <adec:decorative xmlns:adec="http://schemas.microsoft.com/office/drawing/2017/decorative" xmlns="" val="1"/>
               </a:ext>
             </a:extLst>
           </p:cNvPr>
@@ -8671,7 +8837,7 @@
           <p:nvPr>
             <p:extLst>
               <p:ext uri="{386F3935-93C4-4BCD-93E2-E3B085C9AB24}">
-                <p16:designElem xmlns:p16="http://schemas.microsoft.com/office/powerpoint/2015/main" val="1"/>
+                <p16:designElem xmlns:p16="http://schemas.microsoft.com/office/powerpoint/2015/main" xmlns="" val="1"/>
               </p:ext>
             </p:extLst>
           </p:nvPr>
@@ -8712,7 +8878,7 @@
           <p:cNvPr id="4" name="Picture 3">
             <a:extLst>
               <a:ext uri="{FF2B5EF4-FFF2-40B4-BE49-F238E27FC236}">
-                <a16:creationId xmlns:a16="http://schemas.microsoft.com/office/drawing/2014/main" id="{33832EFD-DEB3-4228-AFE9-F0F446A50070}"/>
+                <a16:creationId xmlns:a16="http://schemas.microsoft.com/office/drawing/2014/main" xmlns="" id="{33832EFD-DEB3-4228-AFE9-F0F446A50070}"/>
               </a:ext>
             </a:extLst>
           </p:cNvPr>
@@ -8741,7 +8907,7 @@
           <p:cNvPr id="10" name="TextBox 9">
             <a:extLst>
               <a:ext uri="{FF2B5EF4-FFF2-40B4-BE49-F238E27FC236}">
-                <a16:creationId xmlns:a16="http://schemas.microsoft.com/office/drawing/2014/main" id="{B69F2CBB-01BE-461D-8058-1A68DDB1481F}"/>
+                <a16:creationId xmlns:a16="http://schemas.microsoft.com/office/drawing/2014/main" xmlns="" id="{B69F2CBB-01BE-461D-8058-1A68DDB1481F}"/>
               </a:ext>
             </a:extLst>
           </p:cNvPr>
@@ -8777,7 +8943,7 @@
           <p:cNvPr id="14" name="TextBox 13">
             <a:extLst>
               <a:ext uri="{FF2B5EF4-FFF2-40B4-BE49-F238E27FC236}">
-                <a16:creationId xmlns:a16="http://schemas.microsoft.com/office/drawing/2014/main" id="{D429862F-72F6-4DDA-97F5-BB1C92F3180B}"/>
+                <a16:creationId xmlns:a16="http://schemas.microsoft.com/office/drawing/2014/main" xmlns="" id="{D429862F-72F6-4DDA-97F5-BB1C92F3180B}"/>
               </a:ext>
             </a:extLst>
           </p:cNvPr>
@@ -8889,7 +9055,7 @@
           <p:cNvPr id="17" name="TextBox 16">
             <a:extLst>
               <a:ext uri="{FF2B5EF4-FFF2-40B4-BE49-F238E27FC236}">
-                <a16:creationId xmlns:a16="http://schemas.microsoft.com/office/drawing/2014/main" id="{B9598B4C-F027-445E-BF80-A8CB60E09677}"/>
+                <a16:creationId xmlns:a16="http://schemas.microsoft.com/office/drawing/2014/main" xmlns="" id="{B9598B4C-F027-445E-BF80-A8CB60E09677}"/>
               </a:ext>
             </a:extLst>
           </p:cNvPr>
@@ -9129,7 +9295,7 @@
           <p:cNvPr id="5" name="Picture 5" descr="A picture containing game, field, man&#10;&#10;Description generated with very high confidence">
             <a:extLst>
               <a:ext uri="{FF2B5EF4-FFF2-40B4-BE49-F238E27FC236}">
-                <a16:creationId xmlns:a16="http://schemas.microsoft.com/office/drawing/2014/main" id="{F60D71CC-86C6-479D-9681-746F64CD6D39}"/>
+                <a16:creationId xmlns:a16="http://schemas.microsoft.com/office/drawing/2014/main" xmlns="" id="{F60D71CC-86C6-479D-9681-746F64CD6D39}"/>
               </a:ext>
             </a:extLst>
           </p:cNvPr>
@@ -9159,7 +9325,7 @@
           <p:cNvPr id="8" name="TextBox 7">
             <a:extLst>
               <a:ext uri="{FF2B5EF4-FFF2-40B4-BE49-F238E27FC236}">
-                <a16:creationId xmlns:a16="http://schemas.microsoft.com/office/drawing/2014/main" id="{92854897-6FBF-4FB6-B4D4-010B9BCC29DC}"/>
+                <a16:creationId xmlns:a16="http://schemas.microsoft.com/office/drawing/2014/main" xmlns="" id="{92854897-6FBF-4FB6-B4D4-010B9BCC29DC}"/>
               </a:ext>
             </a:extLst>
           </p:cNvPr>
@@ -9207,6 +9373,13 @@
   <p:clrMapOvr>
     <a:overrideClrMapping bg1="dk1" tx1="lt1" bg2="dk2" tx2="lt2" accent1="accent1" accent2="accent2" accent3="accent3" accent4="accent4" accent5="accent5" accent6="accent6" hlink="hlink" folHlink="folHlink"/>
   </p:clrMapOvr>
+  <p:timing>
+    <p:tnLst>
+      <p:par>
+        <p:cTn id="1" dur="indefinite" restart="never" nodeType="tmRoot"/>
+      </p:par>
+    </p:tnLst>
+  </p:timing>
 </p:sld>
 </file>
 
@@ -9240,10 +9413,10 @@
           <p:cNvPr id="9" name="Rectangle 8">
             <a:extLst>
               <a:ext uri="{FF2B5EF4-FFF2-40B4-BE49-F238E27FC236}">
-                <a16:creationId xmlns:a16="http://schemas.microsoft.com/office/drawing/2014/main" id="{E08D4B6A-8113-4DFB-B82E-B60CAC8E0A50}"/>
+                <a16:creationId xmlns:a16="http://schemas.microsoft.com/office/drawing/2014/main" xmlns="" id="{E08D4B6A-8113-4DFB-B82E-B60CAC8E0A50}"/>
               </a:ext>
               <a:ext uri="{C183D7F6-B498-43B3-948B-1728B52AA6E4}">
-                <adec:decorative xmlns:adec="http://schemas.microsoft.com/office/drawing/2017/decorative" val="1"/>
+                <adec:decorative xmlns:adec="http://schemas.microsoft.com/office/drawing/2017/decorative" xmlns="" val="1"/>
               </a:ext>
             </a:extLst>
           </p:cNvPr>
@@ -9253,7 +9426,7 @@
           <p:nvPr>
             <p:extLst>
               <p:ext uri="{386F3935-93C4-4BCD-93E2-E3B085C9AB24}">
-                <p16:designElem xmlns:p16="http://schemas.microsoft.com/office/powerpoint/2015/main" val="1"/>
+                <p16:designElem xmlns:p16="http://schemas.microsoft.com/office/powerpoint/2015/main" xmlns="" val="1"/>
               </p:ext>
             </p:extLst>
           </p:nvPr>
@@ -9332,10 +9505,10 @@
           <p:cNvPr id="11" name="Rectangle 10">
             <a:extLst>
               <a:ext uri="{FF2B5EF4-FFF2-40B4-BE49-F238E27FC236}">
-                <a16:creationId xmlns:a16="http://schemas.microsoft.com/office/drawing/2014/main" id="{9822E561-F97C-4CBB-A9A6-A6BF6317BC84}"/>
+                <a16:creationId xmlns:a16="http://schemas.microsoft.com/office/drawing/2014/main" xmlns="" id="{9822E561-F97C-4CBB-A9A6-A6BF6317BC84}"/>
               </a:ext>
               <a:ext uri="{C183D7F6-B498-43B3-948B-1728B52AA6E4}">
-                <adec:decorative xmlns:adec="http://schemas.microsoft.com/office/drawing/2017/decorative" val="1"/>
+                <adec:decorative xmlns:adec="http://schemas.microsoft.com/office/drawing/2017/decorative" xmlns="" val="1"/>
               </a:ext>
             </a:extLst>
           </p:cNvPr>
@@ -9345,7 +9518,7 @@
           <p:nvPr>
             <p:extLst>
               <p:ext uri="{386F3935-93C4-4BCD-93E2-E3B085C9AB24}">
-                <p16:designElem xmlns:p16="http://schemas.microsoft.com/office/powerpoint/2015/main" val="1"/>
+                <p16:designElem xmlns:p16="http://schemas.microsoft.com/office/powerpoint/2015/main" xmlns="" val="1"/>
               </p:ext>
             </p:extLst>
           </p:nvPr>
@@ -9429,10 +9602,10 @@
           <p:cNvPr id="13" name="Rectangle 12">
             <a:extLst>
               <a:ext uri="{FF2B5EF4-FFF2-40B4-BE49-F238E27FC236}">
-                <a16:creationId xmlns:a16="http://schemas.microsoft.com/office/drawing/2014/main" id="{B01B0E58-A5C8-4CDA-A2E0-35DF94E59857}"/>
+                <a16:creationId xmlns:a16="http://schemas.microsoft.com/office/drawing/2014/main" xmlns="" id="{B01B0E58-A5C8-4CDA-A2E0-35DF94E59857}"/>
               </a:ext>
               <a:ext uri="{C183D7F6-B498-43B3-948B-1728B52AA6E4}">
-                <adec:decorative xmlns:adec="http://schemas.microsoft.com/office/drawing/2017/decorative" val="1"/>
+                <adec:decorative xmlns:adec="http://schemas.microsoft.com/office/drawing/2017/decorative" xmlns="" val="1"/>
               </a:ext>
             </a:extLst>
           </p:cNvPr>
@@ -9442,7 +9615,7 @@
           <p:nvPr>
             <p:extLst>
               <p:ext uri="{386F3935-93C4-4BCD-93E2-E3B085C9AB24}">
-                <p16:designElem xmlns:p16="http://schemas.microsoft.com/office/powerpoint/2015/main" val="1"/>
+                <p16:designElem xmlns:p16="http://schemas.microsoft.com/office/powerpoint/2015/main" xmlns="" val="1"/>
               </p:ext>
             </p:extLst>
           </p:nvPr>
@@ -9483,7 +9656,7 @@
           <p:cNvPr id="4" name="Picture 3">
             <a:extLst>
               <a:ext uri="{FF2B5EF4-FFF2-40B4-BE49-F238E27FC236}">
-                <a16:creationId xmlns:a16="http://schemas.microsoft.com/office/drawing/2014/main" id="{33832EFD-DEB3-4228-AFE9-F0F446A50070}"/>
+                <a16:creationId xmlns:a16="http://schemas.microsoft.com/office/drawing/2014/main" xmlns="" id="{33832EFD-DEB3-4228-AFE9-F0F446A50070}"/>
               </a:ext>
             </a:extLst>
           </p:cNvPr>
@@ -9512,7 +9685,7 @@
           <p:cNvPr id="10" name="TextBox 9">
             <a:extLst>
               <a:ext uri="{FF2B5EF4-FFF2-40B4-BE49-F238E27FC236}">
-                <a16:creationId xmlns:a16="http://schemas.microsoft.com/office/drawing/2014/main" id="{B69F2CBB-01BE-461D-8058-1A68DDB1481F}"/>
+                <a16:creationId xmlns:a16="http://schemas.microsoft.com/office/drawing/2014/main" xmlns="" id="{B69F2CBB-01BE-461D-8058-1A68DDB1481F}"/>
               </a:ext>
             </a:extLst>
           </p:cNvPr>
@@ -9548,7 +9721,7 @@
           <p:cNvPr id="14" name="TextBox 13">
             <a:extLst>
               <a:ext uri="{FF2B5EF4-FFF2-40B4-BE49-F238E27FC236}">
-                <a16:creationId xmlns:a16="http://schemas.microsoft.com/office/drawing/2014/main" id="{D429862F-72F6-4DDA-97F5-BB1C92F3180B}"/>
+                <a16:creationId xmlns:a16="http://schemas.microsoft.com/office/drawing/2014/main" xmlns="" id="{D429862F-72F6-4DDA-97F5-BB1C92F3180B}"/>
               </a:ext>
             </a:extLst>
           </p:cNvPr>
@@ -9660,7 +9833,7 @@
           <p:cNvPr id="17" name="TextBox 16">
             <a:extLst>
               <a:ext uri="{FF2B5EF4-FFF2-40B4-BE49-F238E27FC236}">
-                <a16:creationId xmlns:a16="http://schemas.microsoft.com/office/drawing/2014/main" id="{B9598B4C-F027-445E-BF80-A8CB60E09677}"/>
+                <a16:creationId xmlns:a16="http://schemas.microsoft.com/office/drawing/2014/main" xmlns="" id="{B9598B4C-F027-445E-BF80-A8CB60E09677}"/>
               </a:ext>
             </a:extLst>
           </p:cNvPr>
@@ -9727,7 +9900,7 @@
           <p:cNvPr id="3" name="TextBox 2">
             <a:extLst>
               <a:ext uri="{FF2B5EF4-FFF2-40B4-BE49-F238E27FC236}">
-                <a16:creationId xmlns:a16="http://schemas.microsoft.com/office/drawing/2014/main" id="{F1A81189-7218-4D2D-AFF1-04F903F92061}"/>
+                <a16:creationId xmlns:a16="http://schemas.microsoft.com/office/drawing/2014/main" xmlns="" id="{F1A81189-7218-4D2D-AFF1-04F903F92061}"/>
               </a:ext>
             </a:extLst>
           </p:cNvPr>
@@ -9770,7 +9943,7 @@
           <p:cNvPr id="5" name="Picture 5">
             <a:extLst>
               <a:ext uri="{FF2B5EF4-FFF2-40B4-BE49-F238E27FC236}">
-                <a16:creationId xmlns:a16="http://schemas.microsoft.com/office/drawing/2014/main" id="{058A4B7A-64CE-1942-8816-40978A038B84}"/>
+                <a16:creationId xmlns:a16="http://schemas.microsoft.com/office/drawing/2014/main" xmlns="" id="{058A4B7A-64CE-1942-8816-40978A038B84}"/>
               </a:ext>
             </a:extLst>
           </p:cNvPr>
@@ -9811,6 +9984,13 @@
   <p:clrMapOvr>
     <a:overrideClrMapping bg1="dk1" tx1="lt1" bg2="dk2" tx2="lt2" accent1="accent1" accent2="accent2" accent3="accent3" accent4="accent4" accent5="accent5" accent6="accent6" hlink="hlink" folHlink="folHlink"/>
   </p:clrMapOvr>
+  <p:timing>
+    <p:tnLst>
+      <p:par>
+        <p:cTn id="1" dur="indefinite" restart="never" nodeType="tmRoot"/>
+      </p:par>
+    </p:tnLst>
+  </p:timing>
 </p:sld>
 </file>
 
@@ -9844,10 +10024,10 @@
           <p:cNvPr id="9" name="Rectangle 8">
             <a:extLst>
               <a:ext uri="{FF2B5EF4-FFF2-40B4-BE49-F238E27FC236}">
-                <a16:creationId xmlns:a16="http://schemas.microsoft.com/office/drawing/2014/main" id="{E08D4B6A-8113-4DFB-B82E-B60CAC8E0A50}"/>
+                <a16:creationId xmlns:a16="http://schemas.microsoft.com/office/drawing/2014/main" xmlns="" id="{E08D4B6A-8113-4DFB-B82E-B60CAC8E0A50}"/>
               </a:ext>
               <a:ext uri="{C183D7F6-B498-43B3-948B-1728B52AA6E4}">
-                <adec:decorative xmlns:adec="http://schemas.microsoft.com/office/drawing/2017/decorative" val="1"/>
+                <adec:decorative xmlns:adec="http://schemas.microsoft.com/office/drawing/2017/decorative" xmlns="" val="1"/>
               </a:ext>
             </a:extLst>
           </p:cNvPr>
@@ -9857,7 +10037,7 @@
           <p:nvPr>
             <p:extLst>
               <p:ext uri="{386F3935-93C4-4BCD-93E2-E3B085C9AB24}">
-                <p16:designElem xmlns:p16="http://schemas.microsoft.com/office/powerpoint/2015/main" val="1"/>
+                <p16:designElem xmlns:p16="http://schemas.microsoft.com/office/powerpoint/2015/main" xmlns="" val="1"/>
               </p:ext>
             </p:extLst>
           </p:nvPr>
@@ -9936,10 +10116,10 @@
           <p:cNvPr id="11" name="Rectangle 10">
             <a:extLst>
               <a:ext uri="{FF2B5EF4-FFF2-40B4-BE49-F238E27FC236}">
-                <a16:creationId xmlns:a16="http://schemas.microsoft.com/office/drawing/2014/main" id="{9822E561-F97C-4CBB-A9A6-A6BF6317BC84}"/>
+                <a16:creationId xmlns:a16="http://schemas.microsoft.com/office/drawing/2014/main" xmlns="" id="{9822E561-F97C-4CBB-A9A6-A6BF6317BC84}"/>
               </a:ext>
               <a:ext uri="{C183D7F6-B498-43B3-948B-1728B52AA6E4}">
-                <adec:decorative xmlns:adec="http://schemas.microsoft.com/office/drawing/2017/decorative" val="1"/>
+                <adec:decorative xmlns:adec="http://schemas.microsoft.com/office/drawing/2017/decorative" xmlns="" val="1"/>
               </a:ext>
             </a:extLst>
           </p:cNvPr>
@@ -9949,7 +10129,7 @@
           <p:nvPr>
             <p:extLst>
               <p:ext uri="{386F3935-93C4-4BCD-93E2-E3B085C9AB24}">
-                <p16:designElem xmlns:p16="http://schemas.microsoft.com/office/powerpoint/2015/main" val="1"/>
+                <p16:designElem xmlns:p16="http://schemas.microsoft.com/office/powerpoint/2015/main" xmlns="" val="1"/>
               </p:ext>
             </p:extLst>
           </p:nvPr>
@@ -10011,7 +10191,7 @@
           <a:lstStyle/>
           <a:p>
             <a:r>
-              <a:rPr lang="en-US">
+              <a:rPr lang="en-US" dirty="0">
                 <a:solidFill>
                   <a:schemeClr val="tx1"/>
                 </a:solidFill>
@@ -10020,7 +10200,7 @@
               </a:rPr>
               <a:t>Animal husbandry support platform</a:t>
             </a:r>
-            <a:endParaRPr lang="en-US">
+            <a:endParaRPr lang="en-US" dirty="0">
               <a:solidFill>
                 <a:schemeClr val="tx1"/>
               </a:solidFill>
@@ -10033,10 +10213,10 @@
           <p:cNvPr id="13" name="Rectangle 12">
             <a:extLst>
               <a:ext uri="{FF2B5EF4-FFF2-40B4-BE49-F238E27FC236}">
-                <a16:creationId xmlns:a16="http://schemas.microsoft.com/office/drawing/2014/main" id="{B01B0E58-A5C8-4CDA-A2E0-35DF94E59857}"/>
+                <a16:creationId xmlns:a16="http://schemas.microsoft.com/office/drawing/2014/main" xmlns="" id="{B01B0E58-A5C8-4CDA-A2E0-35DF94E59857}"/>
               </a:ext>
               <a:ext uri="{C183D7F6-B498-43B3-948B-1728B52AA6E4}">
-                <adec:decorative xmlns:adec="http://schemas.microsoft.com/office/drawing/2017/decorative" val="1"/>
+                <adec:decorative xmlns:adec="http://schemas.microsoft.com/office/drawing/2017/decorative" xmlns="" val="1"/>
               </a:ext>
             </a:extLst>
           </p:cNvPr>
@@ -10046,7 +10226,7 @@
           <p:nvPr>
             <p:extLst>
               <p:ext uri="{386F3935-93C4-4BCD-93E2-E3B085C9AB24}">
-                <p16:designElem xmlns:p16="http://schemas.microsoft.com/office/powerpoint/2015/main" val="1"/>
+                <p16:designElem xmlns:p16="http://schemas.microsoft.com/office/powerpoint/2015/main" xmlns="" val="1"/>
               </p:ext>
             </p:extLst>
           </p:nvPr>
@@ -10087,7 +10267,7 @@
           <p:cNvPr id="4" name="Picture 3">
             <a:extLst>
               <a:ext uri="{FF2B5EF4-FFF2-40B4-BE49-F238E27FC236}">
-                <a16:creationId xmlns:a16="http://schemas.microsoft.com/office/drawing/2014/main" id="{33832EFD-DEB3-4228-AFE9-F0F446A50070}"/>
+                <a16:creationId xmlns:a16="http://schemas.microsoft.com/office/drawing/2014/main" xmlns="" id="{33832EFD-DEB3-4228-AFE9-F0F446A50070}"/>
               </a:ext>
             </a:extLst>
           </p:cNvPr>
@@ -10116,7 +10296,7 @@
           <p:cNvPr id="10" name="TextBox 9">
             <a:extLst>
               <a:ext uri="{FF2B5EF4-FFF2-40B4-BE49-F238E27FC236}">
-                <a16:creationId xmlns:a16="http://schemas.microsoft.com/office/drawing/2014/main" id="{B69F2CBB-01BE-461D-8058-1A68DDB1481F}"/>
+                <a16:creationId xmlns:a16="http://schemas.microsoft.com/office/drawing/2014/main" xmlns="" id="{B69F2CBB-01BE-461D-8058-1A68DDB1481F}"/>
               </a:ext>
             </a:extLst>
           </p:cNvPr>
@@ -10152,7 +10332,7 @@
           <p:cNvPr id="14" name="TextBox 13">
             <a:extLst>
               <a:ext uri="{FF2B5EF4-FFF2-40B4-BE49-F238E27FC236}">
-                <a16:creationId xmlns:a16="http://schemas.microsoft.com/office/drawing/2014/main" id="{D429862F-72F6-4DDA-97F5-BB1C92F3180B}"/>
+                <a16:creationId xmlns:a16="http://schemas.microsoft.com/office/drawing/2014/main" xmlns="" id="{D429862F-72F6-4DDA-97F5-BB1C92F3180B}"/>
               </a:ext>
             </a:extLst>
           </p:cNvPr>
@@ -10264,7 +10444,7 @@
           <p:cNvPr id="17" name="TextBox 16">
             <a:extLst>
               <a:ext uri="{FF2B5EF4-FFF2-40B4-BE49-F238E27FC236}">
-                <a16:creationId xmlns:a16="http://schemas.microsoft.com/office/drawing/2014/main" id="{B9598B4C-F027-445E-BF80-A8CB60E09677}"/>
+                <a16:creationId xmlns:a16="http://schemas.microsoft.com/office/drawing/2014/main" xmlns="" id="{B9598B4C-F027-445E-BF80-A8CB60E09677}"/>
               </a:ext>
             </a:extLst>
           </p:cNvPr>
@@ -10525,7 +10705,7 @@
           <p:cNvPr id="3" name="TextBox 2">
             <a:extLst>
               <a:ext uri="{FF2B5EF4-FFF2-40B4-BE49-F238E27FC236}">
-                <a16:creationId xmlns:a16="http://schemas.microsoft.com/office/drawing/2014/main" id="{28A9AE18-221C-4B14-9C27-25B2FC0B75D9}"/>
+                <a16:creationId xmlns:a16="http://schemas.microsoft.com/office/drawing/2014/main" xmlns="" id="{28A9AE18-221C-4B14-9C27-25B2FC0B75D9}"/>
               </a:ext>
             </a:extLst>
           </p:cNvPr>
@@ -10573,6 +10753,13 @@
   <p:clrMapOvr>
     <a:overrideClrMapping bg1="dk1" tx1="lt1" bg2="dk2" tx2="lt2" accent1="accent1" accent2="accent2" accent3="accent3" accent4="accent4" accent5="accent5" accent6="accent6" hlink="hlink" folHlink="folHlink"/>
   </p:clrMapOvr>
+  <p:timing>
+    <p:tnLst>
+      <p:par>
+        <p:cTn id="1" dur="indefinite" restart="never" nodeType="tmRoot"/>
+      </p:par>
+    </p:tnLst>
+  </p:timing>
 </p:sld>
 </file>
 

--- a/H2020_Presentation.pptx
+++ b/H2020_Presentation.pptx
@@ -6,14 +6,14 @@
   </p:sldMasterIdLst>
   <p:sldIdLst>
     <p:sldId id="270" r:id="rId2"/>
-    <p:sldId id="264" r:id="rId3"/>
-    <p:sldId id="258" r:id="rId4"/>
-    <p:sldId id="259" r:id="rId5"/>
-    <p:sldId id="260" r:id="rId6"/>
-    <p:sldId id="261" r:id="rId7"/>
-    <p:sldId id="262" r:id="rId8"/>
-    <p:sldId id="266" r:id="rId9"/>
-    <p:sldId id="265" r:id="rId10"/>
+    <p:sldId id="258" r:id="rId3"/>
+    <p:sldId id="259" r:id="rId4"/>
+    <p:sldId id="260" r:id="rId5"/>
+    <p:sldId id="261" r:id="rId6"/>
+    <p:sldId id="262" r:id="rId7"/>
+    <p:sldId id="266" r:id="rId8"/>
+    <p:sldId id="265" r:id="rId9"/>
+    <p:sldId id="271" r:id="rId10"/>
     <p:sldId id="267" r:id="rId11"/>
   </p:sldIdLst>
   <p:sldSz cx="12192000" cy="6858000"/>
@@ -124,6 +124,7 @@
 <file path=ppt/revisionInfo.xml><?xml version="1.0" encoding="utf-8"?>
 <p1510:revInfo xmlns:a="http://schemas.openxmlformats.org/drawingml/2006/main" xmlns:r="http://schemas.openxmlformats.org/officeDocument/2006/relationships" xmlns:p1510="http://schemas.microsoft.com/office/powerpoint/2015/10/main">
   <p1510:revLst>
+    <p1510:client id="{0AF1B92E-05F1-4E43-929F-BB656FC6892C}" v="77" dt="2020-01-28T19:34:29.709"/>
     <p1510:client id="{994FAADF-182F-48D2-AFBC-65AF907968B1}" v="211" dt="2020-01-28T17:13:22.953"/>
   </p1510:revLst>
 </p1510:revInfo>
@@ -347,7 +348,7 @@
           <p:cNvPr id="8" name="Date Placeholder 7">
             <a:extLst>
               <a:ext uri="{FF2B5EF4-FFF2-40B4-BE49-F238E27FC236}">
-                <a16:creationId xmlns:a16="http://schemas.microsoft.com/office/drawing/2014/main" xmlns="" id="{7FA0ACE7-29A8-47D3-A7D9-257B711D8023}"/>
+                <a16:creationId xmlns:a16="http://schemas.microsoft.com/office/drawing/2014/main" id="{7FA0ACE7-29A8-47D3-A7D9-257B711D8023}"/>
               </a:ext>
             </a:extLst>
           </p:cNvPr>
@@ -376,7 +377,7 @@
           <p:cNvPr id="9" name="Footer Placeholder 8">
             <a:extLst>
               <a:ext uri="{FF2B5EF4-FFF2-40B4-BE49-F238E27FC236}">
-                <a16:creationId xmlns:a16="http://schemas.microsoft.com/office/drawing/2014/main" xmlns="" id="{DEC604B9-52E9-4810-8359-47206518D038}"/>
+                <a16:creationId xmlns:a16="http://schemas.microsoft.com/office/drawing/2014/main" id="{DEC604B9-52E9-4810-8359-47206518D038}"/>
               </a:ext>
             </a:extLst>
           </p:cNvPr>
@@ -401,7 +402,7 @@
           <p:cNvPr id="10" name="Slide Number Placeholder 9">
             <a:extLst>
               <a:ext uri="{FF2B5EF4-FFF2-40B4-BE49-F238E27FC236}">
-                <a16:creationId xmlns:a16="http://schemas.microsoft.com/office/drawing/2014/main" xmlns="" id="{5898A89F-CA25-400F-B05A-AECBF2517E4F}"/>
+                <a16:creationId xmlns:a16="http://schemas.microsoft.com/office/drawing/2014/main" id="{5898A89F-CA25-400F-B05A-AECBF2517E4F}"/>
               </a:ext>
             </a:extLst>
           </p:cNvPr>
@@ -779,7 +780,7 @@
           <p:cNvPr id="8" name="Rectangle 7">
             <a:extLst>
               <a:ext uri="{FF2B5EF4-FFF2-40B4-BE49-F238E27FC236}">
-                <a16:creationId xmlns:a16="http://schemas.microsoft.com/office/drawing/2014/main" xmlns="" id="{F6423B97-A5D4-47B9-8861-73B3707A04CF}"/>
+                <a16:creationId xmlns:a16="http://schemas.microsoft.com/office/drawing/2014/main" id="{F6423B97-A5D4-47B9-8861-73B3707A04CF}"/>
               </a:ext>
             </a:extLst>
           </p:cNvPr>
@@ -822,7 +823,7 @@
           <p:cNvPr id="9" name="Rectangle 8">
             <a:extLst>
               <a:ext uri="{FF2B5EF4-FFF2-40B4-BE49-F238E27FC236}">
-                <a16:creationId xmlns:a16="http://schemas.microsoft.com/office/drawing/2014/main" xmlns="" id="{1AEC0421-37B4-4481-A10D-69FDF5EC7909}"/>
+                <a16:creationId xmlns:a16="http://schemas.microsoft.com/office/drawing/2014/main" id="{1AEC0421-37B4-4481-A10D-69FDF5EC7909}"/>
               </a:ext>
             </a:extLst>
           </p:cNvPr>
@@ -865,7 +866,7 @@
           <p:cNvPr id="10" name="Rectangle 9">
             <a:extLst>
               <a:ext uri="{FF2B5EF4-FFF2-40B4-BE49-F238E27FC236}">
-                <a16:creationId xmlns:a16="http://schemas.microsoft.com/office/drawing/2014/main" xmlns="" id="{5F7265B5-9F97-4F1E-99E9-74F7B7E62337}"/>
+                <a16:creationId xmlns:a16="http://schemas.microsoft.com/office/drawing/2014/main" id="{5F7265B5-9F97-4F1E-99E9-74F7B7E62337}"/>
               </a:ext>
             </a:extLst>
           </p:cNvPr>
@@ -908,7 +909,7 @@
           <p:cNvPr id="11" name="Date Placeholder 10">
             <a:extLst>
               <a:ext uri="{FF2B5EF4-FFF2-40B4-BE49-F238E27FC236}">
-                <a16:creationId xmlns:a16="http://schemas.microsoft.com/office/drawing/2014/main" xmlns="" id="{5C74A470-3BD3-4F33-80E5-67E6E87FCBE7}"/>
+                <a16:creationId xmlns:a16="http://schemas.microsoft.com/office/drawing/2014/main" id="{5C74A470-3BD3-4F33-80E5-67E6E87FCBE7}"/>
               </a:ext>
             </a:extLst>
           </p:cNvPr>
@@ -937,7 +938,7 @@
           <p:cNvPr id="12" name="Footer Placeholder 11">
             <a:extLst>
               <a:ext uri="{FF2B5EF4-FFF2-40B4-BE49-F238E27FC236}">
-                <a16:creationId xmlns:a16="http://schemas.microsoft.com/office/drawing/2014/main" xmlns="" id="{9A3A30BA-DB50-4D7D-BCDE-17D20FB354DF}"/>
+                <a16:creationId xmlns:a16="http://schemas.microsoft.com/office/drawing/2014/main" id="{9A3A30BA-DB50-4D7D-BCDE-17D20FB354DF}"/>
               </a:ext>
             </a:extLst>
           </p:cNvPr>
@@ -962,7 +963,7 @@
           <p:cNvPr id="13" name="Slide Number Placeholder 12">
             <a:extLst>
               <a:ext uri="{FF2B5EF4-FFF2-40B4-BE49-F238E27FC236}">
-                <a16:creationId xmlns:a16="http://schemas.microsoft.com/office/drawing/2014/main" xmlns="" id="{76FF9E58-C0B2-436B-A21C-DB45A00D6515}"/>
+                <a16:creationId xmlns:a16="http://schemas.microsoft.com/office/drawing/2014/main" id="{76FF9E58-C0B2-436B-A21C-DB45A00D6515}"/>
               </a:ext>
             </a:extLst>
           </p:cNvPr>
@@ -1104,7 +1105,7 @@
           <p:cNvPr id="8" name="Date Placeholder 7">
             <a:extLst>
               <a:ext uri="{FF2B5EF4-FFF2-40B4-BE49-F238E27FC236}">
-                <a16:creationId xmlns:a16="http://schemas.microsoft.com/office/drawing/2014/main" xmlns="" id="{770E6237-3456-439F-802D-3BA93FC7E3E5}"/>
+                <a16:creationId xmlns:a16="http://schemas.microsoft.com/office/drawing/2014/main" id="{770E6237-3456-439F-802D-3BA93FC7E3E5}"/>
               </a:ext>
             </a:extLst>
           </p:cNvPr>
@@ -1133,7 +1134,7 @@
           <p:cNvPr id="9" name="Footer Placeholder 8">
             <a:extLst>
               <a:ext uri="{FF2B5EF4-FFF2-40B4-BE49-F238E27FC236}">
-                <a16:creationId xmlns:a16="http://schemas.microsoft.com/office/drawing/2014/main" xmlns="" id="{1356D3B5-6063-4A89-B88F-9D3043916FF8}"/>
+                <a16:creationId xmlns:a16="http://schemas.microsoft.com/office/drawing/2014/main" id="{1356D3B5-6063-4A89-B88F-9D3043916FF8}"/>
               </a:ext>
             </a:extLst>
           </p:cNvPr>
@@ -1158,7 +1159,7 @@
           <p:cNvPr id="10" name="Slide Number Placeholder 9">
             <a:extLst>
               <a:ext uri="{FF2B5EF4-FFF2-40B4-BE49-F238E27FC236}">
-                <a16:creationId xmlns:a16="http://schemas.microsoft.com/office/drawing/2014/main" xmlns="" id="{02B78BF7-69D3-4CE0-A631-50EFD41EEEB8}"/>
+                <a16:creationId xmlns:a16="http://schemas.microsoft.com/office/drawing/2014/main" id="{02B78BF7-69D3-4CE0-A631-50EFD41EEEB8}"/>
               </a:ext>
             </a:extLst>
           </p:cNvPr>
@@ -1415,7 +1416,7 @@
           <p:cNvPr id="7" name="Date Placeholder 6">
             <a:extLst>
               <a:ext uri="{FF2B5EF4-FFF2-40B4-BE49-F238E27FC236}">
-                <a16:creationId xmlns:a16="http://schemas.microsoft.com/office/drawing/2014/main" xmlns="" id="{61582016-5696-4A93-887F-BBB3B9002FE5}"/>
+                <a16:creationId xmlns:a16="http://schemas.microsoft.com/office/drawing/2014/main" id="{61582016-5696-4A93-887F-BBB3B9002FE5}"/>
               </a:ext>
             </a:extLst>
           </p:cNvPr>
@@ -1444,7 +1445,7 @@
           <p:cNvPr id="9" name="Footer Placeholder 8">
             <a:extLst>
               <a:ext uri="{FF2B5EF4-FFF2-40B4-BE49-F238E27FC236}">
-                <a16:creationId xmlns:a16="http://schemas.microsoft.com/office/drawing/2014/main" xmlns="" id="{857CFCD5-1192-4E18-8A8F-29E153B44DA4}"/>
+                <a16:creationId xmlns:a16="http://schemas.microsoft.com/office/drawing/2014/main" id="{857CFCD5-1192-4E18-8A8F-29E153B44DA4}"/>
               </a:ext>
             </a:extLst>
           </p:cNvPr>
@@ -1469,7 +1470,7 @@
           <p:cNvPr id="10" name="Slide Number Placeholder 9">
             <a:extLst>
               <a:ext uri="{FF2B5EF4-FFF2-40B4-BE49-F238E27FC236}">
-                <a16:creationId xmlns:a16="http://schemas.microsoft.com/office/drawing/2014/main" xmlns="" id="{E39A109E-5018-4794-92B3-FD5E5BCD95E8}"/>
+                <a16:creationId xmlns:a16="http://schemas.microsoft.com/office/drawing/2014/main" id="{E39A109E-5018-4794-92B3-FD5E5BCD95E8}"/>
               </a:ext>
             </a:extLst>
           </p:cNvPr>
@@ -2671,7 +2672,7 @@
           <p:cNvPr id="8" name="Date Placeholder 7">
             <a:extLst>
               <a:ext uri="{FF2B5EF4-FFF2-40B4-BE49-F238E27FC236}">
-                <a16:creationId xmlns:a16="http://schemas.microsoft.com/office/drawing/2014/main" xmlns="" id="{0B919CC2-2A65-446F-B538-9E6249035445}"/>
+                <a16:creationId xmlns:a16="http://schemas.microsoft.com/office/drawing/2014/main" id="{0B919CC2-2A65-446F-B538-9E6249035445}"/>
               </a:ext>
             </a:extLst>
           </p:cNvPr>
@@ -2705,7 +2706,7 @@
           <p:cNvPr id="10" name="Footer Placeholder 9">
             <a:extLst>
               <a:ext uri="{FF2B5EF4-FFF2-40B4-BE49-F238E27FC236}">
-                <a16:creationId xmlns:a16="http://schemas.microsoft.com/office/drawing/2014/main" xmlns="" id="{B72412AE-119E-4982-8B24-63365EFCA796}"/>
+                <a16:creationId xmlns:a16="http://schemas.microsoft.com/office/drawing/2014/main" id="{B72412AE-119E-4982-8B24-63365EFCA796}"/>
               </a:ext>
             </a:extLst>
           </p:cNvPr>
@@ -2735,7 +2736,7 @@
           <p:cNvPr id="11" name="Slide Number Placeholder 10">
             <a:extLst>
               <a:ext uri="{FF2B5EF4-FFF2-40B4-BE49-F238E27FC236}">
-                <a16:creationId xmlns:a16="http://schemas.microsoft.com/office/drawing/2014/main" xmlns="" id="{7FC4BB19-6AD1-45CF-9F99-00B109890FAB}"/>
+                <a16:creationId xmlns:a16="http://schemas.microsoft.com/office/drawing/2014/main" id="{7FC4BB19-6AD1-45CF-9F99-00B109890FAB}"/>
               </a:ext>
             </a:extLst>
           </p:cNvPr>
@@ -3843,10 +3844,10 @@
           <p:cNvPr id="9" name="Rectangle 8">
             <a:extLst>
               <a:ext uri="{FF2B5EF4-FFF2-40B4-BE49-F238E27FC236}">
-                <a16:creationId xmlns:a16="http://schemas.microsoft.com/office/drawing/2014/main" xmlns="" id="{E08D4B6A-8113-4DFB-B82E-B60CAC8E0A50}"/>
+                <a16:creationId xmlns:a16="http://schemas.microsoft.com/office/drawing/2014/main" id="{E08D4B6A-8113-4DFB-B82E-B60CAC8E0A50}"/>
               </a:ext>
               <a:ext uri="{C183D7F6-B498-43B3-948B-1728B52AA6E4}">
-                <adec:decorative xmlns:adec="http://schemas.microsoft.com/office/drawing/2017/decorative" xmlns="" val="1"/>
+                <adec:decorative xmlns:adec="http://schemas.microsoft.com/office/drawing/2017/decorative" val="1"/>
               </a:ext>
             </a:extLst>
           </p:cNvPr>
@@ -3856,7 +3857,7 @@
           <p:nvPr>
             <p:extLst>
               <p:ext uri="{386F3935-93C4-4BCD-93E2-E3B085C9AB24}">
-                <p16:designElem xmlns:p16="http://schemas.microsoft.com/office/powerpoint/2015/main" xmlns="" val="1"/>
+                <p16:designElem xmlns:p16="http://schemas.microsoft.com/office/powerpoint/2015/main" val="1"/>
               </p:ext>
             </p:extLst>
           </p:nvPr>
@@ -3935,10 +3936,10 @@
           <p:cNvPr id="11" name="Rectangle 10">
             <a:extLst>
               <a:ext uri="{FF2B5EF4-FFF2-40B4-BE49-F238E27FC236}">
-                <a16:creationId xmlns:a16="http://schemas.microsoft.com/office/drawing/2014/main" xmlns="" id="{9822E561-F97C-4CBB-A9A6-A6BF6317BC84}"/>
+                <a16:creationId xmlns:a16="http://schemas.microsoft.com/office/drawing/2014/main" id="{9822E561-F97C-4CBB-A9A6-A6BF6317BC84}"/>
               </a:ext>
               <a:ext uri="{C183D7F6-B498-43B3-948B-1728B52AA6E4}">
-                <adec:decorative xmlns:adec="http://schemas.microsoft.com/office/drawing/2017/decorative" xmlns="" val="1"/>
+                <adec:decorative xmlns:adec="http://schemas.microsoft.com/office/drawing/2017/decorative" val="1"/>
               </a:ext>
             </a:extLst>
           </p:cNvPr>
@@ -3948,7 +3949,7 @@
           <p:nvPr>
             <p:extLst>
               <p:ext uri="{386F3935-93C4-4BCD-93E2-E3B085C9AB24}">
-                <p16:designElem xmlns:p16="http://schemas.microsoft.com/office/powerpoint/2015/main" xmlns="" val="1"/>
+                <p16:designElem xmlns:p16="http://schemas.microsoft.com/office/powerpoint/2015/main" val="1"/>
               </p:ext>
             </p:extLst>
           </p:nvPr>
@@ -4032,10 +4033,10 @@
           <p:cNvPr id="13" name="Rectangle 12">
             <a:extLst>
               <a:ext uri="{FF2B5EF4-FFF2-40B4-BE49-F238E27FC236}">
-                <a16:creationId xmlns:a16="http://schemas.microsoft.com/office/drawing/2014/main" xmlns="" id="{B01B0E58-A5C8-4CDA-A2E0-35DF94E59857}"/>
+                <a16:creationId xmlns:a16="http://schemas.microsoft.com/office/drawing/2014/main" id="{B01B0E58-A5C8-4CDA-A2E0-35DF94E59857}"/>
               </a:ext>
               <a:ext uri="{C183D7F6-B498-43B3-948B-1728B52AA6E4}">
-                <adec:decorative xmlns:adec="http://schemas.microsoft.com/office/drawing/2017/decorative" xmlns="" val="1"/>
+                <adec:decorative xmlns:adec="http://schemas.microsoft.com/office/drawing/2017/decorative" val="1"/>
               </a:ext>
             </a:extLst>
           </p:cNvPr>
@@ -4045,7 +4046,7 @@
           <p:nvPr>
             <p:extLst>
               <p:ext uri="{386F3935-93C4-4BCD-93E2-E3B085C9AB24}">
-                <p16:designElem xmlns:p16="http://schemas.microsoft.com/office/powerpoint/2015/main" xmlns="" val="1"/>
+                <p16:designElem xmlns:p16="http://schemas.microsoft.com/office/powerpoint/2015/main" val="1"/>
               </p:ext>
             </p:extLst>
           </p:nvPr>
@@ -4086,7 +4087,7 @@
           <p:cNvPr id="4" name="Picture 3">
             <a:extLst>
               <a:ext uri="{FF2B5EF4-FFF2-40B4-BE49-F238E27FC236}">
-                <a16:creationId xmlns:a16="http://schemas.microsoft.com/office/drawing/2014/main" xmlns="" id="{33832EFD-DEB3-4228-AFE9-F0F446A50070}"/>
+                <a16:creationId xmlns:a16="http://schemas.microsoft.com/office/drawing/2014/main" id="{33832EFD-DEB3-4228-AFE9-F0F446A50070}"/>
               </a:ext>
             </a:extLst>
           </p:cNvPr>
@@ -4115,7 +4116,7 @@
           <p:cNvPr id="10" name="TextBox 9">
             <a:extLst>
               <a:ext uri="{FF2B5EF4-FFF2-40B4-BE49-F238E27FC236}">
-                <a16:creationId xmlns:a16="http://schemas.microsoft.com/office/drawing/2014/main" xmlns="" id="{B69F2CBB-01BE-461D-8058-1A68DDB1481F}"/>
+                <a16:creationId xmlns:a16="http://schemas.microsoft.com/office/drawing/2014/main" id="{B69F2CBB-01BE-461D-8058-1A68DDB1481F}"/>
               </a:ext>
             </a:extLst>
           </p:cNvPr>
@@ -4151,7 +4152,7 @@
           <p:cNvPr id="14" name="TextBox 13">
             <a:extLst>
               <a:ext uri="{FF2B5EF4-FFF2-40B4-BE49-F238E27FC236}">
-                <a16:creationId xmlns:a16="http://schemas.microsoft.com/office/drawing/2014/main" xmlns="" id="{D429862F-72F6-4DDA-97F5-BB1C92F3180B}"/>
+                <a16:creationId xmlns:a16="http://schemas.microsoft.com/office/drawing/2014/main" id="{D429862F-72F6-4DDA-97F5-BB1C92F3180B}"/>
               </a:ext>
             </a:extLst>
           </p:cNvPr>
@@ -4307,7 +4308,7 @@
           <p:cNvPr id="5" name="TextBox 4">
             <a:extLst>
               <a:ext uri="{FF2B5EF4-FFF2-40B4-BE49-F238E27FC236}">
-                <a16:creationId xmlns:a16="http://schemas.microsoft.com/office/drawing/2014/main" xmlns="" id="{260FF287-0F0E-4E8D-97A0-61B2C174D733}"/>
+                <a16:creationId xmlns:a16="http://schemas.microsoft.com/office/drawing/2014/main" id="{260FF287-0F0E-4E8D-97A0-61B2C174D733}"/>
               </a:ext>
             </a:extLst>
           </p:cNvPr>
@@ -4343,7 +4344,7 @@
           <p:cNvPr id="6" name="TextBox 5">
             <a:extLst>
               <a:ext uri="{FF2B5EF4-FFF2-40B4-BE49-F238E27FC236}">
-                <a16:creationId xmlns:a16="http://schemas.microsoft.com/office/drawing/2014/main" xmlns="" id="{1A025E49-354A-4E39-8B62-2B30AF02BD0C}"/>
+                <a16:creationId xmlns:a16="http://schemas.microsoft.com/office/drawing/2014/main" id="{1A025E49-354A-4E39-8B62-2B30AF02BD0C}"/>
               </a:ext>
             </a:extLst>
           </p:cNvPr>
@@ -4386,7 +4387,7 @@
           <p:cNvPr id="7" name="TextBox 6">
             <a:extLst>
               <a:ext uri="{FF2B5EF4-FFF2-40B4-BE49-F238E27FC236}">
-                <a16:creationId xmlns:a16="http://schemas.microsoft.com/office/drawing/2014/main" xmlns="" id="{03BB720C-A647-4B49-97B4-2D749A641979}"/>
+                <a16:creationId xmlns:a16="http://schemas.microsoft.com/office/drawing/2014/main" id="{03BB720C-A647-4B49-97B4-2D749A641979}"/>
               </a:ext>
             </a:extLst>
           </p:cNvPr>
@@ -4449,7 +4450,7 @@
           <p:cNvPr id="8" name="TextBox 7">
             <a:extLst>
               <a:ext uri="{FF2B5EF4-FFF2-40B4-BE49-F238E27FC236}">
-                <a16:creationId xmlns:a16="http://schemas.microsoft.com/office/drawing/2014/main" xmlns="" id="{B8A6665B-2002-45C3-8742-40FE9DA1F1F8}"/>
+                <a16:creationId xmlns:a16="http://schemas.microsoft.com/office/drawing/2014/main" id="{B8A6665B-2002-45C3-8742-40FE9DA1F1F8}"/>
               </a:ext>
             </a:extLst>
           </p:cNvPr>
@@ -4504,7 +4505,7 @@
           <p:cNvPr id="20" name="TextBox 19">
             <a:extLst>
               <a:ext uri="{FF2B5EF4-FFF2-40B4-BE49-F238E27FC236}">
-                <a16:creationId xmlns:a16="http://schemas.microsoft.com/office/drawing/2014/main" xmlns="" id="{FE7AF3C7-48F6-47E4-B712-6E3D110A9341}"/>
+                <a16:creationId xmlns:a16="http://schemas.microsoft.com/office/drawing/2014/main" id="{FE7AF3C7-48F6-47E4-B712-6E3D110A9341}"/>
               </a:ext>
             </a:extLst>
           </p:cNvPr>
@@ -4567,18 +4568,10 @@
                   <a:schemeClr val="bg1"/>
                 </a:solidFill>
               </a:rPr>
-              <a:t>               </a:t>
-            </a:r>
-            <a:r>
-              <a:rPr lang="en-US" b="1" dirty="0">
-                <a:solidFill>
-                  <a:schemeClr val="bg1"/>
-                </a:solidFill>
-              </a:rPr>
-              <a:t> </a:t>
-            </a:r>
-            <a:r>
-              <a:rPr lang="en-US" b="1" dirty="0" err="1" smtClean="0">
+              <a:t>                </a:t>
+            </a:r>
+            <a:r>
+              <a:rPr lang="en-US" b="1" dirty="0" err="1">
                 <a:solidFill>
                   <a:schemeClr val="bg1"/>
                 </a:solidFill>
@@ -4586,7 +4579,7 @@
               <a:t>Aleksandar</a:t>
             </a:r>
             <a:r>
-              <a:rPr lang="en-US" b="1" dirty="0" smtClean="0">
+              <a:rPr lang="en-US" b="1" dirty="0">
                 <a:solidFill>
                   <a:schemeClr val="bg1"/>
                 </a:solidFill>
@@ -4614,7 +4607,7 @@
           <p:cNvPr id="16" name="TextBox 15">
             <a:extLst>
               <a:ext uri="{FF2B5EF4-FFF2-40B4-BE49-F238E27FC236}">
-                <a16:creationId xmlns:a16="http://schemas.microsoft.com/office/drawing/2014/main" xmlns="" id="{4E4B9F18-2890-48B1-BC5D-6566AA975635}"/>
+                <a16:creationId xmlns:a16="http://schemas.microsoft.com/office/drawing/2014/main" id="{4E4B9F18-2890-48B1-BC5D-6566AA975635}"/>
               </a:ext>
             </a:extLst>
           </p:cNvPr>
@@ -4639,14 +4632,14 @@
           <a:p>
             <a:r>
               <a:rPr lang="en-US" b="1" dirty="0"/>
-              <a:t>Project assignment included</a:t>
+              <a:t>Project assignment for the</a:t>
             </a:r>
             <a:endParaRPr lang="en-US"/>
           </a:p>
           <a:p>
             <a:r>
               <a:rPr lang="en-US" b="1" dirty="0"/>
-              <a:t> in course </a:t>
+              <a:t> course </a:t>
             </a:r>
             <a:r>
               <a:rPr lang="en-US" dirty="0">
@@ -4670,13 +4663,6 @@
   <p:clrMapOvr>
     <a:overrideClrMapping bg1="dk1" tx1="lt1" bg2="dk2" tx2="lt2" accent1="accent1" accent2="accent2" accent3="accent3" accent4="accent4" accent5="accent5" accent6="accent6" hlink="hlink" folHlink="folHlink"/>
   </p:clrMapOvr>
-  <p:timing>
-    <p:tnLst>
-      <p:par>
-        <p:cTn id="1" dur="indefinite" restart="never" nodeType="tmRoot"/>
-      </p:par>
-    </p:tnLst>
-  </p:timing>
 </p:sld>
 </file>
 
@@ -4710,10 +4696,10 @@
           <p:cNvPr id="9" name="Rectangle 8">
             <a:extLst>
               <a:ext uri="{FF2B5EF4-FFF2-40B4-BE49-F238E27FC236}">
-                <a16:creationId xmlns:a16="http://schemas.microsoft.com/office/drawing/2014/main" xmlns="" id="{E08D4B6A-8113-4DFB-B82E-B60CAC8E0A50}"/>
+                <a16:creationId xmlns:a16="http://schemas.microsoft.com/office/drawing/2014/main" id="{E08D4B6A-8113-4DFB-B82E-B60CAC8E0A50}"/>
               </a:ext>
               <a:ext uri="{C183D7F6-B498-43B3-948B-1728B52AA6E4}">
-                <adec:decorative xmlns:adec="http://schemas.microsoft.com/office/drawing/2017/decorative" xmlns="" val="1"/>
+                <adec:decorative xmlns:adec="http://schemas.microsoft.com/office/drawing/2017/decorative" val="1"/>
               </a:ext>
             </a:extLst>
           </p:cNvPr>
@@ -4723,7 +4709,7 @@
           <p:nvPr>
             <p:extLst>
               <p:ext uri="{386F3935-93C4-4BCD-93E2-E3B085C9AB24}">
-                <p16:designElem xmlns:p16="http://schemas.microsoft.com/office/powerpoint/2015/main" xmlns="" val="1"/>
+                <p16:designElem xmlns:p16="http://schemas.microsoft.com/office/powerpoint/2015/main" val="1"/>
               </p:ext>
             </p:extLst>
           </p:nvPr>
@@ -4802,10 +4788,10 @@
           <p:cNvPr id="11" name="Rectangle 10">
             <a:extLst>
               <a:ext uri="{FF2B5EF4-FFF2-40B4-BE49-F238E27FC236}">
-                <a16:creationId xmlns:a16="http://schemas.microsoft.com/office/drawing/2014/main" xmlns="" id="{9822E561-F97C-4CBB-A9A6-A6BF6317BC84}"/>
+                <a16:creationId xmlns:a16="http://schemas.microsoft.com/office/drawing/2014/main" id="{9822E561-F97C-4CBB-A9A6-A6BF6317BC84}"/>
               </a:ext>
               <a:ext uri="{C183D7F6-B498-43B3-948B-1728B52AA6E4}">
-                <adec:decorative xmlns:adec="http://schemas.microsoft.com/office/drawing/2017/decorative" xmlns="" val="1"/>
+                <adec:decorative xmlns:adec="http://schemas.microsoft.com/office/drawing/2017/decorative" val="1"/>
               </a:ext>
             </a:extLst>
           </p:cNvPr>
@@ -4815,7 +4801,7 @@
           <p:nvPr>
             <p:extLst>
               <p:ext uri="{386F3935-93C4-4BCD-93E2-E3B085C9AB24}">
-                <p16:designElem xmlns:p16="http://schemas.microsoft.com/office/powerpoint/2015/main" xmlns="" val="1"/>
+                <p16:designElem xmlns:p16="http://schemas.microsoft.com/office/powerpoint/2015/main" val="1"/>
               </p:ext>
             </p:extLst>
           </p:nvPr>
@@ -4859,10 +4845,10 @@
           <p:cNvPr id="13" name="Rectangle 12">
             <a:extLst>
               <a:ext uri="{FF2B5EF4-FFF2-40B4-BE49-F238E27FC236}">
-                <a16:creationId xmlns:a16="http://schemas.microsoft.com/office/drawing/2014/main" xmlns="" id="{B01B0E58-A5C8-4CDA-A2E0-35DF94E59857}"/>
+                <a16:creationId xmlns:a16="http://schemas.microsoft.com/office/drawing/2014/main" id="{B01B0E58-A5C8-4CDA-A2E0-35DF94E59857}"/>
               </a:ext>
               <a:ext uri="{C183D7F6-B498-43B3-948B-1728B52AA6E4}">
-                <adec:decorative xmlns:adec="http://schemas.microsoft.com/office/drawing/2017/decorative" xmlns="" val="1"/>
+                <adec:decorative xmlns:adec="http://schemas.microsoft.com/office/drawing/2017/decorative" val="1"/>
               </a:ext>
             </a:extLst>
           </p:cNvPr>
@@ -4872,7 +4858,7 @@
           <p:nvPr>
             <p:extLst>
               <p:ext uri="{386F3935-93C4-4BCD-93E2-E3B085C9AB24}">
-                <p16:designElem xmlns:p16="http://schemas.microsoft.com/office/powerpoint/2015/main" xmlns="" val="1"/>
+                <p16:designElem xmlns:p16="http://schemas.microsoft.com/office/powerpoint/2015/main" val="1"/>
               </p:ext>
             </p:extLst>
           </p:nvPr>
@@ -4913,7 +4899,7 @@
           <p:cNvPr id="4" name="Picture 3">
             <a:extLst>
               <a:ext uri="{FF2B5EF4-FFF2-40B4-BE49-F238E27FC236}">
-                <a16:creationId xmlns:a16="http://schemas.microsoft.com/office/drawing/2014/main" xmlns="" id="{33832EFD-DEB3-4228-AFE9-F0F446A50070}"/>
+                <a16:creationId xmlns:a16="http://schemas.microsoft.com/office/drawing/2014/main" id="{33832EFD-DEB3-4228-AFE9-F0F446A50070}"/>
               </a:ext>
             </a:extLst>
           </p:cNvPr>
@@ -4942,7 +4928,7 @@
           <p:cNvPr id="10" name="TextBox 9">
             <a:extLst>
               <a:ext uri="{FF2B5EF4-FFF2-40B4-BE49-F238E27FC236}">
-                <a16:creationId xmlns:a16="http://schemas.microsoft.com/office/drawing/2014/main" xmlns="" id="{B69F2CBB-01BE-461D-8058-1A68DDB1481F}"/>
+                <a16:creationId xmlns:a16="http://schemas.microsoft.com/office/drawing/2014/main" id="{B69F2CBB-01BE-461D-8058-1A68DDB1481F}"/>
               </a:ext>
             </a:extLst>
           </p:cNvPr>
@@ -4978,7 +4964,7 @@
           <p:cNvPr id="14" name="TextBox 13">
             <a:extLst>
               <a:ext uri="{FF2B5EF4-FFF2-40B4-BE49-F238E27FC236}">
-                <a16:creationId xmlns:a16="http://schemas.microsoft.com/office/drawing/2014/main" xmlns="" id="{D429862F-72F6-4DDA-97F5-BB1C92F3180B}"/>
+                <a16:creationId xmlns:a16="http://schemas.microsoft.com/office/drawing/2014/main" id="{D429862F-72F6-4DDA-97F5-BB1C92F3180B}"/>
               </a:ext>
             </a:extLst>
           </p:cNvPr>
@@ -5119,7 +5105,7 @@
           <p:cNvPr id="5" name="Picture 5" descr="Happy stockman&#10;&#10;Description generated with very high confidence">
             <a:extLst>
               <a:ext uri="{FF2B5EF4-FFF2-40B4-BE49-F238E27FC236}">
-                <a16:creationId xmlns:a16="http://schemas.microsoft.com/office/drawing/2014/main" xmlns="" id="{0DDA7D22-83DB-4069-8061-058692DAC26C}"/>
+                <a16:creationId xmlns:a16="http://schemas.microsoft.com/office/drawing/2014/main" id="{0DDA7D22-83DB-4069-8061-058692DAC26C}"/>
               </a:ext>
             </a:extLst>
           </p:cNvPr>
@@ -5149,7 +5135,7 @@
           <p:cNvPr id="7" name="TextBox 6">
             <a:extLst>
               <a:ext uri="{FF2B5EF4-FFF2-40B4-BE49-F238E27FC236}">
-                <a16:creationId xmlns:a16="http://schemas.microsoft.com/office/drawing/2014/main" xmlns="" id="{02FF98E4-2648-4CB7-8BB5-635246FC8873}"/>
+                <a16:creationId xmlns:a16="http://schemas.microsoft.com/office/drawing/2014/main" id="{02FF98E4-2648-4CB7-8BB5-635246FC8873}"/>
               </a:ext>
             </a:extLst>
           </p:cNvPr>
@@ -5176,34 +5162,13 @@
           <a:lstStyle/>
           <a:p>
             <a:r>
-              <a:rPr lang="en-US" b="1" dirty="0" smtClean="0">
+              <a:rPr lang="en-US" b="1" dirty="0">
                 <a:solidFill>
                   <a:schemeClr val="bg1"/>
                 </a:solidFill>
               </a:rPr>
-              <a:t>Satisfied </a:t>
-            </a:r>
-            <a:r>
-              <a:rPr lang="en-US" b="1" dirty="0">
-                <a:solidFill>
-                  <a:schemeClr val="bg1"/>
-                </a:solidFill>
-              </a:rPr>
-              <a:t>and happy stockmen are the ones who can run their business in most efficient </a:t>
-            </a:r>
-            <a:r>
-              <a:rPr lang="en-US" b="1" dirty="0" smtClean="0">
-                <a:solidFill>
-                  <a:schemeClr val="bg1"/>
-                </a:solidFill>
-              </a:rPr>
-              <a:t>way</a:t>
-            </a:r>
-            <a:endParaRPr lang="en-US" b="1" dirty="0">
-              <a:solidFill>
-                <a:schemeClr val="bg1"/>
-              </a:solidFill>
-            </a:endParaRPr>
+              <a:t>Satisfied and happy stockmen are the ones who can run their business in most efficient way</a:t>
+            </a:r>
           </a:p>
         </p:txBody>
       </p:sp>
@@ -5212,7 +5177,7 @@
           <p:cNvPr id="8" name="TextBox 7">
             <a:extLst>
               <a:ext uri="{FF2B5EF4-FFF2-40B4-BE49-F238E27FC236}">
-                <a16:creationId xmlns:a16="http://schemas.microsoft.com/office/drawing/2014/main" xmlns="" id="{1C1BD53E-322A-4234-B3D7-F288F9B7B772}"/>
+                <a16:creationId xmlns:a16="http://schemas.microsoft.com/office/drawing/2014/main" id="{1C1BD53E-322A-4234-B3D7-F288F9B7B772}"/>
               </a:ext>
             </a:extLst>
           </p:cNvPr>
@@ -5390,18 +5355,13 @@
           <a:lstStyle/>
           <a:p>
             <a:r>
-              <a:rPr lang="en-US" sz="2500" b="1" dirty="0" smtClean="0">
+              <a:rPr lang="en-US" sz="2500" b="1" dirty="0">
                 <a:solidFill>
                   <a:schemeClr val="bg1"/>
                 </a:solidFill>
               </a:rPr>
               <a:t>Questions?</a:t>
             </a:r>
-            <a:endParaRPr lang="en-US" sz="2500" b="1" dirty="0">
-              <a:solidFill>
-                <a:schemeClr val="bg1"/>
-              </a:solidFill>
-            </a:endParaRPr>
           </a:p>
         </p:txBody>
       </p:sp>
@@ -5415,13 +5375,6 @@
   <p:clrMapOvr>
     <a:overrideClrMapping bg1="dk1" tx1="lt1" bg2="dk2" tx2="lt2" accent1="accent1" accent2="accent2" accent3="accent3" accent4="accent4" accent5="accent5" accent6="accent6" hlink="hlink" folHlink="folHlink"/>
   </p:clrMapOvr>
-  <p:timing>
-    <p:tnLst>
-      <p:par>
-        <p:cTn id="1" dur="indefinite" restart="never" nodeType="tmRoot"/>
-      </p:par>
-    </p:tnLst>
-  </p:timing>
 </p:sld>
 </file>
 
@@ -5455,10 +5408,10 @@
           <p:cNvPr id="9" name="Rectangle 8">
             <a:extLst>
               <a:ext uri="{FF2B5EF4-FFF2-40B4-BE49-F238E27FC236}">
-                <a16:creationId xmlns:a16="http://schemas.microsoft.com/office/drawing/2014/main" xmlns="" id="{E08D4B6A-8113-4DFB-B82E-B60CAC8E0A50}"/>
+                <a16:creationId xmlns:a16="http://schemas.microsoft.com/office/drawing/2014/main" id="{E08D4B6A-8113-4DFB-B82E-B60CAC8E0A50}"/>
               </a:ext>
               <a:ext uri="{C183D7F6-B498-43B3-948B-1728B52AA6E4}">
-                <adec:decorative xmlns:adec="http://schemas.microsoft.com/office/drawing/2017/decorative" xmlns="" val="1"/>
+                <adec:decorative xmlns:adec="http://schemas.microsoft.com/office/drawing/2017/decorative" val="1"/>
               </a:ext>
             </a:extLst>
           </p:cNvPr>
@@ -5468,7 +5421,7 @@
           <p:nvPr>
             <p:extLst>
               <p:ext uri="{386F3935-93C4-4BCD-93E2-E3B085C9AB24}">
-                <p16:designElem xmlns:p16="http://schemas.microsoft.com/office/powerpoint/2015/main" xmlns="" val="1"/>
+                <p16:designElem xmlns:p16="http://schemas.microsoft.com/office/powerpoint/2015/main" val="1"/>
               </p:ext>
             </p:extLst>
           </p:nvPr>
@@ -5547,10 +5500,10 @@
           <p:cNvPr id="11" name="Rectangle 10">
             <a:extLst>
               <a:ext uri="{FF2B5EF4-FFF2-40B4-BE49-F238E27FC236}">
-                <a16:creationId xmlns:a16="http://schemas.microsoft.com/office/drawing/2014/main" xmlns="" id="{9822E561-F97C-4CBB-A9A6-A6BF6317BC84}"/>
+                <a16:creationId xmlns:a16="http://schemas.microsoft.com/office/drawing/2014/main" id="{9822E561-F97C-4CBB-A9A6-A6BF6317BC84}"/>
               </a:ext>
               <a:ext uri="{C183D7F6-B498-43B3-948B-1728B52AA6E4}">
-                <adec:decorative xmlns:adec="http://schemas.microsoft.com/office/drawing/2017/decorative" xmlns="" val="1"/>
+                <adec:decorative xmlns:adec="http://schemas.microsoft.com/office/drawing/2017/decorative" val="1"/>
               </a:ext>
             </a:extLst>
           </p:cNvPr>
@@ -5560,7 +5513,7 @@
           <p:nvPr>
             <p:extLst>
               <p:ext uri="{386F3935-93C4-4BCD-93E2-E3B085C9AB24}">
-                <p16:designElem xmlns:p16="http://schemas.microsoft.com/office/powerpoint/2015/main" xmlns="" val="1"/>
+                <p16:designElem xmlns:p16="http://schemas.microsoft.com/office/powerpoint/2015/main" val="1"/>
               </p:ext>
             </p:extLst>
           </p:nvPr>
@@ -5644,10 +5597,10 @@
           <p:cNvPr id="13" name="Rectangle 12">
             <a:extLst>
               <a:ext uri="{FF2B5EF4-FFF2-40B4-BE49-F238E27FC236}">
-                <a16:creationId xmlns:a16="http://schemas.microsoft.com/office/drawing/2014/main" xmlns="" id="{B01B0E58-A5C8-4CDA-A2E0-35DF94E59857}"/>
+                <a16:creationId xmlns:a16="http://schemas.microsoft.com/office/drawing/2014/main" id="{B01B0E58-A5C8-4CDA-A2E0-35DF94E59857}"/>
               </a:ext>
               <a:ext uri="{C183D7F6-B498-43B3-948B-1728B52AA6E4}">
-                <adec:decorative xmlns:adec="http://schemas.microsoft.com/office/drawing/2017/decorative" xmlns="" val="1"/>
+                <adec:decorative xmlns:adec="http://schemas.microsoft.com/office/drawing/2017/decorative" val="1"/>
               </a:ext>
             </a:extLst>
           </p:cNvPr>
@@ -5657,7 +5610,7 @@
           <p:nvPr>
             <p:extLst>
               <p:ext uri="{386F3935-93C4-4BCD-93E2-E3B085C9AB24}">
-                <p16:designElem xmlns:p16="http://schemas.microsoft.com/office/powerpoint/2015/main" xmlns="" val="1"/>
+                <p16:designElem xmlns:p16="http://schemas.microsoft.com/office/powerpoint/2015/main" val="1"/>
               </p:ext>
             </p:extLst>
           </p:nvPr>
@@ -5698,7 +5651,7 @@
           <p:cNvPr id="4" name="Picture 3">
             <a:extLst>
               <a:ext uri="{FF2B5EF4-FFF2-40B4-BE49-F238E27FC236}">
-                <a16:creationId xmlns:a16="http://schemas.microsoft.com/office/drawing/2014/main" xmlns="" id="{33832EFD-DEB3-4228-AFE9-F0F446A50070}"/>
+                <a16:creationId xmlns:a16="http://schemas.microsoft.com/office/drawing/2014/main" id="{33832EFD-DEB3-4228-AFE9-F0F446A50070}"/>
               </a:ext>
             </a:extLst>
           </p:cNvPr>
@@ -5714,8 +5667,8 @@
         </p:blipFill>
         <p:spPr>
           <a:xfrm>
-            <a:off x="4011458" y="5175"/>
-            <a:ext cx="8176402" cy="6852825"/>
+            <a:off x="4021692" y="10"/>
+            <a:ext cx="8170308" cy="6857990"/>
           </a:xfrm>
           <a:prstGeom prst="rect">
             <a:avLst/>
@@ -5724,10 +5677,10 @@
       </p:pic>
       <p:sp>
         <p:nvSpPr>
-          <p:cNvPr id="10" name="TextBox 9">
+          <p:cNvPr id="8" name="TextBox 7">
             <a:extLst>
               <a:ext uri="{FF2B5EF4-FFF2-40B4-BE49-F238E27FC236}">
-                <a16:creationId xmlns:a16="http://schemas.microsoft.com/office/drawing/2014/main" xmlns="" id="{B69F2CBB-01BE-461D-8058-1A68DDB1481F}"/>
+                <a16:creationId xmlns:a16="http://schemas.microsoft.com/office/drawing/2014/main" id="{B0421EE7-86ED-4EBB-8462-FA990D9C16C0}"/>
               </a:ext>
             </a:extLst>
           </p:cNvPr>
@@ -5736,8 +5689,8 @@
         </p:nvSpPr>
         <p:spPr>
           <a:xfrm>
-            <a:off x="4724400" y="3200400"/>
-            <a:ext cx="2743200" cy="369332"/>
+            <a:off x="4810664" y="641230"/>
+            <a:ext cx="6035614" cy="707886"/>
           </a:xfrm>
           <a:prstGeom prst="rect">
             <a:avLst/>
@@ -5753,17 +5706,23 @@
           </a:bodyPr>
           <a:lstStyle/>
           <a:p>
-            <a:pPr algn="l"/>
-            <a:endParaRPr lang="en-US"/>
-          </a:p>
-        </p:txBody>
-      </p:sp>
-      <p:sp>
-        <p:nvSpPr>
-          <p:cNvPr id="14" name="TextBox 13">
+            <a:r>
+              <a:rPr lang="en-US" sz="2000" b="1">
+                <a:solidFill>
+                  <a:srgbClr val="000000"/>
+                </a:solidFill>
+              </a:rPr>
+              <a:t>Introduction: How to make life of stockmen easier?</a:t>
+            </a:r>
+          </a:p>
+        </p:txBody>
+      </p:sp>
+      <p:sp>
+        <p:nvSpPr>
+          <p:cNvPr id="12" name="TextBox 11">
             <a:extLst>
               <a:ext uri="{FF2B5EF4-FFF2-40B4-BE49-F238E27FC236}">
-                <a16:creationId xmlns:a16="http://schemas.microsoft.com/office/drawing/2014/main" xmlns="" id="{D429862F-72F6-4DDA-97F5-BB1C92F3180B}"/>
+                <a16:creationId xmlns:a16="http://schemas.microsoft.com/office/drawing/2014/main" id="{9C4C2F35-ECE6-4864-9557-19D981303DFD}"/>
               </a:ext>
             </a:extLst>
           </p:cNvPr>
@@ -5772,8 +5731,8 @@
         </p:nvSpPr>
         <p:spPr>
           <a:xfrm>
-            <a:off x="4235571" y="1043797"/>
-            <a:ext cx="7401463" cy="3416320"/>
+            <a:off x="4723501" y="1445464"/>
+            <a:ext cx="6567577" cy="3231654"/>
           </a:xfrm>
           <a:prstGeom prst="rect">
             <a:avLst/>
@@ -5789,40 +5748,46 @@
           </a:bodyPr>
           <a:lstStyle/>
           <a:p>
-            <a:pPr marL="285750" indent="-285750">
+            <a:pPr marL="171450" indent="-171450">
               <a:buFont typeface="Arial"/>
               <a:buChar char="•"/>
             </a:pPr>
-            <a:endParaRPr lang="en-US">
-              <a:solidFill>
-                <a:srgbClr val="FFFFFF"/>
-              </a:solidFill>
-            </a:endParaRPr>
-          </a:p>
-          <a:p>
-            <a:pPr marL="285750" indent="-285750">
+            <a:r>
+              <a:rPr lang="en-US">
+                <a:solidFill>
+                  <a:schemeClr val="bg1"/>
+                </a:solidFill>
+              </a:rPr>
+              <a:t>In era when almost everything is digitalized why would this industry branch remain excluded?</a:t>
+            </a:r>
+          </a:p>
+          <a:p>
+            <a:pPr marL="171450" indent="-171450">
               <a:buFont typeface="Arial"/>
               <a:buChar char="•"/>
             </a:pPr>
             <a:endParaRPr lang="en-US">
               <a:solidFill>
-                <a:srgbClr val="FFFFFF"/>
-              </a:solidFill>
-            </a:endParaRPr>
-          </a:p>
-          <a:p>
-            <a:pPr marL="285750" indent="-285750">
+                <a:schemeClr val="bg1"/>
+              </a:solidFill>
+            </a:endParaRPr>
+          </a:p>
+          <a:p>
+            <a:pPr marL="171450" indent="-171450">
               <a:buFont typeface="Arial"/>
               <a:buChar char="•"/>
             </a:pPr>
-            <a:endParaRPr lang="en-US">
-              <a:solidFill>
-                <a:schemeClr val="bg1"/>
-              </a:solidFill>
-            </a:endParaRPr>
-          </a:p>
-          <a:p>
-            <a:pPr marL="285750" indent="-285750">
+            <a:r>
+              <a:rPr lang="en-US">
+                <a:solidFill>
+                  <a:schemeClr val="bg1"/>
+                </a:solidFill>
+              </a:rPr>
+              <a:t>Idea: To create platform which would allow stockmen to keep trick of their business</a:t>
+            </a:r>
+          </a:p>
+          <a:p>
+            <a:pPr marL="171450" indent="-171450">
               <a:buFont typeface="Arial"/>
               <a:buChar char="•"/>
             </a:pPr>
@@ -5833,18 +5798,21 @@
             </a:endParaRPr>
           </a:p>
           <a:p>
-            <a:pPr marL="285750" indent="-285750">
+            <a:pPr marL="171450" indent="-171450">
               <a:buFont typeface="Arial"/>
               <a:buChar char="•"/>
             </a:pPr>
-            <a:endParaRPr lang="en-US">
-              <a:solidFill>
-                <a:schemeClr val="bg1"/>
-              </a:solidFill>
-            </a:endParaRPr>
-          </a:p>
-          <a:p>
-            <a:pPr marL="285750" indent="-285750">
+            <a:r>
+              <a:rPr lang="en-US">
+                <a:solidFill>
+                  <a:schemeClr val="bg1"/>
+                </a:solidFill>
+              </a:rPr>
+              <a:t>Allow stockmen to interact and find business partners</a:t>
+            </a:r>
+          </a:p>
+          <a:p>
+            <a:pPr marL="171450" indent="-171450">
               <a:buFont typeface="Arial"/>
               <a:buChar char="•"/>
             </a:pPr>
@@ -5855,71 +5823,41 @@
             </a:endParaRPr>
           </a:p>
           <a:p>
-            <a:pPr marL="285750" indent="-285750">
+            <a:pPr marL="171450" indent="-171450">
               <a:buFont typeface="Arial"/>
               <a:buChar char="•"/>
             </a:pPr>
-            <a:endParaRPr lang="en-US">
+            <a:r>
+              <a:rPr lang="en-US">
+                <a:solidFill>
+                  <a:schemeClr val="bg1"/>
+                </a:solidFill>
+              </a:rPr>
+              <a:t>Add ability to create and follow their own projects and accomplishments</a:t>
+            </a:r>
+          </a:p>
+          <a:p>
+            <a:endParaRPr lang="en-US" sz="1200">
               <a:solidFill>
                 <a:schemeClr val="bg1"/>
               </a:solidFill>
             </a:endParaRPr>
           </a:p>
           <a:p>
-            <a:endParaRPr lang="en-US">
+            <a:endParaRPr lang="en-US" sz="1200">
               <a:solidFill>
                 <a:schemeClr val="bg1"/>
               </a:solidFill>
             </a:endParaRPr>
           </a:p>
-          <a:p>
-            <a:pPr marL="285750" indent="-285750">
-              <a:buFont typeface="Arial"/>
-              <a:buChar char="•"/>
-            </a:pPr>
-            <a:endParaRPr lang="en-US">
-              <a:solidFill>
-                <a:schemeClr val="bg1"/>
-              </a:solidFill>
-            </a:endParaRPr>
-          </a:p>
-          <a:p>
-            <a:endParaRPr lang="en-US">
-              <a:solidFill>
-                <a:schemeClr val="bg1"/>
-              </a:solidFill>
-            </a:endParaRPr>
-          </a:p>
-          <a:p>
-            <a:pPr marL="285750" indent="-285750">
-              <a:buFont typeface="Arial"/>
-              <a:buChar char="•"/>
-            </a:pPr>
-            <a:endParaRPr lang="en-US">
-              <a:solidFill>
-                <a:schemeClr val="bg1"/>
-              </a:solidFill>
-            </a:endParaRPr>
-          </a:p>
-          <a:p>
-            <a:pPr marL="285750" indent="-285750">
-              <a:buFont typeface="Arial"/>
-              <a:buChar char="•"/>
-            </a:pPr>
-            <a:endParaRPr lang="en-US">
-              <a:solidFill>
-                <a:schemeClr val="bg1"/>
-              </a:solidFill>
-            </a:endParaRPr>
-          </a:p>
-        </p:txBody>
-      </p:sp>
-      <p:sp>
-        <p:nvSpPr>
-          <p:cNvPr id="17" name="TextBox 16">
+        </p:txBody>
+      </p:sp>
+      <p:sp>
+        <p:nvSpPr>
+          <p:cNvPr id="3" name="TextBox 2">
             <a:extLst>
               <a:ext uri="{FF2B5EF4-FFF2-40B4-BE49-F238E27FC236}">
-                <a16:creationId xmlns:a16="http://schemas.microsoft.com/office/drawing/2014/main" xmlns="" id="{B9598B4C-F027-445E-BF80-A8CB60E09677}"/>
+                <a16:creationId xmlns:a16="http://schemas.microsoft.com/office/drawing/2014/main" id="{6F916064-B753-416D-B0C5-8B4AA3AEBF9F}"/>
               </a:ext>
             </a:extLst>
           </p:cNvPr>
@@ -5928,8 +5866,8 @@
         </p:nvSpPr>
         <p:spPr>
           <a:xfrm>
-            <a:off x="4307457" y="238664"/>
-            <a:ext cx="6035614" cy="7294305"/>
+            <a:off x="11280476" y="6291533"/>
+            <a:ext cx="715993" cy="369332"/>
           </a:xfrm>
           <a:prstGeom prst="rect">
             <a:avLst/>
@@ -5945,340 +5883,9 @@
           </a:bodyPr>
           <a:lstStyle/>
           <a:p>
-            <a:r>
-              <a:rPr lang="en-US" sz="2000" b="1" dirty="0">
-                <a:solidFill>
-                  <a:srgbClr val="000000"/>
-                </a:solidFill>
-              </a:rPr>
-              <a:t>Table of contents:</a:t>
-            </a:r>
-          </a:p>
-          <a:p>
-            <a:pPr algn="just"/>
-            <a:endParaRPr lang="en-US" b="1">
-              <a:solidFill>
-                <a:srgbClr val="000000"/>
-              </a:solidFill>
-            </a:endParaRPr>
-          </a:p>
-          <a:p>
-            <a:pPr marL="342900" indent="-342900" algn="just">
-              <a:buFont typeface="Arial"/>
-              <a:buChar char="•"/>
-            </a:pPr>
-            <a:r>
-              <a:rPr lang="en-US" b="1" dirty="0">
-                <a:solidFill>
-                  <a:srgbClr val="000000"/>
-                </a:solidFill>
-              </a:rPr>
-              <a:t>Introduction</a:t>
-            </a:r>
-          </a:p>
-          <a:p>
-            <a:pPr marL="342900" indent="-342900" algn="just">
-              <a:buFont typeface="Arial"/>
-              <a:buChar char="•"/>
-            </a:pPr>
-            <a:endParaRPr lang="en-US" b="1">
-              <a:solidFill>
-                <a:srgbClr val="000000"/>
-              </a:solidFill>
-            </a:endParaRPr>
-          </a:p>
-          <a:p>
-            <a:pPr marL="342900" indent="-342900" algn="just">
-              <a:buFont typeface="Arial"/>
-              <a:buChar char="•"/>
-            </a:pPr>
-            <a:r>
-              <a:rPr lang="en-US" b="1" dirty="0">
-                <a:solidFill>
-                  <a:srgbClr val="000000"/>
-                </a:solidFill>
-              </a:rPr>
-              <a:t>Problem Statement</a:t>
-            </a:r>
-          </a:p>
-          <a:p>
-            <a:pPr marL="342900" indent="-342900" algn="just">
-              <a:buFont typeface="Arial"/>
-              <a:buChar char="•"/>
-            </a:pPr>
-            <a:endParaRPr lang="en-US" b="1">
-              <a:solidFill>
-                <a:srgbClr val="000000"/>
-              </a:solidFill>
-            </a:endParaRPr>
-          </a:p>
-          <a:p>
-            <a:pPr marL="342900" indent="-342900" algn="just">
-              <a:buFont typeface="Arial"/>
-              <a:buChar char="•"/>
-            </a:pPr>
-            <a:r>
-              <a:rPr lang="en-US" b="1" dirty="0">
-                <a:solidFill>
-                  <a:srgbClr val="000000"/>
-                </a:solidFill>
-              </a:rPr>
-              <a:t>Existing </a:t>
-            </a:r>
-            <a:r>
-              <a:rPr lang="en-US" b="1" dirty="0" err="1">
-                <a:solidFill>
-                  <a:srgbClr val="000000"/>
-                </a:solidFill>
-              </a:rPr>
-              <a:t>soulutions</a:t>
-            </a:r>
-          </a:p>
-          <a:p>
-            <a:pPr marL="342900" indent="-342900" algn="just">
-              <a:buFont typeface="Arial"/>
-              <a:buChar char="•"/>
-            </a:pPr>
-            <a:endParaRPr lang="en-US" b="1">
-              <a:solidFill>
-                <a:srgbClr val="000000"/>
-              </a:solidFill>
-            </a:endParaRPr>
-          </a:p>
-          <a:p>
-            <a:pPr marL="342900" indent="-342900" algn="just">
-              <a:buFont typeface="Arial"/>
-              <a:buChar char="•"/>
-            </a:pPr>
-            <a:r>
-              <a:rPr lang="en-US" b="1" dirty="0">
-                <a:solidFill>
-                  <a:srgbClr val="000000"/>
-                </a:solidFill>
-              </a:rPr>
-              <a:t>Proposed solutions</a:t>
-            </a:r>
-          </a:p>
-          <a:p>
-            <a:pPr marL="342900" indent="-342900" algn="just">
-              <a:buFont typeface="Arial"/>
-              <a:buChar char="•"/>
-            </a:pPr>
-            <a:endParaRPr lang="en-US" b="1">
-              <a:solidFill>
-                <a:srgbClr val="000000"/>
-              </a:solidFill>
-            </a:endParaRPr>
-          </a:p>
-          <a:p>
-            <a:pPr marL="342900" indent="-342900" algn="just">
-              <a:buFont typeface="Arial"/>
-              <a:buChar char="•"/>
-            </a:pPr>
-            <a:r>
-              <a:rPr lang="en-US" b="1" dirty="0">
-                <a:solidFill>
-                  <a:srgbClr val="000000"/>
-                </a:solidFill>
-              </a:rPr>
-              <a:t>Work packages</a:t>
-            </a:r>
-          </a:p>
-          <a:p>
-            <a:pPr marL="342900" indent="-342900" algn="just">
-              <a:buFont typeface="Arial"/>
-              <a:buChar char="•"/>
-            </a:pPr>
-            <a:endParaRPr lang="en-US" b="1">
-              <a:solidFill>
-                <a:srgbClr val="000000"/>
-              </a:solidFill>
-            </a:endParaRPr>
-          </a:p>
-          <a:p>
-            <a:pPr marL="342900" indent="-342900" algn="just">
-              <a:buFont typeface="Arial"/>
-              <a:buChar char="•"/>
-            </a:pPr>
-            <a:r>
-              <a:rPr lang="en-US" b="1" dirty="0">
-                <a:solidFill>
-                  <a:srgbClr val="000000"/>
-                </a:solidFill>
-              </a:rPr>
-              <a:t>Participants</a:t>
-            </a:r>
-          </a:p>
-          <a:p>
-            <a:pPr marL="342900" indent="-342900" algn="just">
-              <a:buFont typeface="Arial"/>
-              <a:buChar char="•"/>
-            </a:pPr>
-            <a:endParaRPr lang="en-US" b="1">
-              <a:solidFill>
-                <a:srgbClr val="000000"/>
-              </a:solidFill>
-            </a:endParaRPr>
-          </a:p>
-          <a:p>
-            <a:pPr marL="342900" indent="-342900" algn="just">
-              <a:buFont typeface="Arial"/>
-              <a:buChar char="•"/>
-            </a:pPr>
-            <a:r>
-              <a:rPr lang="en-US" b="1" dirty="0">
-                <a:solidFill>
-                  <a:srgbClr val="000000"/>
-                </a:solidFill>
-              </a:rPr>
-              <a:t>Summary of effort</a:t>
-            </a:r>
-          </a:p>
-          <a:p>
-            <a:pPr marL="342900" indent="-342900" algn="just">
-              <a:buFont typeface="Arial"/>
-              <a:buChar char="•"/>
-            </a:pPr>
-            <a:endParaRPr lang="en-US" b="1">
-              <a:solidFill>
-                <a:srgbClr val="000000"/>
-              </a:solidFill>
-            </a:endParaRPr>
-          </a:p>
-          <a:p>
-            <a:pPr marL="342900" indent="-342900" algn="just">
-              <a:buFont typeface="Arial"/>
-              <a:buChar char="•"/>
-            </a:pPr>
-            <a:r>
-              <a:rPr lang="en-US" b="1" dirty="0">
-                <a:solidFill>
-                  <a:srgbClr val="000000"/>
-                </a:solidFill>
-              </a:rPr>
-              <a:t>Conclusion</a:t>
-            </a:r>
-          </a:p>
-          <a:p>
-            <a:pPr marL="342900" indent="-342900">
-              <a:buFont typeface="Arial"/>
-              <a:buChar char="•"/>
-            </a:pPr>
-            <a:endParaRPr lang="en-US" sz="2000" b="1">
-              <a:solidFill>
-                <a:srgbClr val="000000"/>
-              </a:solidFill>
-            </a:endParaRPr>
-          </a:p>
-          <a:p>
-            <a:pPr marL="342900" indent="-342900">
-              <a:buFont typeface="Arial"/>
-              <a:buChar char="•"/>
-            </a:pPr>
-            <a:endParaRPr lang="en-US" sz="2000" b="1">
-              <a:solidFill>
-                <a:srgbClr val="000000"/>
-              </a:solidFill>
-            </a:endParaRPr>
-          </a:p>
-          <a:p>
-            <a:pPr marL="342900" indent="-342900">
-              <a:buFont typeface="Arial"/>
-              <a:buChar char="•"/>
-            </a:pPr>
-            <a:endParaRPr lang="en-US" sz="2000" b="1">
-              <a:solidFill>
-                <a:srgbClr val="000000"/>
-              </a:solidFill>
-            </a:endParaRPr>
-          </a:p>
-          <a:p>
-            <a:pPr marL="342900" indent="-342900">
-              <a:buFont typeface="Arial"/>
-              <a:buChar char="•"/>
-            </a:pPr>
-            <a:endParaRPr lang="en-US" sz="2000" b="1">
-              <a:solidFill>
-                <a:srgbClr val="000000"/>
-              </a:solidFill>
-            </a:endParaRPr>
-          </a:p>
-          <a:p>
-            <a:endParaRPr lang="en-US" sz="2000" b="1">
-              <a:solidFill>
-                <a:srgbClr val="000000"/>
-              </a:solidFill>
-            </a:endParaRPr>
-          </a:p>
-          <a:p>
-            <a:pPr marL="342900" indent="-342900">
-              <a:buFont typeface="Arial"/>
-              <a:buChar char="•"/>
-            </a:pPr>
-            <a:endParaRPr lang="en-US" sz="2000" b="1">
-              <a:solidFill>
-                <a:srgbClr val="000000"/>
-              </a:solidFill>
-            </a:endParaRPr>
-          </a:p>
-          <a:p>
-            <a:pPr marL="342900" indent="-342900">
-              <a:buFont typeface="Arial"/>
-              <a:buChar char="•"/>
-            </a:pPr>
-            <a:endParaRPr lang="en-US" sz="2000" b="1">
-              <a:solidFill>
-                <a:srgbClr val="000000"/>
-              </a:solidFill>
-            </a:endParaRPr>
-          </a:p>
-          <a:p>
-            <a:pPr marL="342900" indent="-342900">
-              <a:buFont typeface="Arial"/>
-              <a:buChar char="•"/>
-            </a:pPr>
-            <a:endParaRPr lang="en-US" sz="2000" b="1">
-              <a:solidFill>
-                <a:srgbClr val="000000"/>
-              </a:solidFill>
-            </a:endParaRPr>
-          </a:p>
-        </p:txBody>
-      </p:sp>
-      <p:sp>
-        <p:nvSpPr>
-          <p:cNvPr id="3" name="TextBox 2">
-            <a:extLst>
-              <a:ext uri="{FF2B5EF4-FFF2-40B4-BE49-F238E27FC236}">
-                <a16:creationId xmlns:a16="http://schemas.microsoft.com/office/drawing/2014/main" xmlns="" id="{88AF991F-4607-4186-B6AD-4641C5135655}"/>
-              </a:ext>
-            </a:extLst>
-          </p:cNvPr>
-          <p:cNvSpPr txBox="1"/>
-          <p:nvPr/>
-        </p:nvSpPr>
-        <p:spPr>
-          <a:xfrm>
-            <a:off x="11280475" y="6277155"/>
-            <a:ext cx="715993" cy="369332"/>
-          </a:xfrm>
-          <a:prstGeom prst="rect">
-            <a:avLst/>
-          </a:prstGeom>
-          <a:noFill/>
-        </p:spPr>
-        <p:txBody>
-          <a:bodyPr rot="0" spcFirstLastPara="0" vertOverflow="overflow" horzOverflow="overflow" vert="horz" wrap="square" lIns="91440" tIns="45720" rIns="91440" bIns="45720" numCol="1" spcCol="0" rtlCol="0" fromWordArt="0" anchor="t" anchorCtr="0" forceAA="0" compatLnSpc="1">
-            <a:prstTxWarp prst="textNoShape">
-              <a:avLst/>
-            </a:prstTxWarp>
-            <a:spAutoFit/>
-          </a:bodyPr>
-          <a:lstStyle/>
-          <a:p>
             <a:pPr algn="l"/>
             <a:r>
-              <a:rPr lang="en-US">
+              <a:rPr lang="en-US" dirty="0">
                 <a:solidFill>
                   <a:srgbClr val="000000"/>
                 </a:solidFill>
@@ -6291,20 +5898,13 @@
     </p:spTree>
     <p:extLst>
       <p:ext uri="{BB962C8B-B14F-4D97-AF65-F5344CB8AC3E}">
-        <p14:creationId xmlns:p14="http://schemas.microsoft.com/office/powerpoint/2010/main" val="213751306"/>
+        <p14:creationId xmlns:p14="http://schemas.microsoft.com/office/powerpoint/2010/main" val="1985566801"/>
       </p:ext>
     </p:extLst>
   </p:cSld>
   <p:clrMapOvr>
     <a:overrideClrMapping bg1="dk1" tx1="lt1" bg2="dk2" tx2="lt2" accent1="accent1" accent2="accent2" accent3="accent3" accent4="accent4" accent5="accent5" accent6="accent6" hlink="hlink" folHlink="folHlink"/>
   </p:clrMapOvr>
-  <p:timing>
-    <p:tnLst>
-      <p:par>
-        <p:cTn id="1" dur="indefinite" restart="never" nodeType="tmRoot"/>
-      </p:par>
-    </p:tnLst>
-  </p:timing>
 </p:sld>
 </file>
 
@@ -6338,10 +5938,10 @@
           <p:cNvPr id="9" name="Rectangle 8">
             <a:extLst>
               <a:ext uri="{FF2B5EF4-FFF2-40B4-BE49-F238E27FC236}">
-                <a16:creationId xmlns:a16="http://schemas.microsoft.com/office/drawing/2014/main" xmlns="" id="{E08D4B6A-8113-4DFB-B82E-B60CAC8E0A50}"/>
+                <a16:creationId xmlns:a16="http://schemas.microsoft.com/office/drawing/2014/main" id="{E08D4B6A-8113-4DFB-B82E-B60CAC8E0A50}"/>
               </a:ext>
               <a:ext uri="{C183D7F6-B498-43B3-948B-1728B52AA6E4}">
-                <adec:decorative xmlns:adec="http://schemas.microsoft.com/office/drawing/2017/decorative" xmlns="" val="1"/>
+                <adec:decorative xmlns:adec="http://schemas.microsoft.com/office/drawing/2017/decorative" val="1"/>
               </a:ext>
             </a:extLst>
           </p:cNvPr>
@@ -6351,7 +5951,7 @@
           <p:nvPr>
             <p:extLst>
               <p:ext uri="{386F3935-93C4-4BCD-93E2-E3B085C9AB24}">
-                <p16:designElem xmlns:p16="http://schemas.microsoft.com/office/powerpoint/2015/main" xmlns="" val="1"/>
+                <p16:designElem xmlns:p16="http://schemas.microsoft.com/office/powerpoint/2015/main" val="1"/>
               </p:ext>
             </p:extLst>
           </p:nvPr>
@@ -6430,10 +6030,10 @@
           <p:cNvPr id="11" name="Rectangle 10">
             <a:extLst>
               <a:ext uri="{FF2B5EF4-FFF2-40B4-BE49-F238E27FC236}">
-                <a16:creationId xmlns:a16="http://schemas.microsoft.com/office/drawing/2014/main" xmlns="" id="{9822E561-F97C-4CBB-A9A6-A6BF6317BC84}"/>
+                <a16:creationId xmlns:a16="http://schemas.microsoft.com/office/drawing/2014/main" id="{9822E561-F97C-4CBB-A9A6-A6BF6317BC84}"/>
               </a:ext>
               <a:ext uri="{C183D7F6-B498-43B3-948B-1728B52AA6E4}">
-                <adec:decorative xmlns:adec="http://schemas.microsoft.com/office/drawing/2017/decorative" xmlns="" val="1"/>
+                <adec:decorative xmlns:adec="http://schemas.microsoft.com/office/drawing/2017/decorative" val="1"/>
               </a:ext>
             </a:extLst>
           </p:cNvPr>
@@ -6443,7 +6043,7 @@
           <p:nvPr>
             <p:extLst>
               <p:ext uri="{386F3935-93C4-4BCD-93E2-E3B085C9AB24}">
-                <p16:designElem xmlns:p16="http://schemas.microsoft.com/office/powerpoint/2015/main" xmlns="" val="1"/>
+                <p16:designElem xmlns:p16="http://schemas.microsoft.com/office/powerpoint/2015/main" val="1"/>
               </p:ext>
             </p:extLst>
           </p:nvPr>
@@ -6527,10 +6127,10 @@
           <p:cNvPr id="13" name="Rectangle 12">
             <a:extLst>
               <a:ext uri="{FF2B5EF4-FFF2-40B4-BE49-F238E27FC236}">
-                <a16:creationId xmlns:a16="http://schemas.microsoft.com/office/drawing/2014/main" xmlns="" id="{B01B0E58-A5C8-4CDA-A2E0-35DF94E59857}"/>
+                <a16:creationId xmlns:a16="http://schemas.microsoft.com/office/drawing/2014/main" id="{B01B0E58-A5C8-4CDA-A2E0-35DF94E59857}"/>
               </a:ext>
               <a:ext uri="{C183D7F6-B498-43B3-948B-1728B52AA6E4}">
-                <adec:decorative xmlns:adec="http://schemas.microsoft.com/office/drawing/2017/decorative" xmlns="" val="1"/>
+                <adec:decorative xmlns:adec="http://schemas.microsoft.com/office/drawing/2017/decorative" val="1"/>
               </a:ext>
             </a:extLst>
           </p:cNvPr>
@@ -6540,7 +6140,7 @@
           <p:nvPr>
             <p:extLst>
               <p:ext uri="{386F3935-93C4-4BCD-93E2-E3B085C9AB24}">
-                <p16:designElem xmlns:p16="http://schemas.microsoft.com/office/powerpoint/2015/main" xmlns="" val="1"/>
+                <p16:designElem xmlns:p16="http://schemas.microsoft.com/office/powerpoint/2015/main" val="1"/>
               </p:ext>
             </p:extLst>
           </p:nvPr>
@@ -6581,7 +6181,7 @@
           <p:cNvPr id="4" name="Picture 3">
             <a:extLst>
               <a:ext uri="{FF2B5EF4-FFF2-40B4-BE49-F238E27FC236}">
-                <a16:creationId xmlns:a16="http://schemas.microsoft.com/office/drawing/2014/main" xmlns="" id="{33832EFD-DEB3-4228-AFE9-F0F446A50070}"/>
+                <a16:creationId xmlns:a16="http://schemas.microsoft.com/office/drawing/2014/main" id="{33832EFD-DEB3-4228-AFE9-F0F446A50070}"/>
               </a:ext>
             </a:extLst>
           </p:cNvPr>
@@ -6610,7 +6210,7 @@
           <p:cNvPr id="8" name="TextBox 7">
             <a:extLst>
               <a:ext uri="{FF2B5EF4-FFF2-40B4-BE49-F238E27FC236}">
-                <a16:creationId xmlns:a16="http://schemas.microsoft.com/office/drawing/2014/main" xmlns="" id="{B0421EE7-86ED-4EBB-8462-FA990D9C16C0}"/>
+                <a16:creationId xmlns:a16="http://schemas.microsoft.com/office/drawing/2014/main" id="{B0421EE7-86ED-4EBB-8462-FA990D9C16C0}"/>
               </a:ext>
             </a:extLst>
           </p:cNvPr>
@@ -6619,8 +6219,8 @@
         </p:nvSpPr>
         <p:spPr>
           <a:xfrm>
-            <a:off x="4810664" y="641230"/>
-            <a:ext cx="6035614" cy="707886"/>
+            <a:off x="4882551" y="353683"/>
+            <a:ext cx="5101086" cy="400110"/>
           </a:xfrm>
           <a:prstGeom prst="rect">
             <a:avLst/>
@@ -6642,7 +6242,7 @@
                   <a:srgbClr val="000000"/>
                 </a:solidFill>
               </a:rPr>
-              <a:t>Introduction: How to make life of stockmen easier?</a:t>
+              <a:t>Problem statement</a:t>
             </a:r>
           </a:p>
         </p:txBody>
@@ -6652,7 +6252,7 @@
           <p:cNvPr id="12" name="TextBox 11">
             <a:extLst>
               <a:ext uri="{FF2B5EF4-FFF2-40B4-BE49-F238E27FC236}">
-                <a16:creationId xmlns:a16="http://schemas.microsoft.com/office/drawing/2014/main" xmlns="" id="{9C4C2F35-ECE6-4864-9557-19D981303DFD}"/>
+                <a16:creationId xmlns:a16="http://schemas.microsoft.com/office/drawing/2014/main" id="{9C4C2F35-ECE6-4864-9557-19D981303DFD}"/>
               </a:ext>
             </a:extLst>
           </p:cNvPr>
@@ -6661,8 +6261,8 @@
         </p:nvSpPr>
         <p:spPr>
           <a:xfrm>
-            <a:off x="4723501" y="1445464"/>
-            <a:ext cx="6567577" cy="3231654"/>
+            <a:off x="4709124" y="870370"/>
+            <a:ext cx="6567577" cy="4339650"/>
           </a:xfrm>
           <a:prstGeom prst="rect">
             <a:avLst/>
@@ -6678,7 +6278,7 @@
           </a:bodyPr>
           <a:lstStyle/>
           <a:p>
-            <a:pPr marL="171450" indent="-171450">
+            <a:pPr marL="285750" indent="-285750">
               <a:buFont typeface="Arial"/>
               <a:buChar char="•"/>
             </a:pPr>
@@ -6688,11 +6288,11 @@
                   <a:schemeClr val="bg1"/>
                 </a:solidFill>
               </a:rPr>
-              <a:t>In era when almost everything is digitalized why would this industry branch remain excluded?</a:t>
-            </a:r>
-          </a:p>
-          <a:p>
-            <a:pPr marL="171450" indent="-171450">
+              <a:t>Currently there is no digital solution made for stockmen and their business. Most of them keep track of their business on the fly: Often they don't have a clear information of money invested and earned in their business</a:t>
+            </a:r>
+          </a:p>
+          <a:p>
+            <a:pPr marL="285750" indent="-285750">
               <a:buFont typeface="Arial"/>
               <a:buChar char="•"/>
             </a:pPr>
@@ -6703,7 +6303,7 @@
             </a:endParaRPr>
           </a:p>
           <a:p>
-            <a:pPr marL="171450" indent="-171450">
+            <a:pPr marL="285750" indent="-285750">
               <a:buFont typeface="Arial"/>
               <a:buChar char="•"/>
             </a:pPr>
@@ -6713,11 +6313,11 @@
                   <a:schemeClr val="bg1"/>
                 </a:solidFill>
               </a:rPr>
-              <a:t>Idea: To create platform which would allow stockmen to keep trick of their business</a:t>
-            </a:r>
-          </a:p>
-          <a:p>
-            <a:pPr marL="171450" indent="-171450">
+              <a:t>It's difficult to find other stockmen and protentional business partners and information about them</a:t>
+            </a:r>
+          </a:p>
+          <a:p>
+            <a:pPr marL="285750" indent="-285750">
               <a:buFont typeface="Arial"/>
               <a:buChar char="•"/>
             </a:pPr>
@@ -6728,7 +6328,7 @@
             </a:endParaRPr>
           </a:p>
           <a:p>
-            <a:pPr marL="171450" indent="-171450">
+            <a:pPr marL="285750" indent="-285750">
               <a:buFont typeface="Arial"/>
               <a:buChar char="•"/>
             </a:pPr>
@@ -6738,11 +6338,11 @@
                   <a:schemeClr val="bg1"/>
                 </a:solidFill>
               </a:rPr>
-              <a:t>Allow stockmen to interact and find business partners</a:t>
-            </a:r>
-          </a:p>
-          <a:p>
-            <a:pPr marL="171450" indent="-171450">
+              <a:t>For stockmen having large number of animals is harder to keep track of the number </a:t>
+            </a:r>
+          </a:p>
+          <a:p>
+            <a:pPr marL="285750" indent="-285750">
               <a:buFont typeface="Arial"/>
               <a:buChar char="•"/>
             </a:pPr>
@@ -6753,7 +6353,7 @@
             </a:endParaRPr>
           </a:p>
           <a:p>
-            <a:pPr marL="171450" indent="-171450">
+            <a:pPr marL="285750" indent="-285750">
               <a:buFont typeface="Arial"/>
               <a:buChar char="•"/>
             </a:pPr>
@@ -6763,8 +6363,19 @@
                   <a:schemeClr val="bg1"/>
                 </a:solidFill>
               </a:rPr>
-              <a:t>Add ability to create and follow their own projects and accomplishments</a:t>
-            </a:r>
+              <a:t>Most of them aren't used to use computers at all</a:t>
+            </a:r>
+          </a:p>
+          <a:p>
+            <a:pPr marL="285750" indent="-285750">
+              <a:buFont typeface="Arial"/>
+              <a:buChar char="•"/>
+            </a:pPr>
+            <a:endParaRPr lang="en-US">
+              <a:solidFill>
+                <a:schemeClr val="bg1"/>
+              </a:solidFill>
+            </a:endParaRPr>
           </a:p>
           <a:p>
             <a:endParaRPr lang="en-US" sz="1200">
@@ -6782,12 +6393,42 @@
           </a:p>
         </p:txBody>
       </p:sp>
+      <p:pic>
+        <p:nvPicPr>
+          <p:cNvPr id="6" name="Picture 6" descr="A person sitting in a field&#10;&#10;Description generated with very high confidence">
+            <a:extLst>
+              <a:ext uri="{FF2B5EF4-FFF2-40B4-BE49-F238E27FC236}">
+                <a16:creationId xmlns:a16="http://schemas.microsoft.com/office/drawing/2014/main" id="{FA62AF39-E333-4F6F-AB68-B6385249EEFC}"/>
+              </a:ext>
+            </a:extLst>
+          </p:cNvPr>
+          <p:cNvPicPr>
+            <a:picLocks noChangeAspect="1"/>
+          </p:cNvPicPr>
+          <p:nvPr/>
+        </p:nvPicPr>
+        <p:blipFill>
+          <a:blip r:embed="rId3"/>
+          <a:stretch>
+            <a:fillRect/>
+          </a:stretch>
+        </p:blipFill>
+        <p:spPr>
+          <a:xfrm>
+            <a:off x="425570" y="4124513"/>
+            <a:ext cx="3188898" cy="2232068"/>
+          </a:xfrm>
+          <a:prstGeom prst="rect">
+            <a:avLst/>
+          </a:prstGeom>
+        </p:spPr>
+      </p:pic>
       <p:sp>
         <p:nvSpPr>
           <p:cNvPr id="3" name="TextBox 2">
             <a:extLst>
               <a:ext uri="{FF2B5EF4-FFF2-40B4-BE49-F238E27FC236}">
-                <a16:creationId xmlns:a16="http://schemas.microsoft.com/office/drawing/2014/main" xmlns="" id="{6F916064-B753-416D-B0C5-8B4AA3AEBF9F}"/>
+                <a16:creationId xmlns:a16="http://schemas.microsoft.com/office/drawing/2014/main" id="{26917684-52A8-48E7-9CB2-4A42A6608A0B}"/>
               </a:ext>
             </a:extLst>
           </p:cNvPr>
@@ -6796,7 +6437,7 @@
         </p:nvSpPr>
         <p:spPr>
           <a:xfrm>
-            <a:off x="11280476" y="6291533"/>
+            <a:off x="11266098" y="6262778"/>
             <a:ext cx="715993" cy="369332"/>
           </a:xfrm>
           <a:prstGeom prst="rect">
@@ -6815,7 +6456,7 @@
           <a:p>
             <a:pPr algn="l"/>
             <a:r>
-              <a:rPr lang="en-US">
+              <a:rPr lang="en-US" dirty="0">
                 <a:solidFill>
                   <a:srgbClr val="000000"/>
                 </a:solidFill>
@@ -6828,20 +6469,13 @@
     </p:spTree>
     <p:extLst>
       <p:ext uri="{BB962C8B-B14F-4D97-AF65-F5344CB8AC3E}">
-        <p14:creationId xmlns:p14="http://schemas.microsoft.com/office/powerpoint/2010/main" val="1985566801"/>
+        <p14:creationId xmlns:p14="http://schemas.microsoft.com/office/powerpoint/2010/main" val="4284123916"/>
       </p:ext>
     </p:extLst>
   </p:cSld>
   <p:clrMapOvr>
     <a:overrideClrMapping bg1="dk1" tx1="lt1" bg2="dk2" tx2="lt2" accent1="accent1" accent2="accent2" accent3="accent3" accent4="accent4" accent5="accent5" accent6="accent6" hlink="hlink" folHlink="folHlink"/>
   </p:clrMapOvr>
-  <p:timing>
-    <p:tnLst>
-      <p:par>
-        <p:cTn id="1" dur="indefinite" restart="never" nodeType="tmRoot"/>
-      </p:par>
-    </p:tnLst>
-  </p:timing>
 </p:sld>
 </file>
 
@@ -6875,10 +6509,10 @@
           <p:cNvPr id="9" name="Rectangle 8">
             <a:extLst>
               <a:ext uri="{FF2B5EF4-FFF2-40B4-BE49-F238E27FC236}">
-                <a16:creationId xmlns:a16="http://schemas.microsoft.com/office/drawing/2014/main" xmlns="" id="{E08D4B6A-8113-4DFB-B82E-B60CAC8E0A50}"/>
+                <a16:creationId xmlns:a16="http://schemas.microsoft.com/office/drawing/2014/main" id="{E08D4B6A-8113-4DFB-B82E-B60CAC8E0A50}"/>
               </a:ext>
               <a:ext uri="{C183D7F6-B498-43B3-948B-1728B52AA6E4}">
-                <adec:decorative xmlns:adec="http://schemas.microsoft.com/office/drawing/2017/decorative" xmlns="" val="1"/>
+                <adec:decorative xmlns:adec="http://schemas.microsoft.com/office/drawing/2017/decorative" val="1"/>
               </a:ext>
             </a:extLst>
           </p:cNvPr>
@@ -6888,7 +6522,7 @@
           <p:nvPr>
             <p:extLst>
               <p:ext uri="{386F3935-93C4-4BCD-93E2-E3B085C9AB24}">
-                <p16:designElem xmlns:p16="http://schemas.microsoft.com/office/powerpoint/2015/main" xmlns="" val="1"/>
+                <p16:designElem xmlns:p16="http://schemas.microsoft.com/office/powerpoint/2015/main" val="1"/>
               </p:ext>
             </p:extLst>
           </p:nvPr>
@@ -6967,10 +6601,10 @@
           <p:cNvPr id="11" name="Rectangle 10">
             <a:extLst>
               <a:ext uri="{FF2B5EF4-FFF2-40B4-BE49-F238E27FC236}">
-                <a16:creationId xmlns:a16="http://schemas.microsoft.com/office/drawing/2014/main" xmlns="" id="{9822E561-F97C-4CBB-A9A6-A6BF6317BC84}"/>
+                <a16:creationId xmlns:a16="http://schemas.microsoft.com/office/drawing/2014/main" id="{9822E561-F97C-4CBB-A9A6-A6BF6317BC84}"/>
               </a:ext>
               <a:ext uri="{C183D7F6-B498-43B3-948B-1728B52AA6E4}">
-                <adec:decorative xmlns:adec="http://schemas.microsoft.com/office/drawing/2017/decorative" xmlns="" val="1"/>
+                <adec:decorative xmlns:adec="http://schemas.microsoft.com/office/drawing/2017/decorative" val="1"/>
               </a:ext>
             </a:extLst>
           </p:cNvPr>
@@ -6980,7 +6614,7 @@
           <p:nvPr>
             <p:extLst>
               <p:ext uri="{386F3935-93C4-4BCD-93E2-E3B085C9AB24}">
-                <p16:designElem xmlns:p16="http://schemas.microsoft.com/office/powerpoint/2015/main" xmlns="" val="1"/>
+                <p16:designElem xmlns:p16="http://schemas.microsoft.com/office/powerpoint/2015/main" val="1"/>
               </p:ext>
             </p:extLst>
           </p:nvPr>
@@ -7064,10 +6698,10 @@
           <p:cNvPr id="13" name="Rectangle 12">
             <a:extLst>
               <a:ext uri="{FF2B5EF4-FFF2-40B4-BE49-F238E27FC236}">
-                <a16:creationId xmlns:a16="http://schemas.microsoft.com/office/drawing/2014/main" xmlns="" id="{B01B0E58-A5C8-4CDA-A2E0-35DF94E59857}"/>
+                <a16:creationId xmlns:a16="http://schemas.microsoft.com/office/drawing/2014/main" id="{B01B0E58-A5C8-4CDA-A2E0-35DF94E59857}"/>
               </a:ext>
               <a:ext uri="{C183D7F6-B498-43B3-948B-1728B52AA6E4}">
-                <adec:decorative xmlns:adec="http://schemas.microsoft.com/office/drawing/2017/decorative" xmlns="" val="1"/>
+                <adec:decorative xmlns:adec="http://schemas.microsoft.com/office/drawing/2017/decorative" val="1"/>
               </a:ext>
             </a:extLst>
           </p:cNvPr>
@@ -7077,7 +6711,7 @@
           <p:nvPr>
             <p:extLst>
               <p:ext uri="{386F3935-93C4-4BCD-93E2-E3B085C9AB24}">
-                <p16:designElem xmlns:p16="http://schemas.microsoft.com/office/powerpoint/2015/main" xmlns="" val="1"/>
+                <p16:designElem xmlns:p16="http://schemas.microsoft.com/office/powerpoint/2015/main" val="1"/>
               </p:ext>
             </p:extLst>
           </p:nvPr>
@@ -7118,7 +6752,7 @@
           <p:cNvPr id="4" name="Picture 3">
             <a:extLst>
               <a:ext uri="{FF2B5EF4-FFF2-40B4-BE49-F238E27FC236}">
-                <a16:creationId xmlns:a16="http://schemas.microsoft.com/office/drawing/2014/main" xmlns="" id="{33832EFD-DEB3-4228-AFE9-F0F446A50070}"/>
+                <a16:creationId xmlns:a16="http://schemas.microsoft.com/office/drawing/2014/main" id="{33832EFD-DEB3-4228-AFE9-F0F446A50070}"/>
               </a:ext>
             </a:extLst>
           </p:cNvPr>
@@ -7144,10 +6778,10 @@
       </p:pic>
       <p:sp>
         <p:nvSpPr>
-          <p:cNvPr id="8" name="TextBox 7">
+          <p:cNvPr id="10" name="TextBox 9">
             <a:extLst>
               <a:ext uri="{FF2B5EF4-FFF2-40B4-BE49-F238E27FC236}">
-                <a16:creationId xmlns:a16="http://schemas.microsoft.com/office/drawing/2014/main" xmlns="" id="{B0421EE7-86ED-4EBB-8462-FA990D9C16C0}"/>
+                <a16:creationId xmlns:a16="http://schemas.microsoft.com/office/drawing/2014/main" id="{B69F2CBB-01BE-461D-8058-1A68DDB1481F}"/>
               </a:ext>
             </a:extLst>
           </p:cNvPr>
@@ -7156,8 +6790,8 @@
         </p:nvSpPr>
         <p:spPr>
           <a:xfrm>
-            <a:off x="4882551" y="353683"/>
-            <a:ext cx="5101086" cy="400110"/>
+            <a:off x="4724400" y="3200400"/>
+            <a:ext cx="2743200" cy="369332"/>
           </a:xfrm>
           <a:prstGeom prst="rect">
             <a:avLst/>
@@ -7173,23 +6807,17 @@
           </a:bodyPr>
           <a:lstStyle/>
           <a:p>
-            <a:r>
-              <a:rPr lang="en-US" sz="2000" b="1">
-                <a:solidFill>
-                  <a:srgbClr val="000000"/>
-                </a:solidFill>
-              </a:rPr>
-              <a:t>Problem statement</a:t>
-            </a:r>
-          </a:p>
-        </p:txBody>
-      </p:sp>
-      <p:sp>
-        <p:nvSpPr>
-          <p:cNvPr id="12" name="TextBox 11">
+            <a:pPr algn="l"/>
+            <a:endParaRPr lang="en-US"/>
+          </a:p>
+        </p:txBody>
+      </p:sp>
+      <p:sp>
+        <p:nvSpPr>
+          <p:cNvPr id="14" name="TextBox 13">
             <a:extLst>
               <a:ext uri="{FF2B5EF4-FFF2-40B4-BE49-F238E27FC236}">
-                <a16:creationId xmlns:a16="http://schemas.microsoft.com/office/drawing/2014/main" xmlns="" id="{9C4C2F35-ECE6-4864-9557-19D981303DFD}"/>
+                <a16:creationId xmlns:a16="http://schemas.microsoft.com/office/drawing/2014/main" id="{D429862F-72F6-4DDA-97F5-BB1C92F3180B}"/>
               </a:ext>
             </a:extLst>
           </p:cNvPr>
@@ -7198,8 +6826,8 @@
         </p:nvSpPr>
         <p:spPr>
           <a:xfrm>
-            <a:off x="4709124" y="870370"/>
-            <a:ext cx="6567577" cy="4339650"/>
+            <a:off x="4494363" y="971910"/>
+            <a:ext cx="5934973" cy="4524315"/>
           </a:xfrm>
           <a:prstGeom prst="rect">
             <a:avLst/>
@@ -7224,8 +6852,10 @@
                 <a:solidFill>
                   <a:schemeClr val="bg1"/>
                 </a:solidFill>
+                <a:ea typeface="+mn-lt"/>
+                <a:cs typeface="+mn-lt"/>
               </a:rPr>
-              <a:t>Currently there is no digital solution made for stockmen and their business. Most of them keep track of their business on the fly: Often they don't have a clear information of money invested and earned in their business</a:t>
+              <a:t>Currently this or similar kind of platform doesn't exist </a:t>
             </a:r>
           </a:p>
           <a:p>
@@ -7250,7 +6880,7 @@
                   <a:schemeClr val="bg1"/>
                 </a:solidFill>
               </a:rPr>
-              <a:t>It's difficult to find other stockmen and protentional business partners and information about them</a:t>
+              <a:t>There is no way to find other stockmen online</a:t>
             </a:r>
           </a:p>
           <a:p>
@@ -7265,43 +6895,70 @@
             </a:endParaRPr>
           </a:p>
           <a:p>
+            <a:endParaRPr lang="en-US">
+              <a:solidFill>
+                <a:schemeClr val="bg1"/>
+              </a:solidFill>
+            </a:endParaRPr>
+          </a:p>
+          <a:p>
+            <a:pPr marL="285750" indent="-285750">
+              <a:buFont typeface="Arial,Sans-Serif"/>
+              <a:buChar char="•"/>
+            </a:pPr>
+            <a:r>
+              <a:rPr lang="en-US">
+                <a:solidFill>
+                  <a:schemeClr val="bg1"/>
+                </a:solidFill>
+                <a:ea typeface="+mn-lt"/>
+                <a:cs typeface="+mn-lt"/>
+              </a:rPr>
+              <a:t>Digitalized interaction among stockmen is sometimes accomplished via Facebook</a:t>
+            </a:r>
+          </a:p>
+          <a:p>
             <a:pPr marL="285750" indent="-285750">
               <a:buFont typeface="Arial"/>
               <a:buChar char="•"/>
             </a:pPr>
-            <a:r>
-              <a:rPr lang="en-US">
-                <a:solidFill>
-                  <a:schemeClr val="bg1"/>
-                </a:solidFill>
-              </a:rPr>
-              <a:t>For stockmen having large number of animals is harder to keep track of the number </a:t>
-            </a:r>
+            <a:endParaRPr lang="en-US">
+              <a:solidFill>
+                <a:schemeClr val="bg1"/>
+              </a:solidFill>
+            </a:endParaRPr>
           </a:p>
           <a:p>
             <a:pPr marL="285750" indent="-285750">
               <a:buFont typeface="Arial"/>
               <a:buChar char="•"/>
             </a:pPr>
-            <a:endParaRPr lang="en-US">
-              <a:solidFill>
-                <a:schemeClr val="bg1"/>
-              </a:solidFill>
-            </a:endParaRPr>
+            <a:r>
+              <a:rPr lang="en-US">
+                <a:solidFill>
+                  <a:schemeClr val="bg1"/>
+                </a:solidFill>
+              </a:rPr>
+              <a:t>Based on research made in Serbia, highest level of using digital resources among stockmen is use of Excel sheet and formulas for calculations</a:t>
+            </a:r>
           </a:p>
           <a:p>
             <a:pPr marL="285750" indent="-285750">
               <a:buFont typeface="Arial"/>
               <a:buChar char="•"/>
             </a:pPr>
-            <a:r>
-              <a:rPr lang="en-US">
-                <a:solidFill>
-                  <a:schemeClr val="bg1"/>
-                </a:solidFill>
-              </a:rPr>
-              <a:t>Most of them aren't used to use computers at all</a:t>
-            </a:r>
+            <a:endParaRPr lang="en-US">
+              <a:solidFill>
+                <a:schemeClr val="bg1"/>
+              </a:solidFill>
+            </a:endParaRPr>
+          </a:p>
+          <a:p>
+            <a:endParaRPr lang="en-US">
+              <a:solidFill>
+                <a:schemeClr val="bg1"/>
+              </a:solidFill>
+            </a:endParaRPr>
           </a:p>
           <a:p>
             <a:pPr marL="285750" indent="-285750">
@@ -7315,57 +6972,24 @@
             </a:endParaRPr>
           </a:p>
           <a:p>
-            <a:endParaRPr lang="en-US" sz="1200">
+            <a:pPr marL="285750" indent="-285750">
+              <a:buFont typeface="Arial"/>
+              <a:buChar char="•"/>
+            </a:pPr>
+            <a:endParaRPr lang="en-US">
               <a:solidFill>
                 <a:schemeClr val="bg1"/>
               </a:solidFill>
             </a:endParaRPr>
           </a:p>
-          <a:p>
-            <a:endParaRPr lang="en-US" sz="1200">
-              <a:solidFill>
-                <a:schemeClr val="bg1"/>
-              </a:solidFill>
-            </a:endParaRPr>
-          </a:p>
-        </p:txBody>
-      </p:sp>
-      <p:pic>
-        <p:nvPicPr>
-          <p:cNvPr id="6" name="Picture 6" descr="A person sitting in a field&#10;&#10;Description generated with very high confidence">
+        </p:txBody>
+      </p:sp>
+      <p:sp>
+        <p:nvSpPr>
+          <p:cNvPr id="17" name="TextBox 16">
             <a:extLst>
               <a:ext uri="{FF2B5EF4-FFF2-40B4-BE49-F238E27FC236}">
-                <a16:creationId xmlns:a16="http://schemas.microsoft.com/office/drawing/2014/main" xmlns="" id="{FA62AF39-E333-4F6F-AB68-B6385249EEFC}"/>
-              </a:ext>
-            </a:extLst>
-          </p:cNvPr>
-          <p:cNvPicPr>
-            <a:picLocks noChangeAspect="1"/>
-          </p:cNvPicPr>
-          <p:nvPr/>
-        </p:nvPicPr>
-        <p:blipFill>
-          <a:blip r:embed="rId3"/>
-          <a:stretch>
-            <a:fillRect/>
-          </a:stretch>
-        </p:blipFill>
-        <p:spPr>
-          <a:xfrm>
-            <a:off x="425570" y="4124513"/>
-            <a:ext cx="3188898" cy="2232068"/>
-          </a:xfrm>
-          <a:prstGeom prst="rect">
-            <a:avLst/>
-          </a:prstGeom>
-        </p:spPr>
-      </p:pic>
-      <p:sp>
-        <p:nvSpPr>
-          <p:cNvPr id="3" name="TextBox 2">
-            <a:extLst>
-              <a:ext uri="{FF2B5EF4-FFF2-40B4-BE49-F238E27FC236}">
-                <a16:creationId xmlns:a16="http://schemas.microsoft.com/office/drawing/2014/main" xmlns="" id="{26917684-52A8-48E7-9CB2-4A42A6608A0B}"/>
+                <a16:creationId xmlns:a16="http://schemas.microsoft.com/office/drawing/2014/main" id="{B9598B4C-F027-445E-BF80-A8CB60E09677}"/>
               </a:ext>
             </a:extLst>
           </p:cNvPr>
@@ -7374,8 +6998,8 @@
         </p:nvSpPr>
         <p:spPr>
           <a:xfrm>
-            <a:off x="11266098" y="6262778"/>
-            <a:ext cx="715993" cy="369332"/>
+            <a:off x="4724400" y="396815"/>
+            <a:ext cx="6035614" cy="400110"/>
           </a:xfrm>
           <a:prstGeom prst="rect">
             <a:avLst/>
@@ -7391,9 +7015,51 @@
           </a:bodyPr>
           <a:lstStyle/>
           <a:p>
+            <a:r>
+              <a:rPr lang="en-US" sz="2000" b="1">
+                <a:solidFill>
+                  <a:srgbClr val="000000"/>
+                </a:solidFill>
+              </a:rPr>
+              <a:t>Existing solutions</a:t>
+            </a:r>
+          </a:p>
+        </p:txBody>
+      </p:sp>
+      <p:sp>
+        <p:nvSpPr>
+          <p:cNvPr id="3" name="TextBox 2">
+            <a:extLst>
+              <a:ext uri="{FF2B5EF4-FFF2-40B4-BE49-F238E27FC236}">
+                <a16:creationId xmlns:a16="http://schemas.microsoft.com/office/drawing/2014/main" id="{92C52986-02C6-4B20-9308-5F4006E28275}"/>
+              </a:ext>
+            </a:extLst>
+          </p:cNvPr>
+          <p:cNvSpPr txBox="1"/>
+          <p:nvPr/>
+        </p:nvSpPr>
+        <p:spPr>
+          <a:xfrm>
+            <a:off x="11266098" y="6291533"/>
+            <a:ext cx="715993" cy="369332"/>
+          </a:xfrm>
+          <a:prstGeom prst="rect">
+            <a:avLst/>
+          </a:prstGeom>
+          <a:noFill/>
+        </p:spPr>
+        <p:txBody>
+          <a:bodyPr rot="0" spcFirstLastPara="0" vertOverflow="overflow" horzOverflow="overflow" vert="horz" wrap="square" lIns="91440" tIns="45720" rIns="91440" bIns="45720" numCol="1" spcCol="0" rtlCol="0" fromWordArt="0" anchor="t" anchorCtr="0" forceAA="0" compatLnSpc="1">
+            <a:prstTxWarp prst="textNoShape">
+              <a:avLst/>
+            </a:prstTxWarp>
+            <a:spAutoFit/>
+          </a:bodyPr>
+          <a:lstStyle/>
+          <a:p>
             <a:pPr algn="l"/>
             <a:r>
-              <a:rPr lang="en-US">
+              <a:rPr lang="en-US" dirty="0">
                 <a:solidFill>
                   <a:srgbClr val="000000"/>
                 </a:solidFill>
@@ -7406,20 +7072,13 @@
     </p:spTree>
     <p:extLst>
       <p:ext uri="{BB962C8B-B14F-4D97-AF65-F5344CB8AC3E}">
-        <p14:creationId xmlns:p14="http://schemas.microsoft.com/office/powerpoint/2010/main" val="4284123916"/>
+        <p14:creationId xmlns:p14="http://schemas.microsoft.com/office/powerpoint/2010/main" val="3547533713"/>
       </p:ext>
     </p:extLst>
   </p:cSld>
   <p:clrMapOvr>
     <a:overrideClrMapping bg1="dk1" tx1="lt1" bg2="dk2" tx2="lt2" accent1="accent1" accent2="accent2" accent3="accent3" accent4="accent4" accent5="accent5" accent6="accent6" hlink="hlink" folHlink="folHlink"/>
   </p:clrMapOvr>
-  <p:timing>
-    <p:tnLst>
-      <p:par>
-        <p:cTn id="1" dur="indefinite" restart="never" nodeType="tmRoot"/>
-      </p:par>
-    </p:tnLst>
-  </p:timing>
 </p:sld>
 </file>
 
@@ -7453,10 +7112,10 @@
           <p:cNvPr id="9" name="Rectangle 8">
             <a:extLst>
               <a:ext uri="{FF2B5EF4-FFF2-40B4-BE49-F238E27FC236}">
-                <a16:creationId xmlns:a16="http://schemas.microsoft.com/office/drawing/2014/main" xmlns="" id="{E08D4B6A-8113-4DFB-B82E-B60CAC8E0A50}"/>
+                <a16:creationId xmlns:a16="http://schemas.microsoft.com/office/drawing/2014/main" id="{E08D4B6A-8113-4DFB-B82E-B60CAC8E0A50}"/>
               </a:ext>
               <a:ext uri="{C183D7F6-B498-43B3-948B-1728B52AA6E4}">
-                <adec:decorative xmlns:adec="http://schemas.microsoft.com/office/drawing/2017/decorative" xmlns="" val="1"/>
+                <adec:decorative xmlns:adec="http://schemas.microsoft.com/office/drawing/2017/decorative" val="1"/>
               </a:ext>
             </a:extLst>
           </p:cNvPr>
@@ -7466,7 +7125,7 @@
           <p:nvPr>
             <p:extLst>
               <p:ext uri="{386F3935-93C4-4BCD-93E2-E3B085C9AB24}">
-                <p16:designElem xmlns:p16="http://schemas.microsoft.com/office/powerpoint/2015/main" xmlns="" val="1"/>
+                <p16:designElem xmlns:p16="http://schemas.microsoft.com/office/powerpoint/2015/main" val="1"/>
               </p:ext>
             </p:extLst>
           </p:nvPr>
@@ -7545,10 +7204,10 @@
           <p:cNvPr id="11" name="Rectangle 10">
             <a:extLst>
               <a:ext uri="{FF2B5EF4-FFF2-40B4-BE49-F238E27FC236}">
-                <a16:creationId xmlns:a16="http://schemas.microsoft.com/office/drawing/2014/main" xmlns="" id="{9822E561-F97C-4CBB-A9A6-A6BF6317BC84}"/>
+                <a16:creationId xmlns:a16="http://schemas.microsoft.com/office/drawing/2014/main" id="{9822E561-F97C-4CBB-A9A6-A6BF6317BC84}"/>
               </a:ext>
               <a:ext uri="{C183D7F6-B498-43B3-948B-1728B52AA6E4}">
-                <adec:decorative xmlns:adec="http://schemas.microsoft.com/office/drawing/2017/decorative" xmlns="" val="1"/>
+                <adec:decorative xmlns:adec="http://schemas.microsoft.com/office/drawing/2017/decorative" val="1"/>
               </a:ext>
             </a:extLst>
           </p:cNvPr>
@@ -7558,7 +7217,7 @@
           <p:nvPr>
             <p:extLst>
               <p:ext uri="{386F3935-93C4-4BCD-93E2-E3B085C9AB24}">
-                <p16:designElem xmlns:p16="http://schemas.microsoft.com/office/powerpoint/2015/main" xmlns="" val="1"/>
+                <p16:designElem xmlns:p16="http://schemas.microsoft.com/office/powerpoint/2015/main" val="1"/>
               </p:ext>
             </p:extLst>
           </p:nvPr>
@@ -7642,10 +7301,10 @@
           <p:cNvPr id="13" name="Rectangle 12">
             <a:extLst>
               <a:ext uri="{FF2B5EF4-FFF2-40B4-BE49-F238E27FC236}">
-                <a16:creationId xmlns:a16="http://schemas.microsoft.com/office/drawing/2014/main" xmlns="" id="{B01B0E58-A5C8-4CDA-A2E0-35DF94E59857}"/>
+                <a16:creationId xmlns:a16="http://schemas.microsoft.com/office/drawing/2014/main" id="{B01B0E58-A5C8-4CDA-A2E0-35DF94E59857}"/>
               </a:ext>
               <a:ext uri="{C183D7F6-B498-43B3-948B-1728B52AA6E4}">
-                <adec:decorative xmlns:adec="http://schemas.microsoft.com/office/drawing/2017/decorative" xmlns="" val="1"/>
+                <adec:decorative xmlns:adec="http://schemas.microsoft.com/office/drawing/2017/decorative" val="1"/>
               </a:ext>
             </a:extLst>
           </p:cNvPr>
@@ -7655,7 +7314,7 @@
           <p:nvPr>
             <p:extLst>
               <p:ext uri="{386F3935-93C4-4BCD-93E2-E3B085C9AB24}">
-                <p16:designElem xmlns:p16="http://schemas.microsoft.com/office/powerpoint/2015/main" xmlns="" val="1"/>
+                <p16:designElem xmlns:p16="http://schemas.microsoft.com/office/powerpoint/2015/main" val="1"/>
               </p:ext>
             </p:extLst>
           </p:nvPr>
@@ -7696,7 +7355,7 @@
           <p:cNvPr id="4" name="Picture 3">
             <a:extLst>
               <a:ext uri="{FF2B5EF4-FFF2-40B4-BE49-F238E27FC236}">
-                <a16:creationId xmlns:a16="http://schemas.microsoft.com/office/drawing/2014/main" xmlns="" id="{33832EFD-DEB3-4228-AFE9-F0F446A50070}"/>
+                <a16:creationId xmlns:a16="http://schemas.microsoft.com/office/drawing/2014/main" id="{33832EFD-DEB3-4228-AFE9-F0F446A50070}"/>
               </a:ext>
             </a:extLst>
           </p:cNvPr>
@@ -7725,7 +7384,7 @@
           <p:cNvPr id="10" name="TextBox 9">
             <a:extLst>
               <a:ext uri="{FF2B5EF4-FFF2-40B4-BE49-F238E27FC236}">
-                <a16:creationId xmlns:a16="http://schemas.microsoft.com/office/drawing/2014/main" xmlns="" id="{B69F2CBB-01BE-461D-8058-1A68DDB1481F}"/>
+                <a16:creationId xmlns:a16="http://schemas.microsoft.com/office/drawing/2014/main" id="{B69F2CBB-01BE-461D-8058-1A68DDB1481F}"/>
               </a:ext>
             </a:extLst>
           </p:cNvPr>
@@ -7761,7 +7420,7 @@
           <p:cNvPr id="14" name="TextBox 13">
             <a:extLst>
               <a:ext uri="{FF2B5EF4-FFF2-40B4-BE49-F238E27FC236}">
-                <a16:creationId xmlns:a16="http://schemas.microsoft.com/office/drawing/2014/main" xmlns="" id="{D429862F-72F6-4DDA-97F5-BB1C92F3180B}"/>
+                <a16:creationId xmlns:a16="http://schemas.microsoft.com/office/drawing/2014/main" id="{D429862F-72F6-4DDA-97F5-BB1C92F3180B}"/>
               </a:ext>
             </a:extLst>
           </p:cNvPr>
@@ -7771,7 +7430,7 @@
         <p:spPr>
           <a:xfrm>
             <a:off x="4494363" y="971910"/>
-            <a:ext cx="5934973" cy="4524315"/>
+            <a:ext cx="5934973" cy="2308324"/>
           </a:xfrm>
           <a:prstGeom prst="rect">
             <a:avLst/>
@@ -7796,10 +7455,8 @@
                 <a:solidFill>
                   <a:schemeClr val="bg1"/>
                 </a:solidFill>
-                <a:ea typeface="+mn-lt"/>
-                <a:cs typeface="+mn-lt"/>
               </a:rPr>
-              <a:t>Currently this or similar kind of platform doesn't exist </a:t>
+              <a:t>Platform for supporting stockmen in animal husbandry</a:t>
             </a:r>
           </a:p>
           <a:p>
@@ -7814,18 +7471,29 @@
             </a:endParaRPr>
           </a:p>
           <a:p>
+            <a:endParaRPr lang="en-US">
+              <a:solidFill>
+                <a:schemeClr val="bg1"/>
+              </a:solidFill>
+            </a:endParaRPr>
+          </a:p>
+          <a:p>
             <a:pPr marL="285750" indent="-285750">
               <a:buFont typeface="Arial"/>
               <a:buChar char="•"/>
             </a:pPr>
-            <a:r>
-              <a:rPr lang="en-US">
-                <a:solidFill>
-                  <a:schemeClr val="bg1"/>
-                </a:solidFill>
-              </a:rPr>
-              <a:t>There is no way to find other stockmen online</a:t>
-            </a:r>
+            <a:endParaRPr lang="en-US">
+              <a:solidFill>
+                <a:schemeClr val="bg1"/>
+              </a:solidFill>
+            </a:endParaRPr>
+          </a:p>
+          <a:p>
+            <a:endParaRPr lang="en-US">
+              <a:solidFill>
+                <a:schemeClr val="bg1"/>
+              </a:solidFill>
+            </a:endParaRPr>
           </a:p>
           <a:p>
             <a:pPr marL="285750" indent="-285750">
@@ -7839,29 +7507,6 @@
             </a:endParaRPr>
           </a:p>
           <a:p>
-            <a:endParaRPr lang="en-US">
-              <a:solidFill>
-                <a:schemeClr val="bg1"/>
-              </a:solidFill>
-            </a:endParaRPr>
-          </a:p>
-          <a:p>
-            <a:pPr marL="285750" indent="-285750">
-              <a:buFont typeface="Arial,Sans-Serif"/>
-              <a:buChar char="•"/>
-            </a:pPr>
-            <a:r>
-              <a:rPr lang="en-US">
-                <a:solidFill>
-                  <a:schemeClr val="bg1"/>
-                </a:solidFill>
-                <a:ea typeface="+mn-lt"/>
-                <a:cs typeface="+mn-lt"/>
-              </a:rPr>
-              <a:t>Digitalized interaction among stockmen is sometimes accomplished via Facebook</a:t>
-            </a:r>
-          </a:p>
-          <a:p>
             <a:pPr marL="285750" indent="-285750">
               <a:buFont typeface="Arial"/>
               <a:buChar char="•"/>
@@ -7872,60 +7517,6 @@
               </a:solidFill>
             </a:endParaRPr>
           </a:p>
-          <a:p>
-            <a:pPr marL="285750" indent="-285750">
-              <a:buFont typeface="Arial"/>
-              <a:buChar char="•"/>
-            </a:pPr>
-            <a:r>
-              <a:rPr lang="en-US">
-                <a:solidFill>
-                  <a:schemeClr val="bg1"/>
-                </a:solidFill>
-              </a:rPr>
-              <a:t>Based on research made in Serbia, highest level of using digital resources among stockmen is use of Excel sheet and formulas for calculations</a:t>
-            </a:r>
-          </a:p>
-          <a:p>
-            <a:pPr marL="285750" indent="-285750">
-              <a:buFont typeface="Arial"/>
-              <a:buChar char="•"/>
-            </a:pPr>
-            <a:endParaRPr lang="en-US">
-              <a:solidFill>
-                <a:schemeClr val="bg1"/>
-              </a:solidFill>
-            </a:endParaRPr>
-          </a:p>
-          <a:p>
-            <a:endParaRPr lang="en-US">
-              <a:solidFill>
-                <a:schemeClr val="bg1"/>
-              </a:solidFill>
-            </a:endParaRPr>
-          </a:p>
-          <a:p>
-            <a:pPr marL="285750" indent="-285750">
-              <a:buFont typeface="Arial"/>
-              <a:buChar char="•"/>
-            </a:pPr>
-            <a:endParaRPr lang="en-US">
-              <a:solidFill>
-                <a:schemeClr val="bg1"/>
-              </a:solidFill>
-            </a:endParaRPr>
-          </a:p>
-          <a:p>
-            <a:pPr marL="285750" indent="-285750">
-              <a:buFont typeface="Arial"/>
-              <a:buChar char="•"/>
-            </a:pPr>
-            <a:endParaRPr lang="en-US">
-              <a:solidFill>
-                <a:schemeClr val="bg1"/>
-              </a:solidFill>
-            </a:endParaRPr>
-          </a:p>
         </p:txBody>
       </p:sp>
       <p:sp>
@@ -7933,7 +7524,7 @@
           <p:cNvPr id="17" name="TextBox 16">
             <a:extLst>
               <a:ext uri="{FF2B5EF4-FFF2-40B4-BE49-F238E27FC236}">
-                <a16:creationId xmlns:a16="http://schemas.microsoft.com/office/drawing/2014/main" xmlns="" id="{B9598B4C-F027-445E-BF80-A8CB60E09677}"/>
+                <a16:creationId xmlns:a16="http://schemas.microsoft.com/office/drawing/2014/main" id="{B9598B4C-F027-445E-BF80-A8CB60E09677}"/>
               </a:ext>
             </a:extLst>
           </p:cNvPr>
@@ -7965,17 +7556,47 @@
                   <a:srgbClr val="000000"/>
                 </a:solidFill>
               </a:rPr>
-              <a:t>Existing solutions</a:t>
-            </a:r>
-          </a:p>
-        </p:txBody>
-      </p:sp>
-      <p:sp>
-        <p:nvSpPr>
-          <p:cNvPr id="3" name="TextBox 2">
+              <a:t>Proposed solutions</a:t>
+            </a:r>
+          </a:p>
+        </p:txBody>
+      </p:sp>
+      <p:pic>
+        <p:nvPicPr>
+          <p:cNvPr id="3" name="Picture 4" descr="A computer sitting on top of a table&#10;&#10;Description generated with very high confidence">
             <a:extLst>
               <a:ext uri="{FF2B5EF4-FFF2-40B4-BE49-F238E27FC236}">
-                <a16:creationId xmlns:a16="http://schemas.microsoft.com/office/drawing/2014/main" xmlns="" id="{92C52986-02C6-4B20-9308-5F4006E28275}"/>
+                <a16:creationId xmlns:a16="http://schemas.microsoft.com/office/drawing/2014/main" id="{431DCA1C-B813-4319-823F-9074C7481C5B}"/>
+              </a:ext>
+            </a:extLst>
+          </p:cNvPr>
+          <p:cNvPicPr>
+            <a:picLocks noChangeAspect="1"/>
+          </p:cNvPicPr>
+          <p:nvPr/>
+        </p:nvPicPr>
+        <p:blipFill>
+          <a:blip r:embed="rId3"/>
+          <a:stretch>
+            <a:fillRect/>
+          </a:stretch>
+        </p:blipFill>
+        <p:spPr>
+          <a:xfrm>
+            <a:off x="4825042" y="2012112"/>
+            <a:ext cx="6093123" cy="3825814"/>
+          </a:xfrm>
+          <a:prstGeom prst="rect">
+            <a:avLst/>
+          </a:prstGeom>
+        </p:spPr>
+      </p:pic>
+      <p:sp>
+        <p:nvSpPr>
+          <p:cNvPr id="5" name="TextBox 4">
+            <a:extLst>
+              <a:ext uri="{FF2B5EF4-FFF2-40B4-BE49-F238E27FC236}">
+                <a16:creationId xmlns:a16="http://schemas.microsoft.com/office/drawing/2014/main" id="{C71CCCE7-5731-4025-942C-081E7F6E8C49}"/>
               </a:ext>
             </a:extLst>
           </p:cNvPr>
@@ -7984,7 +7605,7 @@
         </p:nvSpPr>
         <p:spPr>
           <a:xfrm>
-            <a:off x="11266098" y="6291533"/>
+            <a:off x="11309230" y="6320287"/>
             <a:ext cx="715993" cy="369332"/>
           </a:xfrm>
           <a:prstGeom prst="rect">
@@ -8003,7 +7624,7 @@
           <a:p>
             <a:pPr algn="l"/>
             <a:r>
-              <a:rPr lang="en-US">
+              <a:rPr lang="en-US" dirty="0">
                 <a:solidFill>
                   <a:srgbClr val="000000"/>
                 </a:solidFill>
@@ -8016,20 +7637,13 @@
     </p:spTree>
     <p:extLst>
       <p:ext uri="{BB962C8B-B14F-4D97-AF65-F5344CB8AC3E}">
-        <p14:creationId xmlns:p14="http://schemas.microsoft.com/office/powerpoint/2010/main" val="3547533713"/>
+        <p14:creationId xmlns:p14="http://schemas.microsoft.com/office/powerpoint/2010/main" val="568274374"/>
       </p:ext>
     </p:extLst>
   </p:cSld>
   <p:clrMapOvr>
     <a:overrideClrMapping bg1="dk1" tx1="lt1" bg2="dk2" tx2="lt2" accent1="accent1" accent2="accent2" accent3="accent3" accent4="accent4" accent5="accent5" accent6="accent6" hlink="hlink" folHlink="folHlink"/>
   </p:clrMapOvr>
-  <p:timing>
-    <p:tnLst>
-      <p:par>
-        <p:cTn id="1" dur="indefinite" restart="never" nodeType="tmRoot"/>
-      </p:par>
-    </p:tnLst>
-  </p:timing>
 </p:sld>
 </file>
 
@@ -8063,10 +7677,10 @@
           <p:cNvPr id="9" name="Rectangle 8">
             <a:extLst>
               <a:ext uri="{FF2B5EF4-FFF2-40B4-BE49-F238E27FC236}">
-                <a16:creationId xmlns:a16="http://schemas.microsoft.com/office/drawing/2014/main" xmlns="" id="{E08D4B6A-8113-4DFB-B82E-B60CAC8E0A50}"/>
+                <a16:creationId xmlns:a16="http://schemas.microsoft.com/office/drawing/2014/main" id="{E08D4B6A-8113-4DFB-B82E-B60CAC8E0A50}"/>
               </a:ext>
               <a:ext uri="{C183D7F6-B498-43B3-948B-1728B52AA6E4}">
-                <adec:decorative xmlns:adec="http://schemas.microsoft.com/office/drawing/2017/decorative" xmlns="" val="1"/>
+                <adec:decorative xmlns:adec="http://schemas.microsoft.com/office/drawing/2017/decorative" val="1"/>
               </a:ext>
             </a:extLst>
           </p:cNvPr>
@@ -8076,7 +7690,7 @@
           <p:nvPr>
             <p:extLst>
               <p:ext uri="{386F3935-93C4-4BCD-93E2-E3B085C9AB24}">
-                <p16:designElem xmlns:p16="http://schemas.microsoft.com/office/powerpoint/2015/main" xmlns="" val="1"/>
+                <p16:designElem xmlns:p16="http://schemas.microsoft.com/office/powerpoint/2015/main" val="1"/>
               </p:ext>
             </p:extLst>
           </p:nvPr>
@@ -8155,10 +7769,10 @@
           <p:cNvPr id="11" name="Rectangle 10">
             <a:extLst>
               <a:ext uri="{FF2B5EF4-FFF2-40B4-BE49-F238E27FC236}">
-                <a16:creationId xmlns:a16="http://schemas.microsoft.com/office/drawing/2014/main" xmlns="" id="{9822E561-F97C-4CBB-A9A6-A6BF6317BC84}"/>
+                <a16:creationId xmlns:a16="http://schemas.microsoft.com/office/drawing/2014/main" id="{9822E561-F97C-4CBB-A9A6-A6BF6317BC84}"/>
               </a:ext>
               <a:ext uri="{C183D7F6-B498-43B3-948B-1728B52AA6E4}">
-                <adec:decorative xmlns:adec="http://schemas.microsoft.com/office/drawing/2017/decorative" xmlns="" val="1"/>
+                <adec:decorative xmlns:adec="http://schemas.microsoft.com/office/drawing/2017/decorative" val="1"/>
               </a:ext>
             </a:extLst>
           </p:cNvPr>
@@ -8168,7 +7782,7 @@
           <p:nvPr>
             <p:extLst>
               <p:ext uri="{386F3935-93C4-4BCD-93E2-E3B085C9AB24}">
-                <p16:designElem xmlns:p16="http://schemas.microsoft.com/office/powerpoint/2015/main" xmlns="" val="1"/>
+                <p16:designElem xmlns:p16="http://schemas.microsoft.com/office/powerpoint/2015/main" val="1"/>
               </p:ext>
             </p:extLst>
           </p:nvPr>
@@ -8252,10 +7866,10 @@
           <p:cNvPr id="13" name="Rectangle 12">
             <a:extLst>
               <a:ext uri="{FF2B5EF4-FFF2-40B4-BE49-F238E27FC236}">
-                <a16:creationId xmlns:a16="http://schemas.microsoft.com/office/drawing/2014/main" xmlns="" id="{B01B0E58-A5C8-4CDA-A2E0-35DF94E59857}"/>
+                <a16:creationId xmlns:a16="http://schemas.microsoft.com/office/drawing/2014/main" id="{B01B0E58-A5C8-4CDA-A2E0-35DF94E59857}"/>
               </a:ext>
               <a:ext uri="{C183D7F6-B498-43B3-948B-1728B52AA6E4}">
-                <adec:decorative xmlns:adec="http://schemas.microsoft.com/office/drawing/2017/decorative" xmlns="" val="1"/>
+                <adec:decorative xmlns:adec="http://schemas.microsoft.com/office/drawing/2017/decorative" val="1"/>
               </a:ext>
             </a:extLst>
           </p:cNvPr>
@@ -8265,7 +7879,7 @@
           <p:nvPr>
             <p:extLst>
               <p:ext uri="{386F3935-93C4-4BCD-93E2-E3B085C9AB24}">
-                <p16:designElem xmlns:p16="http://schemas.microsoft.com/office/powerpoint/2015/main" xmlns="" val="1"/>
+                <p16:designElem xmlns:p16="http://schemas.microsoft.com/office/powerpoint/2015/main" val="1"/>
               </p:ext>
             </p:extLst>
           </p:nvPr>
@@ -8306,7 +7920,7 @@
           <p:cNvPr id="4" name="Picture 3">
             <a:extLst>
               <a:ext uri="{FF2B5EF4-FFF2-40B4-BE49-F238E27FC236}">
-                <a16:creationId xmlns:a16="http://schemas.microsoft.com/office/drawing/2014/main" xmlns="" id="{33832EFD-DEB3-4228-AFE9-F0F446A50070}"/>
+                <a16:creationId xmlns:a16="http://schemas.microsoft.com/office/drawing/2014/main" id="{33832EFD-DEB3-4228-AFE9-F0F446A50070}"/>
               </a:ext>
             </a:extLst>
           </p:cNvPr>
@@ -8335,7 +7949,7 @@
           <p:cNvPr id="10" name="TextBox 9">
             <a:extLst>
               <a:ext uri="{FF2B5EF4-FFF2-40B4-BE49-F238E27FC236}">
-                <a16:creationId xmlns:a16="http://schemas.microsoft.com/office/drawing/2014/main" xmlns="" id="{B69F2CBB-01BE-461D-8058-1A68DDB1481F}"/>
+                <a16:creationId xmlns:a16="http://schemas.microsoft.com/office/drawing/2014/main" id="{B69F2CBB-01BE-461D-8058-1A68DDB1481F}"/>
               </a:ext>
             </a:extLst>
           </p:cNvPr>
@@ -8371,7 +7985,7 @@
           <p:cNvPr id="14" name="TextBox 13">
             <a:extLst>
               <a:ext uri="{FF2B5EF4-FFF2-40B4-BE49-F238E27FC236}">
-                <a16:creationId xmlns:a16="http://schemas.microsoft.com/office/drawing/2014/main" xmlns="" id="{D429862F-72F6-4DDA-97F5-BB1C92F3180B}"/>
+                <a16:creationId xmlns:a16="http://schemas.microsoft.com/office/drawing/2014/main" id="{D429862F-72F6-4DDA-97F5-BB1C92F3180B}"/>
               </a:ext>
             </a:extLst>
           </p:cNvPr>
@@ -8380,8 +7994,8 @@
         </p:nvSpPr>
         <p:spPr>
           <a:xfrm>
-            <a:off x="4494363" y="971910"/>
-            <a:ext cx="5934973" cy="2308324"/>
+            <a:off x="4206816" y="770627"/>
+            <a:ext cx="7401463" cy="2308324"/>
           </a:xfrm>
           <a:prstGeom prst="rect">
             <a:avLst/>
@@ -8401,14 +8015,11 @@
               <a:buFont typeface="Arial"/>
               <a:buChar char="•"/>
             </a:pPr>
-            <a:r>
-              <a:rPr lang="en-US">
-                <a:solidFill>
-                  <a:schemeClr val="bg1"/>
-                </a:solidFill>
-              </a:rPr>
-              <a:t>Platform for supporting stockmen in animal husbandry</a:t>
-            </a:r>
+            <a:endParaRPr lang="en-US">
+              <a:solidFill>
+                <a:schemeClr val="bg1"/>
+              </a:solidFill>
+            </a:endParaRPr>
           </a:p>
           <a:p>
             <a:pPr marL="285750" indent="-285750">
@@ -8422,13 +8033,6 @@
             </a:endParaRPr>
           </a:p>
           <a:p>
-            <a:endParaRPr lang="en-US">
-              <a:solidFill>
-                <a:schemeClr val="bg1"/>
-              </a:solidFill>
-            </a:endParaRPr>
-          </a:p>
-          <a:p>
             <a:pPr marL="285750" indent="-285750">
               <a:buFont typeface="Arial"/>
               <a:buChar char="•"/>
@@ -8458,6 +8062,13 @@
             </a:endParaRPr>
           </a:p>
           <a:p>
+            <a:endParaRPr lang="en-US">
+              <a:solidFill>
+                <a:schemeClr val="bg1"/>
+              </a:solidFill>
+            </a:endParaRPr>
+          </a:p>
+          <a:p>
             <a:pPr marL="285750" indent="-285750">
               <a:buFont typeface="Arial"/>
               <a:buChar char="•"/>
@@ -8468,6 +8079,17 @@
               </a:solidFill>
             </a:endParaRPr>
           </a:p>
+          <a:p>
+            <a:pPr marL="285750" indent="-285750">
+              <a:buFont typeface="Arial"/>
+              <a:buChar char="•"/>
+            </a:pPr>
+            <a:endParaRPr lang="en-US">
+              <a:solidFill>
+                <a:schemeClr val="bg1"/>
+              </a:solidFill>
+            </a:endParaRPr>
+          </a:p>
         </p:txBody>
       </p:sp>
       <p:sp>
@@ -8475,7 +8097,7 @@
           <p:cNvPr id="17" name="TextBox 16">
             <a:extLst>
               <a:ext uri="{FF2B5EF4-FFF2-40B4-BE49-F238E27FC236}">
-                <a16:creationId xmlns:a16="http://schemas.microsoft.com/office/drawing/2014/main" xmlns="" id="{B9598B4C-F027-445E-BF80-A8CB60E09677}"/>
+                <a16:creationId xmlns:a16="http://schemas.microsoft.com/office/drawing/2014/main" id="{B9598B4C-F027-445E-BF80-A8CB60E09677}"/>
               </a:ext>
             </a:extLst>
           </p:cNvPr>
@@ -8484,8 +8106,8 @@
         </p:nvSpPr>
         <p:spPr>
           <a:xfrm>
-            <a:off x="4724400" y="396815"/>
-            <a:ext cx="6035614" cy="400110"/>
+            <a:off x="4307457" y="238664"/>
+            <a:ext cx="6035614" cy="3877985"/>
           </a:xfrm>
           <a:prstGeom prst="rect">
             <a:avLst/>
@@ -8507,17 +8129,215 @@
                   <a:srgbClr val="000000"/>
                 </a:solidFill>
               </a:rPr>
-              <a:t>Proposed solutions</a:t>
-            </a:r>
+              <a:t>The overall strategy of the work plan</a:t>
+            </a:r>
+          </a:p>
+          <a:p>
+            <a:endParaRPr lang="en-US" sz="1600" b="1">
+              <a:solidFill>
+                <a:srgbClr val="000000"/>
+              </a:solidFill>
+            </a:endParaRPr>
+          </a:p>
+          <a:p>
+            <a:r>
+              <a:rPr lang="en-US" sz="1600" b="1">
+                <a:solidFill>
+                  <a:srgbClr val="000000"/>
+                </a:solidFill>
+              </a:rPr>
+              <a:t>The project is oganized in 9 work packages as follows:</a:t>
+            </a:r>
+          </a:p>
+          <a:p>
+            <a:endParaRPr lang="en-US"/>
+          </a:p>
+          <a:p>
+            <a:r>
+              <a:rPr lang="en-US" sz="1400">
+                <a:solidFill>
+                  <a:schemeClr val="bg1"/>
+                </a:solidFill>
+                <a:ea typeface="+mn-lt"/>
+                <a:cs typeface="+mn-lt"/>
+              </a:rPr>
+              <a:t>WP0 - Project management</a:t>
+            </a:r>
+            <a:endParaRPr lang="en-US" sz="1400">
+              <a:solidFill>
+                <a:schemeClr val="bg1"/>
+              </a:solidFill>
+            </a:endParaRPr>
+          </a:p>
+          <a:p>
+            <a:r>
+              <a:rPr lang="en-US" sz="1400">
+                <a:solidFill>
+                  <a:schemeClr val="bg1"/>
+                </a:solidFill>
+                <a:ea typeface="+mn-lt"/>
+                <a:cs typeface="+mn-lt"/>
+              </a:rPr>
+              <a:t>WP1 - Research and introduction</a:t>
+            </a:r>
+            <a:endParaRPr lang="en-US" sz="1400">
+              <a:solidFill>
+                <a:schemeClr val="bg1"/>
+              </a:solidFill>
+            </a:endParaRPr>
+          </a:p>
+          <a:p>
+            <a:r>
+              <a:rPr lang="en-US" sz="1400">
+                <a:solidFill>
+                  <a:schemeClr val="bg1"/>
+                </a:solidFill>
+                <a:ea typeface="+mn-lt"/>
+                <a:cs typeface="+mn-lt"/>
+              </a:rPr>
+              <a:t>WP2 - System research</a:t>
+            </a:r>
+            <a:endParaRPr lang="en-US" sz="1400">
+              <a:solidFill>
+                <a:schemeClr val="bg1"/>
+              </a:solidFill>
+            </a:endParaRPr>
+          </a:p>
+          <a:p>
+            <a:r>
+              <a:rPr lang="en-US" sz="1400">
+                <a:solidFill>
+                  <a:schemeClr val="bg1"/>
+                </a:solidFill>
+                <a:ea typeface="+mn-lt"/>
+                <a:cs typeface="+mn-lt"/>
+              </a:rPr>
+              <a:t>WP3 - Projecting the system and preparing for the implementation</a:t>
+            </a:r>
+            <a:endParaRPr lang="en-US" sz="1400">
+              <a:solidFill>
+                <a:schemeClr val="bg1"/>
+              </a:solidFill>
+            </a:endParaRPr>
+          </a:p>
+          <a:p>
+            <a:r>
+              <a:rPr lang="en-US" sz="1400">
+                <a:solidFill>
+                  <a:schemeClr val="bg1"/>
+                </a:solidFill>
+                <a:ea typeface="+mn-lt"/>
+                <a:cs typeface="+mn-lt"/>
+              </a:rPr>
+              <a:t>WP4 - Building a database</a:t>
+            </a:r>
+            <a:endParaRPr lang="en-US" sz="1400">
+              <a:solidFill>
+                <a:schemeClr val="bg1"/>
+              </a:solidFill>
+            </a:endParaRPr>
+          </a:p>
+          <a:p>
+            <a:r>
+              <a:rPr lang="en-US" sz="1400">
+                <a:solidFill>
+                  <a:schemeClr val="bg1"/>
+                </a:solidFill>
+                <a:ea typeface="+mn-lt"/>
+                <a:cs typeface="+mn-lt"/>
+              </a:rPr>
+              <a:t>WP5 - Development of system architecture </a:t>
+            </a:r>
+            <a:endParaRPr lang="en-US" sz="1400">
+              <a:solidFill>
+                <a:schemeClr val="bg1"/>
+              </a:solidFill>
+            </a:endParaRPr>
+          </a:p>
+          <a:p>
+            <a:r>
+              <a:rPr lang="en-US" sz="1400">
+                <a:solidFill>
+                  <a:schemeClr val="bg1"/>
+                </a:solidFill>
+                <a:ea typeface="+mn-lt"/>
+                <a:cs typeface="+mn-lt"/>
+              </a:rPr>
+              <a:t>WP6 - User acceptance test</a:t>
+            </a:r>
+            <a:endParaRPr lang="en-US" sz="1400">
+              <a:solidFill>
+                <a:schemeClr val="bg1"/>
+              </a:solidFill>
+            </a:endParaRPr>
+          </a:p>
+          <a:p>
+            <a:r>
+              <a:rPr lang="en-US" sz="1400">
+                <a:solidFill>
+                  <a:schemeClr val="bg1"/>
+                </a:solidFill>
+                <a:ea typeface="+mn-lt"/>
+                <a:cs typeface="+mn-lt"/>
+              </a:rPr>
+              <a:t>WP7 - Extended support</a:t>
+            </a:r>
+            <a:endParaRPr lang="en-US" sz="1400">
+              <a:solidFill>
+                <a:schemeClr val="bg1"/>
+              </a:solidFill>
+            </a:endParaRPr>
+          </a:p>
+          <a:p>
+            <a:r>
+              <a:rPr lang="en-US" sz="1400">
+                <a:solidFill>
+                  <a:schemeClr val="bg1"/>
+                </a:solidFill>
+                <a:ea typeface="+mn-lt"/>
+                <a:cs typeface="+mn-lt"/>
+              </a:rPr>
+              <a:t>WP8 - Performing education and media campaigns</a:t>
+            </a:r>
+            <a:endParaRPr lang="en-US" sz="1400">
+              <a:solidFill>
+                <a:schemeClr val="bg1"/>
+              </a:solidFill>
+            </a:endParaRPr>
+          </a:p>
+          <a:p>
+            <a:endParaRPr lang="en-US" sz="1600" b="1">
+              <a:solidFill>
+                <a:srgbClr val="000000"/>
+              </a:solidFill>
+            </a:endParaRPr>
+          </a:p>
+          <a:p>
+            <a:endParaRPr lang="en-US" sz="1600" b="1">
+              <a:solidFill>
+                <a:srgbClr val="000000"/>
+              </a:solidFill>
+            </a:endParaRPr>
+          </a:p>
+          <a:p>
+            <a:pPr marL="285750" indent="-285750">
+              <a:buFont typeface="Arial"/>
+              <a:buChar char="•"/>
+            </a:pPr>
+            <a:endParaRPr lang="en-US" sz="1600" b="1">
+              <a:solidFill>
+                <a:srgbClr val="000000"/>
+              </a:solidFill>
+            </a:endParaRPr>
           </a:p>
         </p:txBody>
       </p:sp>
       <p:pic>
         <p:nvPicPr>
-          <p:cNvPr id="3" name="Picture 4" descr="A computer sitting on top of a table&#10;&#10;Description generated with very high confidence">
+          <p:cNvPr id="5" name="Picture 5" descr="A picture containing game, field, man&#10;&#10;Description generated with very high confidence">
             <a:extLst>
               <a:ext uri="{FF2B5EF4-FFF2-40B4-BE49-F238E27FC236}">
-                <a16:creationId xmlns:a16="http://schemas.microsoft.com/office/drawing/2014/main" xmlns="" id="{431DCA1C-B813-4319-823F-9074C7481C5B}"/>
+                <a16:creationId xmlns:a16="http://schemas.microsoft.com/office/drawing/2014/main" id="{F60D71CC-86C6-479D-9681-746F64CD6D39}"/>
               </a:ext>
             </a:extLst>
           </p:cNvPr>
@@ -8534,8 +8354,8 @@
         </p:blipFill>
         <p:spPr>
           <a:xfrm>
-            <a:off x="4825042" y="2012112"/>
-            <a:ext cx="6093123" cy="3825814"/>
+            <a:off x="4350589" y="3565775"/>
+            <a:ext cx="6725727" cy="3148262"/>
           </a:xfrm>
           <a:prstGeom prst="rect">
             <a:avLst/>
@@ -8544,10 +8364,10 @@
       </p:pic>
       <p:sp>
         <p:nvSpPr>
-          <p:cNvPr id="5" name="TextBox 4">
+          <p:cNvPr id="8" name="TextBox 7">
             <a:extLst>
               <a:ext uri="{FF2B5EF4-FFF2-40B4-BE49-F238E27FC236}">
-                <a16:creationId xmlns:a16="http://schemas.microsoft.com/office/drawing/2014/main" xmlns="" id="{C71CCCE7-5731-4025-942C-081E7F6E8C49}"/>
+                <a16:creationId xmlns:a16="http://schemas.microsoft.com/office/drawing/2014/main" id="{92854897-6FBF-4FB6-B4D4-010B9BCC29DC}"/>
               </a:ext>
             </a:extLst>
           </p:cNvPr>
@@ -8556,7 +8376,7 @@
         </p:nvSpPr>
         <p:spPr>
           <a:xfrm>
-            <a:off x="11309230" y="6320287"/>
+            <a:off x="11323607" y="6262778"/>
             <a:ext cx="715993" cy="369332"/>
           </a:xfrm>
           <a:prstGeom prst="rect">
@@ -8588,20 +8408,13 @@
     </p:spTree>
     <p:extLst>
       <p:ext uri="{BB962C8B-B14F-4D97-AF65-F5344CB8AC3E}">
-        <p14:creationId xmlns:p14="http://schemas.microsoft.com/office/powerpoint/2010/main" val="568274374"/>
+        <p14:creationId xmlns:p14="http://schemas.microsoft.com/office/powerpoint/2010/main" val="423041095"/>
       </p:ext>
     </p:extLst>
   </p:cSld>
   <p:clrMapOvr>
     <a:overrideClrMapping bg1="dk1" tx1="lt1" bg2="dk2" tx2="lt2" accent1="accent1" accent2="accent2" accent3="accent3" accent4="accent4" accent5="accent5" accent6="accent6" hlink="hlink" folHlink="folHlink"/>
   </p:clrMapOvr>
-  <p:timing>
-    <p:tnLst>
-      <p:par>
-        <p:cTn id="1" dur="indefinite" restart="never" nodeType="tmRoot"/>
-      </p:par>
-    </p:tnLst>
-  </p:timing>
 </p:sld>
 </file>
 
@@ -8635,10 +8448,10 @@
           <p:cNvPr id="9" name="Rectangle 8">
             <a:extLst>
               <a:ext uri="{FF2B5EF4-FFF2-40B4-BE49-F238E27FC236}">
-                <a16:creationId xmlns:a16="http://schemas.microsoft.com/office/drawing/2014/main" xmlns="" id="{E08D4B6A-8113-4DFB-B82E-B60CAC8E0A50}"/>
+                <a16:creationId xmlns:a16="http://schemas.microsoft.com/office/drawing/2014/main" id="{E08D4B6A-8113-4DFB-B82E-B60CAC8E0A50}"/>
               </a:ext>
               <a:ext uri="{C183D7F6-B498-43B3-948B-1728B52AA6E4}">
-                <adec:decorative xmlns:adec="http://schemas.microsoft.com/office/drawing/2017/decorative" xmlns="" val="1"/>
+                <adec:decorative xmlns:adec="http://schemas.microsoft.com/office/drawing/2017/decorative" val="1"/>
               </a:ext>
             </a:extLst>
           </p:cNvPr>
@@ -8648,7 +8461,7 @@
           <p:nvPr>
             <p:extLst>
               <p:ext uri="{386F3935-93C4-4BCD-93E2-E3B085C9AB24}">
-                <p16:designElem xmlns:p16="http://schemas.microsoft.com/office/powerpoint/2015/main" xmlns="" val="1"/>
+                <p16:designElem xmlns:p16="http://schemas.microsoft.com/office/powerpoint/2015/main" val="1"/>
               </p:ext>
             </p:extLst>
           </p:nvPr>
@@ -8727,10 +8540,10 @@
           <p:cNvPr id="11" name="Rectangle 10">
             <a:extLst>
               <a:ext uri="{FF2B5EF4-FFF2-40B4-BE49-F238E27FC236}">
-                <a16:creationId xmlns:a16="http://schemas.microsoft.com/office/drawing/2014/main" xmlns="" id="{9822E561-F97C-4CBB-A9A6-A6BF6317BC84}"/>
+                <a16:creationId xmlns:a16="http://schemas.microsoft.com/office/drawing/2014/main" id="{9822E561-F97C-4CBB-A9A6-A6BF6317BC84}"/>
               </a:ext>
               <a:ext uri="{C183D7F6-B498-43B3-948B-1728B52AA6E4}">
-                <adec:decorative xmlns:adec="http://schemas.microsoft.com/office/drawing/2017/decorative" xmlns="" val="1"/>
+                <adec:decorative xmlns:adec="http://schemas.microsoft.com/office/drawing/2017/decorative" val="1"/>
               </a:ext>
             </a:extLst>
           </p:cNvPr>
@@ -8740,7 +8553,7 @@
           <p:nvPr>
             <p:extLst>
               <p:ext uri="{386F3935-93C4-4BCD-93E2-E3B085C9AB24}">
-                <p16:designElem xmlns:p16="http://schemas.microsoft.com/office/powerpoint/2015/main" xmlns="" val="1"/>
+                <p16:designElem xmlns:p16="http://schemas.microsoft.com/office/powerpoint/2015/main" val="1"/>
               </p:ext>
             </p:extLst>
           </p:nvPr>
@@ -8824,10 +8637,10 @@
           <p:cNvPr id="13" name="Rectangle 12">
             <a:extLst>
               <a:ext uri="{FF2B5EF4-FFF2-40B4-BE49-F238E27FC236}">
-                <a16:creationId xmlns:a16="http://schemas.microsoft.com/office/drawing/2014/main" xmlns="" id="{B01B0E58-A5C8-4CDA-A2E0-35DF94E59857}"/>
+                <a16:creationId xmlns:a16="http://schemas.microsoft.com/office/drawing/2014/main" id="{B01B0E58-A5C8-4CDA-A2E0-35DF94E59857}"/>
               </a:ext>
               <a:ext uri="{C183D7F6-B498-43B3-948B-1728B52AA6E4}">
-                <adec:decorative xmlns:adec="http://schemas.microsoft.com/office/drawing/2017/decorative" xmlns="" val="1"/>
+                <adec:decorative xmlns:adec="http://schemas.microsoft.com/office/drawing/2017/decorative" val="1"/>
               </a:ext>
             </a:extLst>
           </p:cNvPr>
@@ -8837,7 +8650,7 @@
           <p:nvPr>
             <p:extLst>
               <p:ext uri="{386F3935-93C4-4BCD-93E2-E3B085C9AB24}">
-                <p16:designElem xmlns:p16="http://schemas.microsoft.com/office/powerpoint/2015/main" xmlns="" val="1"/>
+                <p16:designElem xmlns:p16="http://schemas.microsoft.com/office/powerpoint/2015/main" val="1"/>
               </p:ext>
             </p:extLst>
           </p:nvPr>
@@ -8878,7 +8691,7 @@
           <p:cNvPr id="4" name="Picture 3">
             <a:extLst>
               <a:ext uri="{FF2B5EF4-FFF2-40B4-BE49-F238E27FC236}">
-                <a16:creationId xmlns:a16="http://schemas.microsoft.com/office/drawing/2014/main" xmlns="" id="{33832EFD-DEB3-4228-AFE9-F0F446A50070}"/>
+                <a16:creationId xmlns:a16="http://schemas.microsoft.com/office/drawing/2014/main" id="{33832EFD-DEB3-4228-AFE9-F0F446A50070}"/>
               </a:ext>
             </a:extLst>
           </p:cNvPr>
@@ -8907,7 +8720,7 @@
           <p:cNvPr id="10" name="TextBox 9">
             <a:extLst>
               <a:ext uri="{FF2B5EF4-FFF2-40B4-BE49-F238E27FC236}">
-                <a16:creationId xmlns:a16="http://schemas.microsoft.com/office/drawing/2014/main" xmlns="" id="{B69F2CBB-01BE-461D-8058-1A68DDB1481F}"/>
+                <a16:creationId xmlns:a16="http://schemas.microsoft.com/office/drawing/2014/main" id="{B69F2CBB-01BE-461D-8058-1A68DDB1481F}"/>
               </a:ext>
             </a:extLst>
           </p:cNvPr>
@@ -8943,7 +8756,7 @@
           <p:cNvPr id="14" name="TextBox 13">
             <a:extLst>
               <a:ext uri="{FF2B5EF4-FFF2-40B4-BE49-F238E27FC236}">
-                <a16:creationId xmlns:a16="http://schemas.microsoft.com/office/drawing/2014/main" xmlns="" id="{D429862F-72F6-4DDA-97F5-BB1C92F3180B}"/>
+                <a16:creationId xmlns:a16="http://schemas.microsoft.com/office/drawing/2014/main" id="{D429862F-72F6-4DDA-97F5-BB1C92F3180B}"/>
               </a:ext>
             </a:extLst>
           </p:cNvPr>
@@ -9055,7 +8868,7 @@
           <p:cNvPr id="17" name="TextBox 16">
             <a:extLst>
               <a:ext uri="{FF2B5EF4-FFF2-40B4-BE49-F238E27FC236}">
-                <a16:creationId xmlns:a16="http://schemas.microsoft.com/office/drawing/2014/main" xmlns="" id="{B9598B4C-F027-445E-BF80-A8CB60E09677}"/>
+                <a16:creationId xmlns:a16="http://schemas.microsoft.com/office/drawing/2014/main" id="{B9598B4C-F027-445E-BF80-A8CB60E09677}"/>
               </a:ext>
             </a:extLst>
           </p:cNvPr>
@@ -9065,7 +8878,7 @@
         <p:spPr>
           <a:xfrm>
             <a:off x="4307457" y="238664"/>
-            <a:ext cx="6035614" cy="3877985"/>
+            <a:ext cx="6035614" cy="1138773"/>
           </a:xfrm>
           <a:prstGeom prst="rect">
             <a:avLst/>
@@ -9084,184 +8897,11 @@
             <a:r>
               <a:rPr lang="en-US" sz="2000" b="1">
                 <a:solidFill>
-                  <a:srgbClr val="000000"/>
+                  <a:schemeClr val="bg1"/>
                 </a:solidFill>
               </a:rPr>
-              <a:t>The overall strategy of the work plan</a:t>
-            </a:r>
-          </a:p>
-          <a:p>
-            <a:endParaRPr lang="en-US" sz="1600" b="1">
-              <a:solidFill>
-                <a:srgbClr val="000000"/>
-              </a:solidFill>
-            </a:endParaRPr>
-          </a:p>
-          <a:p>
-            <a:r>
-              <a:rPr lang="en-US" sz="1600" b="1">
-                <a:solidFill>
-                  <a:srgbClr val="000000"/>
-                </a:solidFill>
-              </a:rPr>
-              <a:t>The project is oganized in 9 work packages as follows:</a:t>
-            </a:r>
-          </a:p>
-          <a:p>
-            <a:endParaRPr lang="en-US"/>
-          </a:p>
-          <a:p>
-            <a:r>
-              <a:rPr lang="en-US" sz="1400">
-                <a:solidFill>
-                  <a:schemeClr val="bg1"/>
-                </a:solidFill>
-                <a:ea typeface="+mn-lt"/>
-                <a:cs typeface="+mn-lt"/>
-              </a:rPr>
-              <a:t>WP0 - Project management</a:t>
-            </a:r>
-            <a:endParaRPr lang="en-US" sz="1400">
-              <a:solidFill>
-                <a:schemeClr val="bg1"/>
-              </a:solidFill>
-            </a:endParaRPr>
-          </a:p>
-          <a:p>
-            <a:r>
-              <a:rPr lang="en-US" sz="1400">
-                <a:solidFill>
-                  <a:schemeClr val="bg1"/>
-                </a:solidFill>
-                <a:ea typeface="+mn-lt"/>
-                <a:cs typeface="+mn-lt"/>
-              </a:rPr>
-              <a:t>WP1 - Research and introduction</a:t>
-            </a:r>
-            <a:endParaRPr lang="en-US" sz="1400">
-              <a:solidFill>
-                <a:schemeClr val="bg1"/>
-              </a:solidFill>
-            </a:endParaRPr>
-          </a:p>
-          <a:p>
-            <a:r>
-              <a:rPr lang="en-US" sz="1400">
-                <a:solidFill>
-                  <a:schemeClr val="bg1"/>
-                </a:solidFill>
-                <a:ea typeface="+mn-lt"/>
-                <a:cs typeface="+mn-lt"/>
-              </a:rPr>
-              <a:t>WP2 - System research</a:t>
-            </a:r>
-            <a:endParaRPr lang="en-US" sz="1400">
-              <a:solidFill>
-                <a:schemeClr val="bg1"/>
-              </a:solidFill>
-            </a:endParaRPr>
-          </a:p>
-          <a:p>
-            <a:r>
-              <a:rPr lang="en-US" sz="1400">
-                <a:solidFill>
-                  <a:schemeClr val="bg1"/>
-                </a:solidFill>
-                <a:ea typeface="+mn-lt"/>
-                <a:cs typeface="+mn-lt"/>
-              </a:rPr>
-              <a:t>WP3 - Projecting the system and preparing for the implementation</a:t>
-            </a:r>
-            <a:endParaRPr lang="en-US" sz="1400">
-              <a:solidFill>
-                <a:schemeClr val="bg1"/>
-              </a:solidFill>
-            </a:endParaRPr>
-          </a:p>
-          <a:p>
-            <a:r>
-              <a:rPr lang="en-US" sz="1400">
-                <a:solidFill>
-                  <a:schemeClr val="bg1"/>
-                </a:solidFill>
-                <a:ea typeface="+mn-lt"/>
-                <a:cs typeface="+mn-lt"/>
-              </a:rPr>
-              <a:t>WP4 - Building a database</a:t>
-            </a:r>
-            <a:endParaRPr lang="en-US" sz="1400">
-              <a:solidFill>
-                <a:schemeClr val="bg1"/>
-              </a:solidFill>
-            </a:endParaRPr>
-          </a:p>
-          <a:p>
-            <a:r>
-              <a:rPr lang="en-US" sz="1400">
-                <a:solidFill>
-                  <a:schemeClr val="bg1"/>
-                </a:solidFill>
-                <a:ea typeface="+mn-lt"/>
-                <a:cs typeface="+mn-lt"/>
-              </a:rPr>
-              <a:t>WP5 - Development of system architecture </a:t>
-            </a:r>
-            <a:endParaRPr lang="en-US" sz="1400">
-              <a:solidFill>
-                <a:schemeClr val="bg1"/>
-              </a:solidFill>
-            </a:endParaRPr>
-          </a:p>
-          <a:p>
-            <a:r>
-              <a:rPr lang="en-US" sz="1400">
-                <a:solidFill>
-                  <a:schemeClr val="bg1"/>
-                </a:solidFill>
-                <a:ea typeface="+mn-lt"/>
-                <a:cs typeface="+mn-lt"/>
-              </a:rPr>
-              <a:t>WP6 - User acceptance test</a:t>
-            </a:r>
-            <a:endParaRPr lang="en-US" sz="1400">
-              <a:solidFill>
-                <a:schemeClr val="bg1"/>
-              </a:solidFill>
-            </a:endParaRPr>
-          </a:p>
-          <a:p>
-            <a:r>
-              <a:rPr lang="en-US" sz="1400">
-                <a:solidFill>
-                  <a:schemeClr val="bg1"/>
-                </a:solidFill>
-                <a:ea typeface="+mn-lt"/>
-                <a:cs typeface="+mn-lt"/>
-              </a:rPr>
-              <a:t>WP7 - Extended support</a:t>
-            </a:r>
-            <a:endParaRPr lang="en-US" sz="1400">
-              <a:solidFill>
-                <a:schemeClr val="bg1"/>
-              </a:solidFill>
-            </a:endParaRPr>
-          </a:p>
-          <a:p>
-            <a:r>
-              <a:rPr lang="en-US" sz="1400">
-                <a:solidFill>
-                  <a:schemeClr val="bg1"/>
-                </a:solidFill>
-                <a:ea typeface="+mn-lt"/>
-                <a:cs typeface="+mn-lt"/>
-              </a:rPr>
-              <a:t>WP8 - Performing education and media campaigns</a:t>
-            </a:r>
-            <a:endParaRPr lang="en-US" sz="1400">
-              <a:solidFill>
-                <a:schemeClr val="bg1"/>
-              </a:solidFill>
-            </a:endParaRPr>
+              <a:t>PERT Diagram of work packages</a:t>
+            </a:r>
           </a:p>
           <a:p>
             <a:endParaRPr lang="en-US" sz="1600" b="1">
@@ -9290,12 +8930,55 @@
           </a:p>
         </p:txBody>
       </p:sp>
+      <p:sp>
+        <p:nvSpPr>
+          <p:cNvPr id="3" name="TextBox 2">
+            <a:extLst>
+              <a:ext uri="{FF2B5EF4-FFF2-40B4-BE49-F238E27FC236}">
+                <a16:creationId xmlns:a16="http://schemas.microsoft.com/office/drawing/2014/main" id="{F1A81189-7218-4D2D-AFF1-04F903F92061}"/>
+              </a:ext>
+            </a:extLst>
+          </p:cNvPr>
+          <p:cNvSpPr txBox="1"/>
+          <p:nvPr/>
+        </p:nvSpPr>
+        <p:spPr>
+          <a:xfrm>
+            <a:off x="11337985" y="6334665"/>
+            <a:ext cx="715993" cy="369332"/>
+          </a:xfrm>
+          <a:prstGeom prst="rect">
+            <a:avLst/>
+          </a:prstGeom>
+          <a:noFill/>
+        </p:spPr>
+        <p:txBody>
+          <a:bodyPr rot="0" spcFirstLastPara="0" vertOverflow="overflow" horzOverflow="overflow" vert="horz" wrap="square" lIns="91440" tIns="45720" rIns="91440" bIns="45720" numCol="1" spcCol="0" rtlCol="0" fromWordArt="0" anchor="t" anchorCtr="0" forceAA="0" compatLnSpc="1">
+            <a:prstTxWarp prst="textNoShape">
+              <a:avLst/>
+            </a:prstTxWarp>
+            <a:spAutoFit/>
+          </a:bodyPr>
+          <a:lstStyle/>
+          <a:p>
+            <a:pPr algn="l"/>
+            <a:r>
+              <a:rPr lang="en-US" dirty="0">
+                <a:solidFill>
+                  <a:srgbClr val="000000"/>
+                </a:solidFill>
+              </a:rPr>
+              <a:t>7/10</a:t>
+            </a:r>
+          </a:p>
+        </p:txBody>
+      </p:sp>
       <p:pic>
         <p:nvPicPr>
-          <p:cNvPr id="5" name="Picture 5" descr="A picture containing game, field, man&#10;&#10;Description generated with very high confidence">
+          <p:cNvPr id="5" name="Picture 5">
             <a:extLst>
               <a:ext uri="{FF2B5EF4-FFF2-40B4-BE49-F238E27FC236}">
-                <a16:creationId xmlns:a16="http://schemas.microsoft.com/office/drawing/2014/main" xmlns="" id="{F60D71CC-86C6-479D-9681-746F64CD6D39}"/>
+                <a16:creationId xmlns:a16="http://schemas.microsoft.com/office/drawing/2014/main" id="{058A4B7A-64CE-1942-8816-40978A038B84}"/>
               </a:ext>
             </a:extLst>
           </p:cNvPr>
@@ -9305,81 +8988,37 @@
           <p:nvPr/>
         </p:nvPicPr>
         <p:blipFill>
-          <a:blip r:embed="rId3"/>
+          <a:blip r:embed="rId3">
+            <a:extLst>
+              <a:ext uri="{28A0092B-C50C-407E-A947-70E740481C1C}">
+                <a14:useLocalDpi xmlns:a14="http://schemas.microsoft.com/office/drawing/2010/main" val="0"/>
+              </a:ext>
+            </a:extLst>
+          </a:blip>
           <a:stretch>
             <a:fillRect/>
           </a:stretch>
         </p:blipFill>
         <p:spPr>
           <a:xfrm>
-            <a:off x="4350589" y="3565775"/>
-            <a:ext cx="6725727" cy="3148262"/>
+            <a:off x="4307457" y="1000125"/>
+            <a:ext cx="7586587" cy="4938990"/>
           </a:xfrm>
           <a:prstGeom prst="rect">
             <a:avLst/>
           </a:prstGeom>
         </p:spPr>
       </p:pic>
-      <p:sp>
-        <p:nvSpPr>
-          <p:cNvPr id="8" name="TextBox 7">
-            <a:extLst>
-              <a:ext uri="{FF2B5EF4-FFF2-40B4-BE49-F238E27FC236}">
-                <a16:creationId xmlns:a16="http://schemas.microsoft.com/office/drawing/2014/main" xmlns="" id="{92854897-6FBF-4FB6-B4D4-010B9BCC29DC}"/>
-              </a:ext>
-            </a:extLst>
-          </p:cNvPr>
-          <p:cNvSpPr txBox="1"/>
-          <p:nvPr/>
-        </p:nvSpPr>
-        <p:spPr>
-          <a:xfrm>
-            <a:off x="11323607" y="6262778"/>
-            <a:ext cx="715993" cy="369332"/>
-          </a:xfrm>
-          <a:prstGeom prst="rect">
-            <a:avLst/>
-          </a:prstGeom>
-          <a:noFill/>
-        </p:spPr>
-        <p:txBody>
-          <a:bodyPr rot="0" spcFirstLastPara="0" vertOverflow="overflow" horzOverflow="overflow" vert="horz" wrap="square" lIns="91440" tIns="45720" rIns="91440" bIns="45720" numCol="1" spcCol="0" rtlCol="0" fromWordArt="0" anchor="t" anchorCtr="0" forceAA="0" compatLnSpc="1">
-            <a:prstTxWarp prst="textNoShape">
-              <a:avLst/>
-            </a:prstTxWarp>
-            <a:spAutoFit/>
-          </a:bodyPr>
-          <a:lstStyle/>
-          <a:p>
-            <a:pPr algn="l"/>
-            <a:r>
-              <a:rPr lang="en-US">
-                <a:solidFill>
-                  <a:srgbClr val="000000"/>
-                </a:solidFill>
-              </a:rPr>
-              <a:t>7/10</a:t>
-            </a:r>
-          </a:p>
-        </p:txBody>
-      </p:sp>
     </p:spTree>
     <p:extLst>
       <p:ext uri="{BB962C8B-B14F-4D97-AF65-F5344CB8AC3E}">
-        <p14:creationId xmlns:p14="http://schemas.microsoft.com/office/powerpoint/2010/main" val="423041095"/>
+        <p14:creationId xmlns:p14="http://schemas.microsoft.com/office/powerpoint/2010/main" val="3503289052"/>
       </p:ext>
     </p:extLst>
   </p:cSld>
   <p:clrMapOvr>
     <a:overrideClrMapping bg1="dk1" tx1="lt1" bg2="dk2" tx2="lt2" accent1="accent1" accent2="accent2" accent3="accent3" accent4="accent4" accent5="accent5" accent6="accent6" hlink="hlink" folHlink="folHlink"/>
   </p:clrMapOvr>
-  <p:timing>
-    <p:tnLst>
-      <p:par>
-        <p:cTn id="1" dur="indefinite" restart="never" nodeType="tmRoot"/>
-      </p:par>
-    </p:tnLst>
-  </p:timing>
 </p:sld>
 </file>
 
@@ -9413,10 +9052,10 @@
           <p:cNvPr id="9" name="Rectangle 8">
             <a:extLst>
               <a:ext uri="{FF2B5EF4-FFF2-40B4-BE49-F238E27FC236}">
-                <a16:creationId xmlns:a16="http://schemas.microsoft.com/office/drawing/2014/main" xmlns="" id="{E08D4B6A-8113-4DFB-B82E-B60CAC8E0A50}"/>
+                <a16:creationId xmlns:a16="http://schemas.microsoft.com/office/drawing/2014/main" id="{E08D4B6A-8113-4DFB-B82E-B60CAC8E0A50}"/>
               </a:ext>
               <a:ext uri="{C183D7F6-B498-43B3-948B-1728B52AA6E4}">
-                <adec:decorative xmlns:adec="http://schemas.microsoft.com/office/drawing/2017/decorative" xmlns="" val="1"/>
+                <adec:decorative xmlns:adec="http://schemas.microsoft.com/office/drawing/2017/decorative" val="1"/>
               </a:ext>
             </a:extLst>
           </p:cNvPr>
@@ -9426,7 +9065,7 @@
           <p:nvPr>
             <p:extLst>
               <p:ext uri="{386F3935-93C4-4BCD-93E2-E3B085C9AB24}">
-                <p16:designElem xmlns:p16="http://schemas.microsoft.com/office/powerpoint/2015/main" xmlns="" val="1"/>
+                <p16:designElem xmlns:p16="http://schemas.microsoft.com/office/powerpoint/2015/main" val="1"/>
               </p:ext>
             </p:extLst>
           </p:nvPr>
@@ -9505,10 +9144,10 @@
           <p:cNvPr id="11" name="Rectangle 10">
             <a:extLst>
               <a:ext uri="{FF2B5EF4-FFF2-40B4-BE49-F238E27FC236}">
-                <a16:creationId xmlns:a16="http://schemas.microsoft.com/office/drawing/2014/main" xmlns="" id="{9822E561-F97C-4CBB-A9A6-A6BF6317BC84}"/>
+                <a16:creationId xmlns:a16="http://schemas.microsoft.com/office/drawing/2014/main" id="{9822E561-F97C-4CBB-A9A6-A6BF6317BC84}"/>
               </a:ext>
               <a:ext uri="{C183D7F6-B498-43B3-948B-1728B52AA6E4}">
-                <adec:decorative xmlns:adec="http://schemas.microsoft.com/office/drawing/2017/decorative" xmlns="" val="1"/>
+                <adec:decorative xmlns:adec="http://schemas.microsoft.com/office/drawing/2017/decorative" val="1"/>
               </a:ext>
             </a:extLst>
           </p:cNvPr>
@@ -9518,7 +9157,7 @@
           <p:nvPr>
             <p:extLst>
               <p:ext uri="{386F3935-93C4-4BCD-93E2-E3B085C9AB24}">
-                <p16:designElem xmlns:p16="http://schemas.microsoft.com/office/powerpoint/2015/main" xmlns="" val="1"/>
+                <p16:designElem xmlns:p16="http://schemas.microsoft.com/office/powerpoint/2015/main" val="1"/>
               </p:ext>
             </p:extLst>
           </p:nvPr>
@@ -9580,7 +9219,7 @@
           <a:lstStyle/>
           <a:p>
             <a:r>
-              <a:rPr lang="en-US">
+              <a:rPr lang="en-US" dirty="0">
                 <a:solidFill>
                   <a:schemeClr val="tx1"/>
                 </a:solidFill>
@@ -9589,7 +9228,7 @@
               </a:rPr>
               <a:t>Animal husbandry support platform</a:t>
             </a:r>
-            <a:endParaRPr lang="en-US">
+            <a:endParaRPr lang="en-US" dirty="0">
               <a:solidFill>
                 <a:schemeClr val="tx1"/>
               </a:solidFill>
@@ -9602,10 +9241,10 @@
           <p:cNvPr id="13" name="Rectangle 12">
             <a:extLst>
               <a:ext uri="{FF2B5EF4-FFF2-40B4-BE49-F238E27FC236}">
-                <a16:creationId xmlns:a16="http://schemas.microsoft.com/office/drawing/2014/main" xmlns="" id="{B01B0E58-A5C8-4CDA-A2E0-35DF94E59857}"/>
+                <a16:creationId xmlns:a16="http://schemas.microsoft.com/office/drawing/2014/main" id="{B01B0E58-A5C8-4CDA-A2E0-35DF94E59857}"/>
               </a:ext>
               <a:ext uri="{C183D7F6-B498-43B3-948B-1728B52AA6E4}">
-                <adec:decorative xmlns:adec="http://schemas.microsoft.com/office/drawing/2017/decorative" xmlns="" val="1"/>
+                <adec:decorative xmlns:adec="http://schemas.microsoft.com/office/drawing/2017/decorative" val="1"/>
               </a:ext>
             </a:extLst>
           </p:cNvPr>
@@ -9615,7 +9254,7 @@
           <p:nvPr>
             <p:extLst>
               <p:ext uri="{386F3935-93C4-4BCD-93E2-E3B085C9AB24}">
-                <p16:designElem xmlns:p16="http://schemas.microsoft.com/office/powerpoint/2015/main" xmlns="" val="1"/>
+                <p16:designElem xmlns:p16="http://schemas.microsoft.com/office/powerpoint/2015/main" val="1"/>
               </p:ext>
             </p:extLst>
           </p:nvPr>
@@ -9656,7 +9295,7 @@
           <p:cNvPr id="4" name="Picture 3">
             <a:extLst>
               <a:ext uri="{FF2B5EF4-FFF2-40B4-BE49-F238E27FC236}">
-                <a16:creationId xmlns:a16="http://schemas.microsoft.com/office/drawing/2014/main" xmlns="" id="{33832EFD-DEB3-4228-AFE9-F0F446A50070}"/>
+                <a16:creationId xmlns:a16="http://schemas.microsoft.com/office/drawing/2014/main" id="{33832EFD-DEB3-4228-AFE9-F0F446A50070}"/>
               </a:ext>
             </a:extLst>
           </p:cNvPr>
@@ -9685,7 +9324,7 @@
           <p:cNvPr id="10" name="TextBox 9">
             <a:extLst>
               <a:ext uri="{FF2B5EF4-FFF2-40B4-BE49-F238E27FC236}">
-                <a16:creationId xmlns:a16="http://schemas.microsoft.com/office/drawing/2014/main" xmlns="" id="{B69F2CBB-01BE-461D-8058-1A68DDB1481F}"/>
+                <a16:creationId xmlns:a16="http://schemas.microsoft.com/office/drawing/2014/main" id="{B69F2CBB-01BE-461D-8058-1A68DDB1481F}"/>
               </a:ext>
             </a:extLst>
           </p:cNvPr>
@@ -9721,7 +9360,7 @@
           <p:cNvPr id="14" name="TextBox 13">
             <a:extLst>
               <a:ext uri="{FF2B5EF4-FFF2-40B4-BE49-F238E27FC236}">
-                <a16:creationId xmlns:a16="http://schemas.microsoft.com/office/drawing/2014/main" xmlns="" id="{D429862F-72F6-4DDA-97F5-BB1C92F3180B}"/>
+                <a16:creationId xmlns:a16="http://schemas.microsoft.com/office/drawing/2014/main" id="{D429862F-72F6-4DDA-97F5-BB1C92F3180B}"/>
               </a:ext>
             </a:extLst>
           </p:cNvPr>
@@ -9833,7 +9472,7 @@
           <p:cNvPr id="17" name="TextBox 16">
             <a:extLst>
               <a:ext uri="{FF2B5EF4-FFF2-40B4-BE49-F238E27FC236}">
-                <a16:creationId xmlns:a16="http://schemas.microsoft.com/office/drawing/2014/main" xmlns="" id="{B9598B4C-F027-445E-BF80-A8CB60E09677}"/>
+                <a16:creationId xmlns:a16="http://schemas.microsoft.com/office/drawing/2014/main" id="{B9598B4C-F027-445E-BF80-A8CB60E09677}"/>
               </a:ext>
             </a:extLst>
           </p:cNvPr>
@@ -9843,7 +9482,7 @@
         <p:spPr>
           <a:xfrm>
             <a:off x="4307457" y="238664"/>
-            <a:ext cx="6035614" cy="1138773"/>
+            <a:ext cx="6035614" cy="3847207"/>
           </a:xfrm>
           <a:prstGeom prst="rect">
             <a:avLst/>
@@ -9860,25 +9499,219 @@
           <a:lstStyle/>
           <a:p>
             <a:r>
-              <a:rPr lang="en-US" sz="2000" b="1">
+              <a:rPr lang="en-US" sz="2000" b="1" dirty="0">
+                <a:solidFill>
+                  <a:srgbClr val="000000"/>
+                </a:solidFill>
+              </a:rPr>
+              <a:t>Participants:</a:t>
+            </a:r>
+          </a:p>
+          <a:p>
+            <a:endParaRPr lang="en-US" sz="1600" b="1">
+              <a:solidFill>
+                <a:schemeClr val="bg1"/>
+              </a:solidFill>
+            </a:endParaRPr>
+          </a:p>
+          <a:p>
+            <a:pPr>
+              <a:buFont typeface="Arial"/>
+              <a:buChar char="•"/>
+            </a:pPr>
+            <a:r>
+              <a:rPr lang="en-US" sz="1600" dirty="0">
                 <a:solidFill>
                   <a:schemeClr val="bg1"/>
                 </a:solidFill>
+                <a:ea typeface="+mn-lt"/>
+                <a:cs typeface="+mn-lt"/>
               </a:rPr>
-              <a:t>PERT Diagram of work packages</a:t>
-            </a:r>
-          </a:p>
-          <a:p>
-            <a:endParaRPr lang="en-US" sz="1600" b="1">
-              <a:solidFill>
-                <a:srgbClr val="000000"/>
-              </a:solidFill>
-            </a:endParaRPr>
-          </a:p>
-          <a:p>
-            <a:endParaRPr lang="en-US" sz="1600" b="1">
-              <a:solidFill>
-                <a:srgbClr val="000000"/>
+              <a:t>Faculty of Mathematics, University of Belgrade</a:t>
+            </a:r>
+            <a:endParaRPr lang="en-US" dirty="0">
+              <a:solidFill>
+                <a:schemeClr val="bg1"/>
+              </a:solidFill>
+            </a:endParaRPr>
+          </a:p>
+          <a:p>
+            <a:pPr>
+              <a:buFont typeface="Arial"/>
+              <a:buChar char="•"/>
+            </a:pPr>
+            <a:endParaRPr lang="en-US" sz="1600">
+              <a:solidFill>
+                <a:schemeClr val="bg1"/>
+              </a:solidFill>
+              <a:ea typeface="+mn-lt"/>
+              <a:cs typeface="+mn-lt"/>
+            </a:endParaRPr>
+          </a:p>
+          <a:p>
+            <a:pPr>
+              <a:buFont typeface="Arial"/>
+              <a:buChar char="•"/>
+            </a:pPr>
+            <a:r>
+              <a:rPr lang="en-US" sz="1600" dirty="0">
+                <a:solidFill>
+                  <a:schemeClr val="bg1"/>
+                </a:solidFill>
+                <a:ea typeface="+mn-lt"/>
+                <a:cs typeface="+mn-lt"/>
+              </a:rPr>
+              <a:t>Faculty of Agriculture, University of Belgrade</a:t>
+            </a:r>
+            <a:endParaRPr lang="en-US" dirty="0">
+              <a:solidFill>
+                <a:schemeClr val="bg1"/>
+              </a:solidFill>
+            </a:endParaRPr>
+          </a:p>
+          <a:p>
+            <a:pPr>
+              <a:buFont typeface="Arial"/>
+              <a:buChar char="•"/>
+            </a:pPr>
+            <a:endParaRPr lang="en-US" sz="1600">
+              <a:solidFill>
+                <a:schemeClr val="bg1"/>
+              </a:solidFill>
+              <a:ea typeface="+mn-lt"/>
+              <a:cs typeface="+mn-lt"/>
+            </a:endParaRPr>
+          </a:p>
+          <a:p>
+            <a:pPr>
+              <a:buFont typeface="Arial"/>
+              <a:buChar char="•"/>
+            </a:pPr>
+            <a:r>
+              <a:rPr lang="en-US" sz="1600" dirty="0">
+                <a:solidFill>
+                  <a:schemeClr val="bg1"/>
+                </a:solidFill>
+                <a:ea typeface="+mn-lt"/>
+                <a:cs typeface="+mn-lt"/>
+              </a:rPr>
+              <a:t>Ministry of Agriculture, Forestry and Water Economy of the Republic of Serbia</a:t>
+            </a:r>
+            <a:endParaRPr lang="en-US" dirty="0">
+              <a:solidFill>
+                <a:schemeClr val="bg1"/>
+              </a:solidFill>
+            </a:endParaRPr>
+          </a:p>
+          <a:p>
+            <a:pPr>
+              <a:buFont typeface="Arial"/>
+              <a:buChar char="•"/>
+            </a:pPr>
+            <a:endParaRPr lang="en-US" sz="1600">
+              <a:solidFill>
+                <a:schemeClr val="bg1"/>
+              </a:solidFill>
+              <a:ea typeface="+mn-lt"/>
+              <a:cs typeface="+mn-lt"/>
+            </a:endParaRPr>
+          </a:p>
+          <a:p>
+            <a:pPr>
+              <a:buFont typeface="Arial"/>
+              <a:buChar char="•"/>
+            </a:pPr>
+            <a:r>
+              <a:rPr lang="en-US" sz="1600" dirty="0">
+                <a:solidFill>
+                  <a:schemeClr val="bg1"/>
+                </a:solidFill>
+                <a:ea typeface="+mn-lt"/>
+                <a:cs typeface="+mn-lt"/>
+              </a:rPr>
+              <a:t>Faculty of Electrical Engineering, University of Belgrade</a:t>
+            </a:r>
+            <a:endParaRPr lang="en-US" dirty="0">
+              <a:solidFill>
+                <a:schemeClr val="bg1"/>
+              </a:solidFill>
+            </a:endParaRPr>
+          </a:p>
+          <a:p>
+            <a:pPr>
+              <a:buFont typeface="Arial"/>
+              <a:buChar char="•"/>
+            </a:pPr>
+            <a:endParaRPr lang="en-US" sz="1600">
+              <a:solidFill>
+                <a:schemeClr val="bg1"/>
+              </a:solidFill>
+              <a:ea typeface="+mn-lt"/>
+              <a:cs typeface="+mn-lt"/>
+            </a:endParaRPr>
+          </a:p>
+          <a:p>
+            <a:pPr>
+              <a:buFont typeface="Arial"/>
+              <a:buChar char="•"/>
+            </a:pPr>
+            <a:r>
+              <a:rPr lang="en-US" sz="1600" dirty="0">
+                <a:solidFill>
+                  <a:schemeClr val="bg1"/>
+                </a:solidFill>
+                <a:ea typeface="+mn-lt"/>
+                <a:cs typeface="+mn-lt"/>
+              </a:rPr>
+              <a:t>IAHA - ANIMAL HUSBANDRY ALLIANCE</a:t>
+            </a:r>
+            <a:endParaRPr lang="en-US" dirty="0">
+              <a:solidFill>
+                <a:schemeClr val="bg1"/>
+              </a:solidFill>
+            </a:endParaRPr>
+          </a:p>
+          <a:p>
+            <a:pPr>
+              <a:buFont typeface="Arial"/>
+              <a:buChar char="•"/>
+            </a:pPr>
+            <a:endParaRPr lang="en-US" sz="1600">
+              <a:solidFill>
+                <a:schemeClr val="bg1"/>
+              </a:solidFill>
+              <a:ea typeface="+mn-lt"/>
+              <a:cs typeface="+mn-lt"/>
+            </a:endParaRPr>
+          </a:p>
+          <a:p>
+            <a:pPr>
+              <a:buFont typeface="Arial"/>
+              <a:buChar char="•"/>
+            </a:pPr>
+            <a:r>
+              <a:rPr lang="en-US" sz="1600" dirty="0" err="1">
+                <a:solidFill>
+                  <a:schemeClr val="bg1"/>
+                </a:solidFill>
+                <a:ea typeface="+mn-lt"/>
+                <a:cs typeface="+mn-lt"/>
+              </a:rPr>
+              <a:t>Selerant</a:t>
+            </a:r>
+            <a:r>
+              <a:rPr lang="en-US" sz="1600" dirty="0">
+                <a:solidFill>
+                  <a:schemeClr val="bg1"/>
+                </a:solidFill>
+                <a:ea typeface="+mn-lt"/>
+                <a:cs typeface="+mn-lt"/>
+              </a:rPr>
+              <a:t> Inc., Italy </a:t>
+            </a:r>
+            <a:endParaRPr lang="en-US" dirty="0">
+              <a:solidFill>
+                <a:schemeClr val="bg1"/>
               </a:solidFill>
             </a:endParaRPr>
           </a:p>
@@ -9900,7 +9733,7 @@
           <p:cNvPr id="3" name="TextBox 2">
             <a:extLst>
               <a:ext uri="{FF2B5EF4-FFF2-40B4-BE49-F238E27FC236}">
-                <a16:creationId xmlns:a16="http://schemas.microsoft.com/office/drawing/2014/main" xmlns="" id="{F1A81189-7218-4D2D-AFF1-04F903F92061}"/>
+                <a16:creationId xmlns:a16="http://schemas.microsoft.com/office/drawing/2014/main" id="{28A9AE18-221C-4B14-9C27-25B2FC0B75D9}"/>
               </a:ext>
             </a:extLst>
           </p:cNvPr>
@@ -9909,7 +9742,7 @@
         </p:nvSpPr>
         <p:spPr>
           <a:xfrm>
-            <a:off x="11337985" y="6334665"/>
+            <a:off x="11352362" y="6320287"/>
             <a:ext cx="715993" cy="369332"/>
           </a:xfrm>
           <a:prstGeom prst="rect">
@@ -9928,7 +9761,7 @@
           <a:p>
             <a:pPr algn="l"/>
             <a:r>
-              <a:rPr lang="en-US">
+              <a:rPr lang="en-US" dirty="0">
                 <a:solidFill>
                   <a:srgbClr val="000000"/>
                 </a:solidFill>
@@ -9938,59 +9771,16 @@
           </a:p>
         </p:txBody>
       </p:sp>
-      <p:pic>
-        <p:nvPicPr>
-          <p:cNvPr id="5" name="Picture 5">
-            <a:extLst>
-              <a:ext uri="{FF2B5EF4-FFF2-40B4-BE49-F238E27FC236}">
-                <a16:creationId xmlns:a16="http://schemas.microsoft.com/office/drawing/2014/main" xmlns="" id="{058A4B7A-64CE-1942-8816-40978A038B84}"/>
-              </a:ext>
-            </a:extLst>
-          </p:cNvPr>
-          <p:cNvPicPr>
-            <a:picLocks noChangeAspect="1"/>
-          </p:cNvPicPr>
-          <p:nvPr/>
-        </p:nvPicPr>
-        <p:blipFill>
-          <a:blip r:embed="rId3">
-            <a:extLst>
-              <a:ext uri="{28A0092B-C50C-407E-A947-70E740481C1C}">
-                <a14:useLocalDpi xmlns:a14="http://schemas.microsoft.com/office/drawing/2010/main" val="0"/>
-              </a:ext>
-            </a:extLst>
-          </a:blip>
-          <a:stretch>
-            <a:fillRect/>
-          </a:stretch>
-        </p:blipFill>
-        <p:spPr>
-          <a:xfrm>
-            <a:off x="4307457" y="1000125"/>
-            <a:ext cx="7586587" cy="4938990"/>
-          </a:xfrm>
-          <a:prstGeom prst="rect">
-            <a:avLst/>
-          </a:prstGeom>
-        </p:spPr>
-      </p:pic>
     </p:spTree>
     <p:extLst>
       <p:ext uri="{BB962C8B-B14F-4D97-AF65-F5344CB8AC3E}">
-        <p14:creationId xmlns:p14="http://schemas.microsoft.com/office/powerpoint/2010/main" val="3503289052"/>
+        <p14:creationId xmlns:p14="http://schemas.microsoft.com/office/powerpoint/2010/main" val="3779524196"/>
       </p:ext>
     </p:extLst>
   </p:cSld>
   <p:clrMapOvr>
     <a:overrideClrMapping bg1="dk1" tx1="lt1" bg2="dk2" tx2="lt2" accent1="accent1" accent2="accent2" accent3="accent3" accent4="accent4" accent5="accent5" accent6="accent6" hlink="hlink" folHlink="folHlink"/>
   </p:clrMapOvr>
-  <p:timing>
-    <p:tnLst>
-      <p:par>
-        <p:cTn id="1" dur="indefinite" restart="never" nodeType="tmRoot"/>
-      </p:par>
-    </p:tnLst>
-  </p:timing>
 </p:sld>
 </file>
 
@@ -10024,10 +9814,10 @@
           <p:cNvPr id="9" name="Rectangle 8">
             <a:extLst>
               <a:ext uri="{FF2B5EF4-FFF2-40B4-BE49-F238E27FC236}">
-                <a16:creationId xmlns:a16="http://schemas.microsoft.com/office/drawing/2014/main" xmlns="" id="{E08D4B6A-8113-4DFB-B82E-B60CAC8E0A50}"/>
+                <a16:creationId xmlns:a16="http://schemas.microsoft.com/office/drawing/2014/main" id="{E08D4B6A-8113-4DFB-B82E-B60CAC8E0A50}"/>
               </a:ext>
               <a:ext uri="{C183D7F6-B498-43B3-948B-1728B52AA6E4}">
-                <adec:decorative xmlns:adec="http://schemas.microsoft.com/office/drawing/2017/decorative" xmlns="" val="1"/>
+                <adec:decorative xmlns:adec="http://schemas.microsoft.com/office/drawing/2017/decorative" val="1"/>
               </a:ext>
             </a:extLst>
           </p:cNvPr>
@@ -10037,7 +9827,7 @@
           <p:nvPr>
             <p:extLst>
               <p:ext uri="{386F3935-93C4-4BCD-93E2-E3B085C9AB24}">
-                <p16:designElem xmlns:p16="http://schemas.microsoft.com/office/powerpoint/2015/main" xmlns="" val="1"/>
+                <p16:designElem xmlns:p16="http://schemas.microsoft.com/office/powerpoint/2015/main" val="1"/>
               </p:ext>
             </p:extLst>
           </p:nvPr>
@@ -10116,10 +9906,10 @@
           <p:cNvPr id="11" name="Rectangle 10">
             <a:extLst>
               <a:ext uri="{FF2B5EF4-FFF2-40B4-BE49-F238E27FC236}">
-                <a16:creationId xmlns:a16="http://schemas.microsoft.com/office/drawing/2014/main" xmlns="" id="{9822E561-F97C-4CBB-A9A6-A6BF6317BC84}"/>
+                <a16:creationId xmlns:a16="http://schemas.microsoft.com/office/drawing/2014/main" id="{9822E561-F97C-4CBB-A9A6-A6BF6317BC84}"/>
               </a:ext>
               <a:ext uri="{C183D7F6-B498-43B3-948B-1728B52AA6E4}">
-                <adec:decorative xmlns:adec="http://schemas.microsoft.com/office/drawing/2017/decorative" xmlns="" val="1"/>
+                <adec:decorative xmlns:adec="http://schemas.microsoft.com/office/drawing/2017/decorative" val="1"/>
               </a:ext>
             </a:extLst>
           </p:cNvPr>
@@ -10129,7 +9919,7 @@
           <p:nvPr>
             <p:extLst>
               <p:ext uri="{386F3935-93C4-4BCD-93E2-E3B085C9AB24}">
-                <p16:designElem xmlns:p16="http://schemas.microsoft.com/office/powerpoint/2015/main" xmlns="" val="1"/>
+                <p16:designElem xmlns:p16="http://schemas.microsoft.com/office/powerpoint/2015/main" val="1"/>
               </p:ext>
             </p:extLst>
           </p:nvPr>
@@ -10191,7 +9981,7 @@
           <a:lstStyle/>
           <a:p>
             <a:r>
-              <a:rPr lang="en-US" dirty="0">
+              <a:rPr lang="en-US">
                 <a:solidFill>
                   <a:schemeClr val="tx1"/>
                 </a:solidFill>
@@ -10200,7 +9990,7 @@
               </a:rPr>
               <a:t>Animal husbandry support platform</a:t>
             </a:r>
-            <a:endParaRPr lang="en-US" dirty="0">
+            <a:endParaRPr lang="en-US">
               <a:solidFill>
                 <a:schemeClr val="tx1"/>
               </a:solidFill>
@@ -10213,10 +10003,10 @@
           <p:cNvPr id="13" name="Rectangle 12">
             <a:extLst>
               <a:ext uri="{FF2B5EF4-FFF2-40B4-BE49-F238E27FC236}">
-                <a16:creationId xmlns:a16="http://schemas.microsoft.com/office/drawing/2014/main" xmlns="" id="{B01B0E58-A5C8-4CDA-A2E0-35DF94E59857}"/>
+                <a16:creationId xmlns:a16="http://schemas.microsoft.com/office/drawing/2014/main" id="{B01B0E58-A5C8-4CDA-A2E0-35DF94E59857}"/>
               </a:ext>
               <a:ext uri="{C183D7F6-B498-43B3-948B-1728B52AA6E4}">
-                <adec:decorative xmlns:adec="http://schemas.microsoft.com/office/drawing/2017/decorative" xmlns="" val="1"/>
+                <adec:decorative xmlns:adec="http://schemas.microsoft.com/office/drawing/2017/decorative" val="1"/>
               </a:ext>
             </a:extLst>
           </p:cNvPr>
@@ -10226,7 +10016,7 @@
           <p:nvPr>
             <p:extLst>
               <p:ext uri="{386F3935-93C4-4BCD-93E2-E3B085C9AB24}">
-                <p16:designElem xmlns:p16="http://schemas.microsoft.com/office/powerpoint/2015/main" xmlns="" val="1"/>
+                <p16:designElem xmlns:p16="http://schemas.microsoft.com/office/powerpoint/2015/main" val="1"/>
               </p:ext>
             </p:extLst>
           </p:nvPr>
@@ -10267,7 +10057,7 @@
           <p:cNvPr id="4" name="Picture 3">
             <a:extLst>
               <a:ext uri="{FF2B5EF4-FFF2-40B4-BE49-F238E27FC236}">
-                <a16:creationId xmlns:a16="http://schemas.microsoft.com/office/drawing/2014/main" xmlns="" id="{33832EFD-DEB3-4228-AFE9-F0F446A50070}"/>
+                <a16:creationId xmlns:a16="http://schemas.microsoft.com/office/drawing/2014/main" id="{33832EFD-DEB3-4228-AFE9-F0F446A50070}"/>
               </a:ext>
             </a:extLst>
           </p:cNvPr>
@@ -10283,8 +10073,8 @@
         </p:blipFill>
         <p:spPr>
           <a:xfrm>
-            <a:off x="4021692" y="10"/>
-            <a:ext cx="8170308" cy="6857990"/>
+            <a:off x="4011458" y="5175"/>
+            <a:ext cx="8176402" cy="6852825"/>
           </a:xfrm>
           <a:prstGeom prst="rect">
             <a:avLst/>
@@ -10296,7 +10086,7 @@
           <p:cNvPr id="10" name="TextBox 9">
             <a:extLst>
               <a:ext uri="{FF2B5EF4-FFF2-40B4-BE49-F238E27FC236}">
-                <a16:creationId xmlns:a16="http://schemas.microsoft.com/office/drawing/2014/main" xmlns="" id="{B69F2CBB-01BE-461D-8058-1A68DDB1481F}"/>
+                <a16:creationId xmlns:a16="http://schemas.microsoft.com/office/drawing/2014/main" id="{B69F2CBB-01BE-461D-8058-1A68DDB1481F}"/>
               </a:ext>
             </a:extLst>
           </p:cNvPr>
@@ -10332,7 +10122,7 @@
           <p:cNvPr id="14" name="TextBox 13">
             <a:extLst>
               <a:ext uri="{FF2B5EF4-FFF2-40B4-BE49-F238E27FC236}">
-                <a16:creationId xmlns:a16="http://schemas.microsoft.com/office/drawing/2014/main" xmlns="" id="{D429862F-72F6-4DDA-97F5-BB1C92F3180B}"/>
+                <a16:creationId xmlns:a16="http://schemas.microsoft.com/office/drawing/2014/main" id="{D429862F-72F6-4DDA-97F5-BB1C92F3180B}"/>
               </a:ext>
             </a:extLst>
           </p:cNvPr>
@@ -10341,8 +10131,8 @@
         </p:nvSpPr>
         <p:spPr>
           <a:xfrm>
-            <a:off x="4206816" y="770627"/>
-            <a:ext cx="7401463" cy="2308324"/>
+            <a:off x="4235571" y="1043797"/>
+            <a:ext cx="7401463" cy="3416320"/>
           </a:xfrm>
           <a:prstGeom prst="rect">
             <a:avLst/>
@@ -10364,7 +10154,7 @@
             </a:pPr>
             <a:endParaRPr lang="en-US">
               <a:solidFill>
-                <a:schemeClr val="bg1"/>
+                <a:srgbClr val="FFFFFF"/>
               </a:solidFill>
             </a:endParaRPr>
           </a:p>
@@ -10375,7 +10165,7 @@
             </a:pPr>
             <a:endParaRPr lang="en-US">
               <a:solidFill>
-                <a:schemeClr val="bg1"/>
+                <a:srgbClr val="FFFFFF"/>
               </a:solidFill>
             </a:endParaRPr>
           </a:p>
@@ -10391,13 +10181,6 @@
             </a:endParaRPr>
           </a:p>
           <a:p>
-            <a:endParaRPr lang="en-US">
-              <a:solidFill>
-                <a:schemeClr val="bg1"/>
-              </a:solidFill>
-            </a:endParaRPr>
-          </a:p>
-          <a:p>
             <a:pPr marL="285750" indent="-285750">
               <a:buFont typeface="Arial"/>
               <a:buChar char="•"/>
@@ -10409,13 +10192,6 @@
             </a:endParaRPr>
           </a:p>
           <a:p>
-            <a:endParaRPr lang="en-US">
-              <a:solidFill>
-                <a:schemeClr val="bg1"/>
-              </a:solidFill>
-            </a:endParaRPr>
-          </a:p>
-          <a:p>
             <a:pPr marL="285750" indent="-285750">
               <a:buFont typeface="Arial"/>
               <a:buChar char="•"/>
@@ -10437,6 +10213,64 @@
               </a:solidFill>
             </a:endParaRPr>
           </a:p>
+          <a:p>
+            <a:pPr marL="285750" indent="-285750">
+              <a:buFont typeface="Arial"/>
+              <a:buChar char="•"/>
+            </a:pPr>
+            <a:endParaRPr lang="en-US">
+              <a:solidFill>
+                <a:schemeClr val="bg1"/>
+              </a:solidFill>
+            </a:endParaRPr>
+          </a:p>
+          <a:p>
+            <a:endParaRPr lang="en-US">
+              <a:solidFill>
+                <a:schemeClr val="bg1"/>
+              </a:solidFill>
+            </a:endParaRPr>
+          </a:p>
+          <a:p>
+            <a:pPr marL="285750" indent="-285750">
+              <a:buFont typeface="Arial"/>
+              <a:buChar char="•"/>
+            </a:pPr>
+            <a:endParaRPr lang="en-US">
+              <a:solidFill>
+                <a:schemeClr val="bg1"/>
+              </a:solidFill>
+            </a:endParaRPr>
+          </a:p>
+          <a:p>
+            <a:endParaRPr lang="en-US">
+              <a:solidFill>
+                <a:schemeClr val="bg1"/>
+              </a:solidFill>
+            </a:endParaRPr>
+          </a:p>
+          <a:p>
+            <a:pPr marL="285750" indent="-285750">
+              <a:buFont typeface="Arial"/>
+              <a:buChar char="•"/>
+            </a:pPr>
+            <a:endParaRPr lang="en-US">
+              <a:solidFill>
+                <a:schemeClr val="bg1"/>
+              </a:solidFill>
+            </a:endParaRPr>
+          </a:p>
+          <a:p>
+            <a:pPr marL="285750" indent="-285750">
+              <a:buFont typeface="Arial"/>
+              <a:buChar char="•"/>
+            </a:pPr>
+            <a:endParaRPr lang="en-US">
+              <a:solidFill>
+                <a:schemeClr val="bg1"/>
+              </a:solidFill>
+            </a:endParaRPr>
+          </a:p>
         </p:txBody>
       </p:sp>
       <p:sp>
@@ -10444,7 +10278,7 @@
           <p:cNvPr id="17" name="TextBox 16">
             <a:extLst>
               <a:ext uri="{FF2B5EF4-FFF2-40B4-BE49-F238E27FC236}">
-                <a16:creationId xmlns:a16="http://schemas.microsoft.com/office/drawing/2014/main" xmlns="" id="{B9598B4C-F027-445E-BF80-A8CB60E09677}"/>
+                <a16:creationId xmlns:a16="http://schemas.microsoft.com/office/drawing/2014/main" id="{B9598B4C-F027-445E-BF80-A8CB60E09677}"/>
               </a:ext>
             </a:extLst>
           </p:cNvPr>
@@ -10453,8 +10287,8 @@
         </p:nvSpPr>
         <p:spPr>
           <a:xfrm>
-            <a:off x="4307457" y="238664"/>
-            <a:ext cx="6035614" cy="3847207"/>
+            <a:off x="4307457" y="1158815"/>
+            <a:ext cx="6035614" cy="5047536"/>
           </a:xfrm>
           <a:prstGeom prst="rect">
             <a:avLst/>
@@ -10476,223 +10310,180 @@
                   <a:srgbClr val="000000"/>
                 </a:solidFill>
               </a:rPr>
-              <a:t>Participants:</a:t>
-            </a:r>
-          </a:p>
-          <a:p>
-            <a:endParaRPr lang="en-US" sz="1600" b="1">
-              <a:solidFill>
-                <a:schemeClr val="bg1"/>
-              </a:solidFill>
-            </a:endParaRPr>
-          </a:p>
-          <a:p>
-            <a:pPr>
+              <a:t>References: </a:t>
+            </a:r>
+          </a:p>
+          <a:p>
+            <a:pPr algn="just"/>
+            <a:endParaRPr lang="en-US" b="1">
+              <a:solidFill>
+                <a:srgbClr val="000000"/>
+              </a:solidFill>
+            </a:endParaRPr>
+          </a:p>
+          <a:p>
+            <a:pPr marL="285750" indent="-285750">
+              <a:buFont typeface="Arial,Sans-Serif"/>
+              <a:buChar char="•"/>
+            </a:pPr>
+            <a:r>
+              <a:rPr lang="en" dirty="0">
+                <a:latin typeface="Calibri"/>
+                <a:cs typeface="Calibri"/>
+                <a:hlinkClick r:id="rId3"/>
+              </a:rPr>
+              <a:t>http://home.etf.rs/~vm/os/osuspi.html</a:t>
+            </a:r>
+            <a:endParaRPr lang="en-US">
+              <a:ea typeface="+mn-lt"/>
+              <a:cs typeface="+mn-lt"/>
+            </a:endParaRPr>
+          </a:p>
+          <a:p>
+            <a:pPr marL="285750" indent="-285750">
+              <a:buFont typeface="Arial,Sans-Serif"/>
+              <a:buChar char="•"/>
+            </a:pPr>
+            <a:endParaRPr lang="en" dirty="0">
+              <a:ea typeface="+mn-lt"/>
+              <a:cs typeface="+mn-lt"/>
+            </a:endParaRPr>
+          </a:p>
+          <a:p>
+            <a:pPr marL="342900" indent="-342900" algn="just">
               <a:buFont typeface="Arial"/>
               <a:buChar char="•"/>
             </a:pPr>
             <a:r>
-              <a:rPr lang="en-US" sz="1600" dirty="0">
-                <a:solidFill>
-                  <a:schemeClr val="bg1"/>
-                </a:solidFill>
+              <a:rPr lang="en" dirty="0">
+                <a:latin typeface="Calibri"/>
+                <a:cs typeface="Calibri"/>
+                <a:hlinkClick r:id="rId4"/>
+              </a:rPr>
+              <a:t>http://poincare.matf.bg.ac.rs/~aleksandar/upin.html</a:t>
+            </a:r>
+            <a:endParaRPr lang="en-US"/>
+          </a:p>
+          <a:p>
+            <a:pPr marL="342900" indent="-342900" algn="just">
+              <a:buFont typeface="Arial"/>
+              <a:buChar char="•"/>
+            </a:pPr>
+            <a:endParaRPr lang="en-US" b="1">
+              <a:solidFill>
+                <a:srgbClr val="000000"/>
+              </a:solidFill>
+            </a:endParaRPr>
+          </a:p>
+          <a:p>
+            <a:pPr marL="342900" indent="-342900" algn="just">
+              <a:buFont typeface="Arial"/>
+              <a:buChar char="•"/>
+            </a:pPr>
+            <a:r>
+              <a:rPr lang="en-US" dirty="0">
                 <a:ea typeface="+mn-lt"/>
                 <a:cs typeface="+mn-lt"/>
+                <a:hlinkClick r:id="rId5"/>
               </a:rPr>
-              <a:t>Faculty of Mathematics, University of Belgrade</a:t>
-            </a:r>
-            <a:endParaRPr lang="en-US" dirty="0">
-              <a:solidFill>
-                <a:schemeClr val="bg1"/>
-              </a:solidFill>
-            </a:endParaRPr>
-          </a:p>
-          <a:p>
-            <a:pPr>
+              <a:t>https://ec.europa.eu/programmes/horizon2020/en/what-horizon-2020</a:t>
+            </a:r>
+            <a:endParaRPr lang="en-US" b="1">
+              <a:solidFill>
+                <a:srgbClr val="000000"/>
+              </a:solidFill>
+            </a:endParaRPr>
+          </a:p>
+          <a:p>
+            <a:pPr marL="342900" indent="-342900" algn="just">
               <a:buFont typeface="Arial"/>
               <a:buChar char="•"/>
             </a:pPr>
-            <a:endParaRPr lang="en-US" sz="1600">
-              <a:solidFill>
-                <a:schemeClr val="bg1"/>
-              </a:solidFill>
-              <a:ea typeface="+mn-lt"/>
-              <a:cs typeface="+mn-lt"/>
-            </a:endParaRPr>
-          </a:p>
-          <a:p>
-            <a:pPr>
+            <a:endParaRPr lang="en-US" dirty="0">
+              <a:solidFill>
+                <a:srgbClr val="FFFFFF"/>
+              </a:solidFill>
+            </a:endParaRPr>
+          </a:p>
+          <a:p>
+            <a:pPr marL="342900" indent="-342900" algn="just">
               <a:buFont typeface="Arial"/>
               <a:buChar char="•"/>
             </a:pPr>
-            <a:r>
-              <a:rPr lang="en-US" sz="1600" dirty="0">
-                <a:solidFill>
-                  <a:schemeClr val="bg1"/>
-                </a:solidFill>
-                <a:ea typeface="+mn-lt"/>
-                <a:cs typeface="+mn-lt"/>
-              </a:rPr>
-              <a:t>Faculty of Agriculture, University of Belgrade</a:t>
-            </a:r>
             <a:endParaRPr lang="en-US" dirty="0">
               <a:solidFill>
-                <a:schemeClr val="bg1"/>
-              </a:solidFill>
-            </a:endParaRPr>
-          </a:p>
-          <a:p>
-            <a:pPr>
+                <a:srgbClr val="FFFFFF"/>
+              </a:solidFill>
+            </a:endParaRPr>
+          </a:p>
+          <a:p>
+            <a:pPr marL="342900" indent="-342900">
               <a:buFont typeface="Arial"/>
               <a:buChar char="•"/>
             </a:pPr>
-            <a:endParaRPr lang="en-US" sz="1600">
-              <a:solidFill>
-                <a:schemeClr val="bg1"/>
-              </a:solidFill>
-              <a:ea typeface="+mn-lt"/>
-              <a:cs typeface="+mn-lt"/>
-            </a:endParaRPr>
-          </a:p>
-          <a:p>
-            <a:pPr>
+            <a:endParaRPr lang="en-US" sz="2000" b="1">
+              <a:solidFill>
+                <a:srgbClr val="000000"/>
+              </a:solidFill>
+            </a:endParaRPr>
+          </a:p>
+          <a:p>
+            <a:pPr marL="342900" indent="-342900">
               <a:buFont typeface="Arial"/>
               <a:buChar char="•"/>
             </a:pPr>
-            <a:r>
-              <a:rPr lang="en-US" sz="1600" dirty="0">
-                <a:solidFill>
-                  <a:schemeClr val="bg1"/>
-                </a:solidFill>
-                <a:ea typeface="+mn-lt"/>
-                <a:cs typeface="+mn-lt"/>
-              </a:rPr>
-              <a:t>Ministry of Agriculture, Forestry and Water Economy of the Republic of Serbia</a:t>
-            </a:r>
-            <a:endParaRPr lang="en-US" dirty="0">
-              <a:solidFill>
-                <a:schemeClr val="bg1"/>
-              </a:solidFill>
-            </a:endParaRPr>
-          </a:p>
-          <a:p>
-            <a:pPr>
+            <a:endParaRPr lang="en-US" sz="2000" b="1">
+              <a:solidFill>
+                <a:srgbClr val="000000"/>
+              </a:solidFill>
+            </a:endParaRPr>
+          </a:p>
+          <a:p>
+            <a:pPr marL="342900" indent="-342900">
               <a:buFont typeface="Arial"/>
               <a:buChar char="•"/>
             </a:pPr>
-            <a:endParaRPr lang="en-US" sz="1600">
-              <a:solidFill>
-                <a:schemeClr val="bg1"/>
-              </a:solidFill>
-              <a:ea typeface="+mn-lt"/>
-              <a:cs typeface="+mn-lt"/>
-            </a:endParaRPr>
-          </a:p>
-          <a:p>
-            <a:pPr>
+            <a:endParaRPr lang="en-US" sz="2000" b="1">
+              <a:solidFill>
+                <a:srgbClr val="000000"/>
+              </a:solidFill>
+            </a:endParaRPr>
+          </a:p>
+          <a:p>
+            <a:endParaRPr lang="en-US" sz="2000" b="1">
+              <a:solidFill>
+                <a:srgbClr val="000000"/>
+              </a:solidFill>
+            </a:endParaRPr>
+          </a:p>
+          <a:p>
+            <a:pPr marL="342900" indent="-342900">
               <a:buFont typeface="Arial"/>
               <a:buChar char="•"/>
             </a:pPr>
-            <a:r>
-              <a:rPr lang="en-US" sz="1600" dirty="0">
-                <a:solidFill>
-                  <a:schemeClr val="bg1"/>
-                </a:solidFill>
-                <a:ea typeface="+mn-lt"/>
-                <a:cs typeface="+mn-lt"/>
-              </a:rPr>
-              <a:t>Faculty of Electrical Engineering, University of Belgrade</a:t>
-            </a:r>
-            <a:endParaRPr lang="en-US" dirty="0">
-              <a:solidFill>
-                <a:schemeClr val="bg1"/>
-              </a:solidFill>
-            </a:endParaRPr>
-          </a:p>
-          <a:p>
-            <a:pPr>
+            <a:endParaRPr lang="en-US" sz="2000" b="1">
+              <a:solidFill>
+                <a:srgbClr val="000000"/>
+              </a:solidFill>
+            </a:endParaRPr>
+          </a:p>
+          <a:p>
+            <a:pPr marL="342900" indent="-342900">
               <a:buFont typeface="Arial"/>
               <a:buChar char="•"/>
             </a:pPr>
-            <a:endParaRPr lang="en-US" sz="1600">
-              <a:solidFill>
-                <a:schemeClr val="bg1"/>
-              </a:solidFill>
-              <a:ea typeface="+mn-lt"/>
-              <a:cs typeface="+mn-lt"/>
-            </a:endParaRPr>
-          </a:p>
-          <a:p>
-            <a:pPr>
+            <a:endParaRPr lang="en-US" sz="2000" b="1">
+              <a:solidFill>
+                <a:srgbClr val="000000"/>
+              </a:solidFill>
+            </a:endParaRPr>
+          </a:p>
+          <a:p>
+            <a:pPr marL="342900" indent="-342900">
               <a:buFont typeface="Arial"/>
               <a:buChar char="•"/>
             </a:pPr>
-            <a:r>
-              <a:rPr lang="en-US" sz="1600" dirty="0">
-                <a:solidFill>
-                  <a:schemeClr val="bg1"/>
-                </a:solidFill>
-                <a:ea typeface="+mn-lt"/>
-                <a:cs typeface="+mn-lt"/>
-              </a:rPr>
-              <a:t>IAHA - ANIMAL HUSBANDRY ALLIANCE</a:t>
-            </a:r>
-            <a:endParaRPr lang="en-US" dirty="0">
-              <a:solidFill>
-                <a:schemeClr val="bg1"/>
-              </a:solidFill>
-            </a:endParaRPr>
-          </a:p>
-          <a:p>
-            <a:pPr>
-              <a:buFont typeface="Arial"/>
-              <a:buChar char="•"/>
-            </a:pPr>
-            <a:endParaRPr lang="en-US" sz="1600">
-              <a:solidFill>
-                <a:schemeClr val="bg1"/>
-              </a:solidFill>
-              <a:ea typeface="+mn-lt"/>
-              <a:cs typeface="+mn-lt"/>
-            </a:endParaRPr>
-          </a:p>
-          <a:p>
-            <a:pPr>
-              <a:buFont typeface="Arial"/>
-              <a:buChar char="•"/>
-            </a:pPr>
-            <a:r>
-              <a:rPr lang="en-US" sz="1600" dirty="0" err="1">
-                <a:solidFill>
-                  <a:schemeClr val="bg1"/>
-                </a:solidFill>
-                <a:ea typeface="+mn-lt"/>
-                <a:cs typeface="+mn-lt"/>
-              </a:rPr>
-              <a:t>Selerant</a:t>
-            </a:r>
-            <a:r>
-              <a:rPr lang="en-US" sz="1600" dirty="0">
-                <a:solidFill>
-                  <a:schemeClr val="bg1"/>
-                </a:solidFill>
-                <a:ea typeface="+mn-lt"/>
-                <a:cs typeface="+mn-lt"/>
-              </a:rPr>
-              <a:t> Inc., Italy </a:t>
-            </a:r>
-            <a:endParaRPr lang="en-US" dirty="0">
-              <a:solidFill>
-                <a:schemeClr val="bg1"/>
-              </a:solidFill>
-            </a:endParaRPr>
-          </a:p>
-          <a:p>
-            <a:pPr marL="285750" indent="-285750">
-              <a:buFont typeface="Arial"/>
-              <a:buChar char="•"/>
-            </a:pPr>
-            <a:endParaRPr lang="en-US" sz="1600" b="1">
+            <a:endParaRPr lang="en-US" sz="2000" b="1">
               <a:solidFill>
                 <a:srgbClr val="000000"/>
               </a:solidFill>
@@ -10705,7 +10496,7 @@
           <p:cNvPr id="3" name="TextBox 2">
             <a:extLst>
               <a:ext uri="{FF2B5EF4-FFF2-40B4-BE49-F238E27FC236}">
-                <a16:creationId xmlns:a16="http://schemas.microsoft.com/office/drawing/2014/main" xmlns="" id="{28A9AE18-221C-4B14-9C27-25B2FC0B75D9}"/>
+                <a16:creationId xmlns:a16="http://schemas.microsoft.com/office/drawing/2014/main" id="{88AF991F-4607-4186-B6AD-4641C5135655}"/>
               </a:ext>
             </a:extLst>
           </p:cNvPr>
@@ -10714,7 +10505,7 @@
         </p:nvSpPr>
         <p:spPr>
           <a:xfrm>
-            <a:off x="11352362" y="6320287"/>
+            <a:off x="11280475" y="6277155"/>
             <a:ext cx="715993" cy="369332"/>
           </a:xfrm>
           <a:prstGeom prst="rect">
@@ -10733,7 +10524,7 @@
           <a:p>
             <a:pPr algn="l"/>
             <a:r>
-              <a:rPr lang="en-US">
+              <a:rPr lang="en-US" dirty="0">
                 <a:solidFill>
                   <a:srgbClr val="000000"/>
                 </a:solidFill>
@@ -10746,20 +10537,13 @@
     </p:spTree>
     <p:extLst>
       <p:ext uri="{BB962C8B-B14F-4D97-AF65-F5344CB8AC3E}">
-        <p14:creationId xmlns:p14="http://schemas.microsoft.com/office/powerpoint/2010/main" val="3779524196"/>
+        <p14:creationId xmlns:p14="http://schemas.microsoft.com/office/powerpoint/2010/main" val="2913839514"/>
       </p:ext>
     </p:extLst>
   </p:cSld>
   <p:clrMapOvr>
     <a:overrideClrMapping bg1="dk1" tx1="lt1" bg2="dk2" tx2="lt2" accent1="accent1" accent2="accent2" accent3="accent3" accent4="accent4" accent5="accent5" accent6="accent6" hlink="hlink" folHlink="folHlink"/>
   </p:clrMapOvr>
-  <p:timing>
-    <p:tnLst>
-      <p:par>
-        <p:cTn id="1" dur="indefinite" restart="never" nodeType="tmRoot"/>
-      </p:par>
-    </p:tnLst>
-  </p:timing>
 </p:sld>
 </file>
 
